--- a/07-Report/Presentation.pptx
+++ b/07-Report/Presentation.pptx
@@ -29417,7 +29417,7 @@
                 <a:latin typeface="Times New Roman" panose="02020603050405020304" pitchFamily="18" charset="0"/>
                 <a:cs typeface="Times New Roman" panose="02020603050405020304" pitchFamily="18" charset="0"/>
               </a:rPr>
-              <a:t>5.	Recommendations and Future Work</a:t>
+              <a:t>6. Recommendations and Future Work</a:t>
             </a:r>
           </a:p>
         </p:txBody>
@@ -29444,7 +29444,9 @@
             <a:ext cx="9915525" cy="3952875"/>
           </a:xfrm>
           <a:solidFill>
-            <a:schemeClr val="accent5">
+            <a:schemeClr val="bg2">
+              <a:lumMod val="20000"/>
+              <a:lumOff val="80000"/>
               <a:alpha val="50000"/>
             </a:schemeClr>
           </a:solidFill>
@@ -29540,7 +29542,7 @@
                 <a:latin typeface="Times New Roman" panose="02020603050405020304" pitchFamily="18" charset="0"/>
                 <a:cs typeface="Times New Roman" panose="02020603050405020304" pitchFamily="18" charset="0"/>
               </a:rPr>
-              <a:t>•	Expansion of Dataset Coverage</a:t>
+              <a:t>•	Expansion of Dataset Coverage.</a:t>
             </a:r>
           </a:p>
           <a:p>
@@ -29557,7 +29559,7 @@
                 <a:latin typeface="Times New Roman" panose="02020603050405020304" pitchFamily="18" charset="0"/>
                 <a:cs typeface="Times New Roman" panose="02020603050405020304" pitchFamily="18" charset="0"/>
               </a:rPr>
-              <a:t>•	Extended Diagnostic Testing</a:t>
+              <a:t>•	Inclusion of Energy Price Indices.</a:t>
             </a:r>
           </a:p>
           <a:p>
@@ -29574,7 +29576,7 @@
                 <a:latin typeface="Times New Roman" panose="02020603050405020304" pitchFamily="18" charset="0"/>
                 <a:cs typeface="Times New Roman" panose="02020603050405020304" pitchFamily="18" charset="0"/>
               </a:rPr>
-              <a:t>•	Inclusion of Energy Price Indices</a:t>
+              <a:t>•	Extended Diagnostic Testing.</a:t>
             </a:r>
           </a:p>
           <a:p>
@@ -29591,7 +29593,7 @@
                 <a:latin typeface="Times New Roman" panose="02020603050405020304" pitchFamily="18" charset="0"/>
                 <a:cs typeface="Times New Roman" panose="02020603050405020304" pitchFamily="18" charset="0"/>
               </a:rPr>
-              <a:t>•	Development and Integration of Machine Learning (ML) and Deep Learning (DL) </a:t>
+              <a:t>•	Development and Integration of Machine Learning (ML) and Deep Learning (DL). </a:t>
             </a:r>
           </a:p>
         </p:txBody>
@@ -29765,7 +29767,9 @@
             <a:ext cx="9915525" cy="5000625"/>
           </a:xfrm>
           <a:solidFill>
-            <a:schemeClr val="accent5">
+            <a:schemeClr val="bg2">
+              <a:lumMod val="20000"/>
+              <a:lumOff val="80000"/>
               <a:alpha val="50000"/>
             </a:schemeClr>
           </a:solidFill>
@@ -30186,11 +30190,13 @@
         </p:nvSpPr>
         <p:spPr>
           <a:xfrm>
-            <a:off x="1933575" y="1362075"/>
+            <a:off x="1962150" y="1057275"/>
             <a:ext cx="9915525" cy="5000625"/>
           </a:xfrm>
           <a:solidFill>
-            <a:schemeClr val="accent5">
+            <a:schemeClr val="bg2">
+              <a:lumMod val="20000"/>
+              <a:lumOff val="80000"/>
               <a:alpha val="50000"/>
             </a:schemeClr>
           </a:solidFill>
@@ -30232,10 +30238,12 @@
           </a:bodyPr>
           <a:lstStyle/>
           <a:p>
-            <a:pPr>
+            <a:pPr marL="285750" indent="-285750">
               <a:lnSpc>
                 <a:spcPct val="100000"/>
               </a:lnSpc>
+              <a:buFont typeface="Arial" panose="020B0604020202020204" pitchFamily="34" charset="0"/>
+              <a:buChar char="•"/>
             </a:pPr>
             <a:r>
               <a:rPr lang="en-US" sz="1600" cap="none" dirty="0">
@@ -30245,14 +30253,16 @@
                 <a:latin typeface="Times New Roman" panose="02020603050405020304" pitchFamily="18" charset="0"/>
                 <a:cs typeface="Times New Roman" panose="02020603050405020304" pitchFamily="18" charset="0"/>
               </a:rPr>
-              <a:t>•	Blundell, R., &amp; Bond, S. (1998). Initial conditions and moment restrictions in dynamic panel data models. Journal of Econometrics, 87(1), 115–143.</a:t>
+              <a:t>Hsiao, C. (2003). Analysis of Panel Data. Cambridge University Press.</a:t>
             </a:r>
           </a:p>
           <a:p>
-            <a:pPr>
+            <a:pPr marL="285750" indent="-285750">
               <a:lnSpc>
                 <a:spcPct val="100000"/>
               </a:lnSpc>
+              <a:buFont typeface="Arial" panose="020B0604020202020204" pitchFamily="34" charset="0"/>
+              <a:buChar char="•"/>
             </a:pPr>
             <a:r>
               <a:rPr lang="en-US" sz="1600" cap="none" dirty="0">
@@ -30262,8 +30272,129 @@
                 <a:latin typeface="Times New Roman" panose="02020603050405020304" pitchFamily="18" charset="0"/>
                 <a:cs typeface="Times New Roman" panose="02020603050405020304" pitchFamily="18" charset="0"/>
               </a:rPr>
-              <a:t>•	Fischer, S. (1993). The role of macroeconomic factors in growth. Journal of Monetary Economics, 32(3), 485–512.</a:t>
+              <a:t>Verbeek, M., &amp; Nijman, T. (1992). “Testing for selectivity bias in panel data models.” International Economic Review, 33(3), 681–703.</a:t>
             </a:r>
+          </a:p>
+          <a:p>
+            <a:pPr marL="285750" indent="-285750">
+              <a:lnSpc>
+                <a:spcPct val="100000"/>
+              </a:lnSpc>
+              <a:buFont typeface="Arial" panose="020B0604020202020204" pitchFamily="34" charset="0"/>
+              <a:buChar char="•"/>
+            </a:pPr>
+            <a:r>
+              <a:rPr lang="en-US" sz="1600" cap="none" dirty="0">
+                <a:solidFill>
+                  <a:schemeClr val="bg1"/>
+                </a:solidFill>
+                <a:latin typeface="Times New Roman" panose="02020603050405020304" pitchFamily="18" charset="0"/>
+                <a:cs typeface="Times New Roman" panose="02020603050405020304" pitchFamily="18" charset="0"/>
+              </a:rPr>
+              <a:t>Moulton, B. R. (1990). “An illustration of a pitfall in estimating the effects of aggregate variables on micro units.” Review of Economics and Statistics, 72(2), 334–338.</a:t>
+            </a:r>
+          </a:p>
+          <a:p>
+            <a:pPr marL="285750" indent="-285750">
+              <a:lnSpc>
+                <a:spcPct val="100000"/>
+              </a:lnSpc>
+              <a:buFont typeface="Arial" panose="020B0604020202020204" pitchFamily="34" charset="0"/>
+              <a:buChar char="•"/>
+            </a:pPr>
+            <a:r>
+              <a:rPr lang="en-US" sz="1600" cap="none" dirty="0">
+                <a:solidFill>
+                  <a:schemeClr val="bg1"/>
+                </a:solidFill>
+                <a:latin typeface="Times New Roman" panose="02020603050405020304" pitchFamily="18" charset="0"/>
+                <a:cs typeface="Times New Roman" panose="02020603050405020304" pitchFamily="18" charset="0"/>
+              </a:rPr>
+              <a:t>Arellano, M., &amp; Bond, S. (1991). “Initial conditions and moment restrictions in dynamic panel data models.” Journal of Econometrics, 87(1), 115–143.</a:t>
+            </a:r>
+          </a:p>
+          <a:p>
+            <a:pPr marL="285750" indent="-285750">
+              <a:lnSpc>
+                <a:spcPct val="100000"/>
+              </a:lnSpc>
+              <a:buFont typeface="Arial" panose="020B0604020202020204" pitchFamily="34" charset="0"/>
+              <a:buChar char="•"/>
+            </a:pPr>
+            <a:r>
+              <a:rPr lang="en-US" sz="1600" cap="none" dirty="0" err="1">
+                <a:solidFill>
+                  <a:schemeClr val="bg1"/>
+                </a:solidFill>
+                <a:latin typeface="Times New Roman" panose="02020603050405020304" pitchFamily="18" charset="0"/>
+                <a:cs typeface="Times New Roman" panose="02020603050405020304" pitchFamily="18" charset="0"/>
+              </a:rPr>
+              <a:t>Baltagi</a:t>
+            </a:r>
+            <a:r>
+              <a:rPr lang="en-US" sz="1600" cap="none" dirty="0">
+                <a:solidFill>
+                  <a:schemeClr val="bg1"/>
+                </a:solidFill>
+                <a:latin typeface="Times New Roman" panose="02020603050405020304" pitchFamily="18" charset="0"/>
+                <a:cs typeface="Times New Roman" panose="02020603050405020304" pitchFamily="18" charset="0"/>
+              </a:rPr>
+              <a:t>, B. H. (2008). Econometric Analysis of Panel Data (4th ed.). John Wiley &amp; Sons.</a:t>
+            </a:r>
+          </a:p>
+          <a:p>
+            <a:pPr marL="285750" indent="-285750">
+              <a:lnSpc>
+                <a:spcPct val="100000"/>
+              </a:lnSpc>
+              <a:buFont typeface="Arial" panose="020B0604020202020204" pitchFamily="34" charset="0"/>
+              <a:buChar char="•"/>
+            </a:pPr>
+            <a:r>
+              <a:rPr lang="en-US" sz="1600" cap="none" dirty="0">
+                <a:solidFill>
+                  <a:schemeClr val="bg1"/>
+                </a:solidFill>
+                <a:latin typeface="Times New Roman" panose="02020603050405020304" pitchFamily="18" charset="0"/>
+                <a:cs typeface="Times New Roman" panose="02020603050405020304" pitchFamily="18" charset="0"/>
+              </a:rPr>
+              <a:t>Fischer, S. (1993). “The role of macroeconomic factors in growth.” Journal of Monetary Economics, 32(3), 485–512.</a:t>
+            </a:r>
+          </a:p>
+          <a:p>
+            <a:pPr marL="285750" indent="-285750">
+              <a:lnSpc>
+                <a:spcPct val="100000"/>
+              </a:lnSpc>
+              <a:buFont typeface="Arial" panose="020B0604020202020204" pitchFamily="34" charset="0"/>
+              <a:buChar char="•"/>
+            </a:pPr>
+            <a:r>
+              <a:rPr lang="en-US" sz="1600" cap="none" dirty="0">
+                <a:solidFill>
+                  <a:schemeClr val="bg1"/>
+                </a:solidFill>
+                <a:latin typeface="Times New Roman" panose="02020603050405020304" pitchFamily="18" charset="0"/>
+                <a:cs typeface="Times New Roman" panose="02020603050405020304" pitchFamily="18" charset="0"/>
+              </a:rPr>
+              <a:t>Wooldridge, J. M. (2010). Econometric Analysis of Cross Section and Panel Data (2nd ed.). MIT Press.</a:t>
+            </a:r>
+          </a:p>
+          <a:p>
+            <a:pPr marL="285750" indent="-285750">
+              <a:lnSpc>
+                <a:spcPct val="100000"/>
+              </a:lnSpc>
+              <a:buFont typeface="Arial" panose="020B0604020202020204" pitchFamily="34" charset="0"/>
+              <a:buChar char="•"/>
+            </a:pPr>
+            <a:endParaRPr lang="en-US" sz="1600" cap="none" dirty="0">
+              <a:solidFill>
+                <a:schemeClr val="bg1"/>
+              </a:solidFill>
+              <a:latin typeface="Times New Roman" panose="02020603050405020304" pitchFamily="18" charset="0"/>
+              <a:cs typeface="Times New Roman" panose="02020603050405020304" pitchFamily="18" charset="0"/>
+            </a:endParaRPr>
           </a:p>
         </p:txBody>
       </p:sp>
@@ -30571,8 +30702,8 @@
         </p:nvSpPr>
         <p:spPr>
           <a:xfrm>
-            <a:off x="2090735" y="1143000"/>
-            <a:ext cx="4567239" cy="3771900"/>
+            <a:off x="2090735" y="1142999"/>
+            <a:ext cx="4567239" cy="3886199"/>
           </a:xfrm>
           <a:solidFill>
             <a:schemeClr val="bg2">
@@ -30739,7 +30870,7 @@
         <p:spPr>
           <a:xfrm>
             <a:off x="6657973" y="1143000"/>
-            <a:ext cx="4567239" cy="3771900"/>
+            <a:ext cx="4567239" cy="3886200"/>
           </a:xfrm>
           <a:prstGeom prst="rect">
             <a:avLst/>

--- a/07-Report/Presentation.pptx
+++ b/07-Report/Presentation.pptx
@@ -187,7 +187,7 @@
           <a:noFill/>
           <a:extLst>
             <a:ext uri="{909E8E84-426E-40dd-AFC4-6F175D3DCCD1}">
-              <a14:hiddenFill xmlns:a14="http://schemas.microsoft.com/office/drawing/2010/main" xmlns="">
+              <a14:hiddenFill xmlns="" xmlns:a14="http://schemas.microsoft.com/office/drawing/2010/main">
                 <a:solidFill>
                   <a:srgbClr val="FFFFFF"/>
                 </a:solidFill>
@@ -247,7 +247,7 @@
             </a:ln>
             <a:extLst>
               <a:ext uri="{91240B29-F687-4f45-9708-019B960494DF}">
-                <a14:hiddenLine xmlns:a14="http://schemas.microsoft.com/office/drawing/2010/main" xmlns="" w="9525">
+                <a14:hiddenLine xmlns="" xmlns:a14="http://schemas.microsoft.com/office/drawing/2010/main" w="9525">
                   <a:solidFill>
                     <a:srgbClr val="000000"/>
                   </a:solidFill>
@@ -337,7 +337,7 @@
             </a:ln>
             <a:extLst>
               <a:ext uri="{91240B29-F687-4f45-9708-019B960494DF}">
-                <a14:hiddenLine xmlns:a14="http://schemas.microsoft.com/office/drawing/2010/main" xmlns="" w="9525">
+                <a14:hiddenLine xmlns="" xmlns:a14="http://schemas.microsoft.com/office/drawing/2010/main" w="9525">
                   <a:solidFill>
                     <a:srgbClr val="000000"/>
                   </a:solidFill>
@@ -427,7 +427,7 @@
             </a:ln>
             <a:extLst>
               <a:ext uri="{91240B29-F687-4f45-9708-019B960494DF}">
-                <a14:hiddenLine xmlns:a14="http://schemas.microsoft.com/office/drawing/2010/main" xmlns="" w="9525">
+                <a14:hiddenLine xmlns="" xmlns:a14="http://schemas.microsoft.com/office/drawing/2010/main" w="9525">
                   <a:solidFill>
                     <a:srgbClr val="000000"/>
                   </a:solidFill>
@@ -461,7 +461,7 @@
             </a:ln>
             <a:extLst>
               <a:ext uri="{91240B29-F687-4f45-9708-019B960494DF}">
-                <a14:hiddenLine xmlns:a14="http://schemas.microsoft.com/office/drawing/2010/main" xmlns="" w="9525">
+                <a14:hiddenLine xmlns="" xmlns:a14="http://schemas.microsoft.com/office/drawing/2010/main" w="9525">
                   <a:solidFill>
                     <a:srgbClr val="000000"/>
                   </a:solidFill>
@@ -551,7 +551,7 @@
             </a:ln>
             <a:extLst>
               <a:ext uri="{91240B29-F687-4f45-9708-019B960494DF}">
-                <a14:hiddenLine xmlns:a14="http://schemas.microsoft.com/office/drawing/2010/main" xmlns="" w="9525">
+                <a14:hiddenLine xmlns="" xmlns:a14="http://schemas.microsoft.com/office/drawing/2010/main" w="9525">
                   <a:solidFill>
                     <a:srgbClr val="000000"/>
                   </a:solidFill>
@@ -613,7 +613,7 @@
             </a:ln>
             <a:extLst>
               <a:ext uri="{91240B29-F687-4f45-9708-019B960494DF}">
-                <a14:hiddenLine xmlns:a14="http://schemas.microsoft.com/office/drawing/2010/main" xmlns="" w="9525">
+                <a14:hiddenLine xmlns="" xmlns:a14="http://schemas.microsoft.com/office/drawing/2010/main" w="9525">
                   <a:solidFill>
                     <a:srgbClr val="000000"/>
                   </a:solidFill>
@@ -675,7 +675,7 @@
             </a:ln>
             <a:extLst>
               <a:ext uri="{91240B29-F687-4f45-9708-019B960494DF}">
-                <a14:hiddenLine xmlns:a14="http://schemas.microsoft.com/office/drawing/2010/main" xmlns="" w="9525">
+                <a14:hiddenLine xmlns="" xmlns:a14="http://schemas.microsoft.com/office/drawing/2010/main" w="9525">
                   <a:solidFill>
                     <a:srgbClr val="000000"/>
                   </a:solidFill>
@@ -765,7 +765,7 @@
             </a:ln>
             <a:extLst>
               <a:ext uri="{91240B29-F687-4f45-9708-019B960494DF}">
-                <a14:hiddenLine xmlns:a14="http://schemas.microsoft.com/office/drawing/2010/main" xmlns="" w="9525">
+                <a14:hiddenLine xmlns="" xmlns:a14="http://schemas.microsoft.com/office/drawing/2010/main" w="9525">
                   <a:solidFill>
                     <a:srgbClr val="000000"/>
                   </a:solidFill>
@@ -827,7 +827,7 @@
             </a:ln>
             <a:extLst>
               <a:ext uri="{91240B29-F687-4f45-9708-019B960494DF}">
-                <a14:hiddenLine xmlns:a14="http://schemas.microsoft.com/office/drawing/2010/main" xmlns="" w="9525">
+                <a14:hiddenLine xmlns="" xmlns:a14="http://schemas.microsoft.com/office/drawing/2010/main" w="9525">
                   <a:solidFill>
                     <a:srgbClr val="000000"/>
                   </a:solidFill>
@@ -889,7 +889,7 @@
             </a:ln>
             <a:extLst>
               <a:ext uri="{91240B29-F687-4f45-9708-019B960494DF}">
-                <a14:hiddenLine xmlns:a14="http://schemas.microsoft.com/office/drawing/2010/main" xmlns="" w="9525">
+                <a14:hiddenLine xmlns="" xmlns:a14="http://schemas.microsoft.com/office/drawing/2010/main" w="9525">
                   <a:solidFill>
                     <a:srgbClr val="000000"/>
                   </a:solidFill>
@@ -979,7 +979,7 @@
             </a:ln>
             <a:extLst>
               <a:ext uri="{91240B29-F687-4f45-9708-019B960494DF}">
-                <a14:hiddenLine xmlns:a14="http://schemas.microsoft.com/office/drawing/2010/main" xmlns="" w="9525">
+                <a14:hiddenLine xmlns="" xmlns:a14="http://schemas.microsoft.com/office/drawing/2010/main" w="9525">
                   <a:solidFill>
                     <a:srgbClr val="000000"/>
                   </a:solidFill>
@@ -1069,7 +1069,7 @@
             </a:ln>
             <a:extLst>
               <a:ext uri="{91240B29-F687-4f45-9708-019B960494DF}">
-                <a14:hiddenLine xmlns:a14="http://schemas.microsoft.com/office/drawing/2010/main" xmlns="" w="9525">
+                <a14:hiddenLine xmlns="" xmlns:a14="http://schemas.microsoft.com/office/drawing/2010/main" w="9525">
                   <a:solidFill>
                     <a:srgbClr val="000000"/>
                   </a:solidFill>
@@ -1131,7 +1131,7 @@
             </a:ln>
             <a:extLst>
               <a:ext uri="{91240B29-F687-4f45-9708-019B960494DF}">
-                <a14:hiddenLine xmlns:a14="http://schemas.microsoft.com/office/drawing/2010/main" xmlns="" w="9525">
+                <a14:hiddenLine xmlns="" xmlns:a14="http://schemas.microsoft.com/office/drawing/2010/main" w="9525">
                   <a:solidFill>
                     <a:srgbClr val="000000"/>
                   </a:solidFill>
@@ -1241,7 +1241,7 @@
             </a:ln>
             <a:extLst>
               <a:ext uri="{91240B29-F687-4f45-9708-019B960494DF}">
-                <a14:hiddenLine xmlns:a14="http://schemas.microsoft.com/office/drawing/2010/main" xmlns="" w="9525">
+                <a14:hiddenLine xmlns="" xmlns:a14="http://schemas.microsoft.com/office/drawing/2010/main" w="9525">
                   <a:solidFill>
                     <a:srgbClr val="000000"/>
                   </a:solidFill>
@@ -1303,7 +1303,7 @@
             </a:ln>
             <a:extLst>
               <a:ext uri="{91240B29-F687-4f45-9708-019B960494DF}">
-                <a14:hiddenLine xmlns:a14="http://schemas.microsoft.com/office/drawing/2010/main" xmlns="" w="9525">
+                <a14:hiddenLine xmlns="" xmlns:a14="http://schemas.microsoft.com/office/drawing/2010/main" w="9525">
                   <a:solidFill>
                     <a:srgbClr val="000000"/>
                   </a:solidFill>
@@ -1393,7 +1393,7 @@
             </a:ln>
             <a:extLst>
               <a:ext uri="{91240B29-F687-4f45-9708-019B960494DF}">
-                <a14:hiddenLine xmlns:a14="http://schemas.microsoft.com/office/drawing/2010/main" xmlns="" w="9525">
+                <a14:hiddenLine xmlns="" xmlns:a14="http://schemas.microsoft.com/office/drawing/2010/main" w="9525">
                   <a:solidFill>
                     <a:srgbClr val="000000"/>
                   </a:solidFill>
@@ -1483,7 +1483,7 @@
             </a:ln>
             <a:extLst>
               <a:ext uri="{91240B29-F687-4f45-9708-019B960494DF}">
-                <a14:hiddenLine xmlns:a14="http://schemas.microsoft.com/office/drawing/2010/main" xmlns="" w="9525">
+                <a14:hiddenLine xmlns="" xmlns:a14="http://schemas.microsoft.com/office/drawing/2010/main" w="9525">
                   <a:solidFill>
                     <a:srgbClr val="000000"/>
                   </a:solidFill>
@@ -1545,7 +1545,7 @@
             </a:ln>
             <a:extLst>
               <a:ext uri="{91240B29-F687-4f45-9708-019B960494DF}">
-                <a14:hiddenLine xmlns:a14="http://schemas.microsoft.com/office/drawing/2010/main" xmlns="" w="9525">
+                <a14:hiddenLine xmlns="" xmlns:a14="http://schemas.microsoft.com/office/drawing/2010/main" w="9525">
                   <a:solidFill>
                     <a:srgbClr val="000000"/>
                   </a:solidFill>
@@ -1635,7 +1635,7 @@
             </a:ln>
             <a:extLst>
               <a:ext uri="{91240B29-F687-4f45-9708-019B960494DF}">
-                <a14:hiddenLine xmlns:a14="http://schemas.microsoft.com/office/drawing/2010/main" xmlns="" w="9525">
+                <a14:hiddenLine xmlns="" xmlns:a14="http://schemas.microsoft.com/office/drawing/2010/main" w="9525">
                   <a:solidFill>
                     <a:srgbClr val="000000"/>
                   </a:solidFill>
@@ -1725,7 +1725,7 @@
             </a:ln>
             <a:extLst>
               <a:ext uri="{91240B29-F687-4f45-9708-019B960494DF}">
-                <a14:hiddenLine xmlns:a14="http://schemas.microsoft.com/office/drawing/2010/main" xmlns="" w="9525">
+                <a14:hiddenLine xmlns="" xmlns:a14="http://schemas.microsoft.com/office/drawing/2010/main" w="9525">
                   <a:solidFill>
                     <a:srgbClr val="000000"/>
                   </a:solidFill>
@@ -1781,7 +1781,7 @@
             </a:ln>
             <a:extLst>
               <a:ext uri="{91240B29-F687-4f45-9708-019B960494DF}">
-                <a14:hiddenLine xmlns:a14="http://schemas.microsoft.com/office/drawing/2010/main" xmlns="" w="9525">
+                <a14:hiddenLine xmlns="" xmlns:a14="http://schemas.microsoft.com/office/drawing/2010/main" w="9525">
                   <a:solidFill>
                     <a:srgbClr val="000000"/>
                   </a:solidFill>
@@ -1871,7 +1871,7 @@
             </a:ln>
             <a:extLst>
               <a:ext uri="{91240B29-F687-4f45-9708-019B960494DF}">
-                <a14:hiddenLine xmlns:a14="http://schemas.microsoft.com/office/drawing/2010/main" xmlns="" w="9525">
+                <a14:hiddenLine xmlns="" xmlns:a14="http://schemas.microsoft.com/office/drawing/2010/main" w="9525">
                   <a:solidFill>
                     <a:srgbClr val="000000"/>
                   </a:solidFill>
@@ -1927,7 +1927,7 @@
             </a:ln>
             <a:extLst>
               <a:ext uri="{91240B29-F687-4f45-9708-019B960494DF}">
-                <a14:hiddenLine xmlns:a14="http://schemas.microsoft.com/office/drawing/2010/main" xmlns="" w="9525">
+                <a14:hiddenLine xmlns="" xmlns:a14="http://schemas.microsoft.com/office/drawing/2010/main" w="9525">
                   <a:solidFill>
                     <a:srgbClr val="000000"/>
                   </a:solidFill>
@@ -2017,7 +2017,7 @@
             </a:ln>
             <a:extLst>
               <a:ext uri="{91240B29-F687-4f45-9708-019B960494DF}">
-                <a14:hiddenLine xmlns:a14="http://schemas.microsoft.com/office/drawing/2010/main" xmlns="" w="9525">
+                <a14:hiddenLine xmlns="" xmlns:a14="http://schemas.microsoft.com/office/drawing/2010/main" w="9525">
                   <a:solidFill>
                     <a:srgbClr val="000000"/>
                   </a:solidFill>
@@ -2085,7 +2085,7 @@
             </a:ln>
             <a:extLst>
               <a:ext uri="{91240B29-F687-4f45-9708-019B960494DF}">
-                <a14:hiddenLine xmlns:a14="http://schemas.microsoft.com/office/drawing/2010/main" xmlns="" w="9525">
+                <a14:hiddenLine xmlns="" xmlns:a14="http://schemas.microsoft.com/office/drawing/2010/main" w="9525">
                   <a:solidFill>
                     <a:srgbClr val="000000"/>
                   </a:solidFill>
@@ -2175,7 +2175,7 @@
             </a:ln>
             <a:extLst>
               <a:ext uri="{91240B29-F687-4f45-9708-019B960494DF}">
-                <a14:hiddenLine xmlns:a14="http://schemas.microsoft.com/office/drawing/2010/main" xmlns="" w="9525">
+                <a14:hiddenLine xmlns="" xmlns:a14="http://schemas.microsoft.com/office/drawing/2010/main" w="9525">
                   <a:solidFill>
                     <a:srgbClr val="000000"/>
                   </a:solidFill>
@@ -2243,7 +2243,7 @@
             </a:ln>
             <a:extLst>
               <a:ext uri="{91240B29-F687-4f45-9708-019B960494DF}">
-                <a14:hiddenLine xmlns:a14="http://schemas.microsoft.com/office/drawing/2010/main" xmlns="" w="9525">
+                <a14:hiddenLine xmlns="" xmlns:a14="http://schemas.microsoft.com/office/drawing/2010/main" w="9525">
                   <a:solidFill>
                     <a:srgbClr val="000000"/>
                   </a:solidFill>
@@ -2333,7 +2333,7 @@
             </a:ln>
             <a:extLst>
               <a:ext uri="{91240B29-F687-4f45-9708-019B960494DF}">
-                <a14:hiddenLine xmlns:a14="http://schemas.microsoft.com/office/drawing/2010/main" xmlns="" w="9525">
+                <a14:hiddenLine xmlns="" xmlns:a14="http://schemas.microsoft.com/office/drawing/2010/main" w="9525">
                   <a:solidFill>
                     <a:srgbClr val="000000"/>
                   </a:solidFill>
@@ -2367,7 +2367,7 @@
             </a:ln>
             <a:extLst>
               <a:ext uri="{91240B29-F687-4f45-9708-019B960494DF}">
-                <a14:hiddenLine xmlns:a14="http://schemas.microsoft.com/office/drawing/2010/main" xmlns="" w="9525">
+                <a14:hiddenLine xmlns="" xmlns:a14="http://schemas.microsoft.com/office/drawing/2010/main" w="9525">
                   <a:solidFill>
                     <a:srgbClr val="000000"/>
                   </a:solidFill>
@@ -2457,7 +2457,7 @@
             </a:ln>
             <a:extLst>
               <a:ext uri="{91240B29-F687-4f45-9708-019B960494DF}">
-                <a14:hiddenLine xmlns:a14="http://schemas.microsoft.com/office/drawing/2010/main" xmlns="" w="9525">
+                <a14:hiddenLine xmlns="" xmlns:a14="http://schemas.microsoft.com/office/drawing/2010/main" w="9525">
                   <a:solidFill>
                     <a:srgbClr val="000000"/>
                   </a:solidFill>
@@ -2519,7 +2519,7 @@
             </a:ln>
             <a:extLst>
               <a:ext uri="{91240B29-F687-4f45-9708-019B960494DF}">
-                <a14:hiddenLine xmlns:a14="http://schemas.microsoft.com/office/drawing/2010/main" xmlns="" w="9525">
+                <a14:hiddenLine xmlns="" xmlns:a14="http://schemas.microsoft.com/office/drawing/2010/main" w="9525">
                   <a:solidFill>
                     <a:srgbClr val="000000"/>
                   </a:solidFill>
@@ -2581,7 +2581,7 @@
             </a:ln>
             <a:extLst>
               <a:ext uri="{91240B29-F687-4f45-9708-019B960494DF}">
-                <a14:hiddenLine xmlns:a14="http://schemas.microsoft.com/office/drawing/2010/main" xmlns="" w="9525">
+                <a14:hiddenLine xmlns="" xmlns:a14="http://schemas.microsoft.com/office/drawing/2010/main" w="9525">
                   <a:solidFill>
                     <a:srgbClr val="000000"/>
                   </a:solidFill>
@@ -2671,7 +2671,7 @@
             </a:ln>
             <a:extLst>
               <a:ext uri="{91240B29-F687-4f45-9708-019B960494DF}">
-                <a14:hiddenLine xmlns:a14="http://schemas.microsoft.com/office/drawing/2010/main" xmlns="" w="9525">
+                <a14:hiddenLine xmlns="" xmlns:a14="http://schemas.microsoft.com/office/drawing/2010/main" w="9525">
                   <a:solidFill>
                     <a:srgbClr val="000000"/>
                   </a:solidFill>
@@ -2739,7 +2739,7 @@
             </a:ln>
             <a:extLst>
               <a:ext uri="{91240B29-F687-4f45-9708-019B960494DF}">
-                <a14:hiddenLine xmlns:a14="http://schemas.microsoft.com/office/drawing/2010/main" xmlns="" w="9525">
+                <a14:hiddenLine xmlns="" xmlns:a14="http://schemas.microsoft.com/office/drawing/2010/main" w="9525">
                   <a:solidFill>
                     <a:srgbClr val="000000"/>
                   </a:solidFill>
@@ -2801,7 +2801,7 @@
             </a:ln>
             <a:extLst>
               <a:ext uri="{91240B29-F687-4f45-9708-019B960494DF}">
-                <a14:hiddenLine xmlns:a14="http://schemas.microsoft.com/office/drawing/2010/main" xmlns="" w="9525">
+                <a14:hiddenLine xmlns="" xmlns:a14="http://schemas.microsoft.com/office/drawing/2010/main" w="9525">
                   <a:solidFill>
                     <a:srgbClr val="000000"/>
                   </a:solidFill>
@@ -2891,7 +2891,7 @@
             </a:ln>
             <a:extLst>
               <a:ext uri="{91240B29-F687-4f45-9708-019B960494DF}">
-                <a14:hiddenLine xmlns:a14="http://schemas.microsoft.com/office/drawing/2010/main" xmlns="" w="9525">
+                <a14:hiddenLine xmlns="" xmlns:a14="http://schemas.microsoft.com/office/drawing/2010/main" w="9525">
                   <a:solidFill>
                     <a:srgbClr val="000000"/>
                   </a:solidFill>
@@ -2953,7 +2953,7 @@
             </a:ln>
             <a:extLst>
               <a:ext uri="{91240B29-F687-4f45-9708-019B960494DF}">
-                <a14:hiddenLine xmlns:a14="http://schemas.microsoft.com/office/drawing/2010/main" xmlns="" w="9525">
+                <a14:hiddenLine xmlns="" xmlns:a14="http://schemas.microsoft.com/office/drawing/2010/main" w="9525">
                   <a:solidFill>
                     <a:srgbClr val="000000"/>
                   </a:solidFill>
@@ -3043,7 +3043,7 @@
             </a:ln>
             <a:extLst>
               <a:ext uri="{91240B29-F687-4f45-9708-019B960494DF}">
-                <a14:hiddenLine xmlns:a14="http://schemas.microsoft.com/office/drawing/2010/main" xmlns="" w="9525">
+                <a14:hiddenLine xmlns="" xmlns:a14="http://schemas.microsoft.com/office/drawing/2010/main" w="9525">
                   <a:solidFill>
                     <a:srgbClr val="000000"/>
                   </a:solidFill>
@@ -3105,7 +3105,7 @@
             </a:ln>
             <a:extLst>
               <a:ext uri="{91240B29-F687-4f45-9708-019B960494DF}">
-                <a14:hiddenLine xmlns:a14="http://schemas.microsoft.com/office/drawing/2010/main" xmlns="" w="9525">
+                <a14:hiddenLine xmlns="" xmlns:a14="http://schemas.microsoft.com/office/drawing/2010/main" w="9525">
                   <a:solidFill>
                     <a:srgbClr val="000000"/>
                   </a:solidFill>
@@ -3195,7 +3195,7 @@
             </a:ln>
             <a:extLst>
               <a:ext uri="{91240B29-F687-4f45-9708-019B960494DF}">
-                <a14:hiddenLine xmlns:a14="http://schemas.microsoft.com/office/drawing/2010/main" xmlns="" w="9525">
+                <a14:hiddenLine xmlns="" xmlns:a14="http://schemas.microsoft.com/office/drawing/2010/main" w="9525">
                   <a:solidFill>
                     <a:srgbClr val="000000"/>
                   </a:solidFill>
@@ -3229,7 +3229,7 @@
             </a:ln>
             <a:extLst>
               <a:ext uri="{91240B29-F687-4f45-9708-019B960494DF}">
-                <a14:hiddenLine xmlns:a14="http://schemas.microsoft.com/office/drawing/2010/main" xmlns="" w="9525">
+                <a14:hiddenLine xmlns="" xmlns:a14="http://schemas.microsoft.com/office/drawing/2010/main" w="9525">
                   <a:solidFill>
                     <a:srgbClr val="000000"/>
                   </a:solidFill>
@@ -3294,7 +3294,7 @@
             </a:ln>
             <a:extLst>
               <a:ext uri="{91240B29-F687-4f45-9708-019B960494DF}">
-                <a14:hiddenLine xmlns:a14="http://schemas.microsoft.com/office/drawing/2010/main" xmlns="" w="9525">
+                <a14:hiddenLine xmlns="" xmlns:a14="http://schemas.microsoft.com/office/drawing/2010/main" w="9525">
                   <a:solidFill>
                     <a:srgbClr val="000000"/>
                   </a:solidFill>
@@ -3384,7 +3384,7 @@
             </a:ln>
             <a:extLst>
               <a:ext uri="{91240B29-F687-4f45-9708-019B960494DF}">
-                <a14:hiddenLine xmlns:a14="http://schemas.microsoft.com/office/drawing/2010/main" xmlns="" w="9525">
+                <a14:hiddenLine xmlns="" xmlns:a14="http://schemas.microsoft.com/office/drawing/2010/main" w="9525">
                   <a:solidFill>
                     <a:srgbClr val="000000"/>
                   </a:solidFill>
@@ -3446,7 +3446,7 @@
             </a:ln>
             <a:extLst>
               <a:ext uri="{91240B29-F687-4f45-9708-019B960494DF}">
-                <a14:hiddenLine xmlns:a14="http://schemas.microsoft.com/office/drawing/2010/main" xmlns="" w="9525">
+                <a14:hiddenLine xmlns="" xmlns:a14="http://schemas.microsoft.com/office/drawing/2010/main" w="9525">
                   <a:solidFill>
                     <a:srgbClr val="000000"/>
                   </a:solidFill>
@@ -3536,7 +3536,7 @@
             </a:ln>
             <a:extLst>
               <a:ext uri="{91240B29-F687-4f45-9708-019B960494DF}">
-                <a14:hiddenLine xmlns:a14="http://schemas.microsoft.com/office/drawing/2010/main" xmlns="" w="9525">
+                <a14:hiddenLine xmlns="" xmlns:a14="http://schemas.microsoft.com/office/drawing/2010/main" w="9525">
                   <a:solidFill>
                     <a:srgbClr val="000000"/>
                   </a:solidFill>
@@ -3626,7 +3626,7 @@
             </a:ln>
             <a:extLst>
               <a:ext uri="{91240B29-F687-4f45-9708-019B960494DF}">
-                <a14:hiddenLine xmlns:a14="http://schemas.microsoft.com/office/drawing/2010/main" xmlns="" w="9525">
+                <a14:hiddenLine xmlns="" xmlns:a14="http://schemas.microsoft.com/office/drawing/2010/main" w="9525">
                   <a:solidFill>
                     <a:srgbClr val="000000"/>
                   </a:solidFill>
@@ -3691,7 +3691,7 @@
             </a:ln>
             <a:extLst>
               <a:ext uri="{91240B29-F687-4f45-9708-019B960494DF}">
-                <a14:hiddenLine xmlns:a14="http://schemas.microsoft.com/office/drawing/2010/main" xmlns="" w="9525">
+                <a14:hiddenLine xmlns="" xmlns:a14="http://schemas.microsoft.com/office/drawing/2010/main" w="9525">
                   <a:solidFill>
                     <a:srgbClr val="000000"/>
                   </a:solidFill>
@@ -3753,7 +3753,7 @@
             </a:ln>
             <a:extLst>
               <a:ext uri="{91240B29-F687-4f45-9708-019B960494DF}">
-                <a14:hiddenLine xmlns:a14="http://schemas.microsoft.com/office/drawing/2010/main" xmlns="" w="9525">
+                <a14:hiddenLine xmlns="" xmlns:a14="http://schemas.microsoft.com/office/drawing/2010/main" w="9525">
                   <a:solidFill>
                     <a:srgbClr val="000000"/>
                   </a:solidFill>
@@ -3843,7 +3843,7 @@
             </a:ln>
             <a:extLst>
               <a:ext uri="{91240B29-F687-4f45-9708-019B960494DF}">
-                <a14:hiddenLine xmlns:a14="http://schemas.microsoft.com/office/drawing/2010/main" xmlns="" w="9525">
+                <a14:hiddenLine xmlns="" xmlns:a14="http://schemas.microsoft.com/office/drawing/2010/main" w="9525">
                   <a:solidFill>
                     <a:srgbClr val="000000"/>
                   </a:solidFill>
@@ -3933,7 +3933,7 @@
             </a:ln>
             <a:extLst>
               <a:ext uri="{91240B29-F687-4f45-9708-019B960494DF}">
-                <a14:hiddenLine xmlns:a14="http://schemas.microsoft.com/office/drawing/2010/main" xmlns="" w="9525">
+                <a14:hiddenLine xmlns="" xmlns:a14="http://schemas.microsoft.com/office/drawing/2010/main" w="9525">
                   <a:solidFill>
                     <a:srgbClr val="000000"/>
                   </a:solidFill>
@@ -3995,7 +3995,7 @@
             </a:ln>
             <a:extLst>
               <a:ext uri="{91240B29-F687-4f45-9708-019B960494DF}">
-                <a14:hiddenLine xmlns:a14="http://schemas.microsoft.com/office/drawing/2010/main" xmlns="" w="9525">
+                <a14:hiddenLine xmlns="" xmlns:a14="http://schemas.microsoft.com/office/drawing/2010/main" w="9525">
                   <a:solidFill>
                     <a:srgbClr val="000000"/>
                   </a:solidFill>
@@ -4115,7 +4115,7 @@
             </a:ln>
             <a:extLst>
               <a:ext uri="{91240B29-F687-4f45-9708-019B960494DF}">
-                <a14:hiddenLine xmlns:a14="http://schemas.microsoft.com/office/drawing/2010/main" xmlns="" w="9525">
+                <a14:hiddenLine xmlns="" xmlns:a14="http://schemas.microsoft.com/office/drawing/2010/main" w="9525">
                   <a:solidFill>
                     <a:srgbClr val="000000"/>
                   </a:solidFill>
@@ -4183,7 +4183,7 @@
             </a:ln>
             <a:extLst>
               <a:ext uri="{91240B29-F687-4f45-9708-019B960494DF}">
-                <a14:hiddenLine xmlns:a14="http://schemas.microsoft.com/office/drawing/2010/main" xmlns="" w="9525">
+                <a14:hiddenLine xmlns="" xmlns:a14="http://schemas.microsoft.com/office/drawing/2010/main" w="9525">
                   <a:solidFill>
                     <a:srgbClr val="000000"/>
                   </a:solidFill>
@@ -4273,7 +4273,7 @@
             </a:ln>
             <a:extLst>
               <a:ext uri="{91240B29-F687-4f45-9708-019B960494DF}">
-                <a14:hiddenLine xmlns:a14="http://schemas.microsoft.com/office/drawing/2010/main" xmlns="" w="9525">
+                <a14:hiddenLine xmlns="" xmlns:a14="http://schemas.microsoft.com/office/drawing/2010/main" w="9525">
                   <a:solidFill>
                     <a:srgbClr val="000000"/>
                   </a:solidFill>
@@ -4413,7 +4413,7 @@
           <a:p>
             <a:fld id="{48A87A34-81AB-432B-8DAE-1953F412C126}" type="datetimeFigureOut">
               <a:rPr lang="en-US" dirty="0"/>
-              <a:t>6/14/2025</a:t>
+              <a:t>6/18/2025</a:t>
             </a:fld>
             <a:endParaRPr lang="en-US" dirty="0"/>
           </a:p>
@@ -4675,7 +4675,7 @@
           <a:p>
             <a:fld id="{48A87A34-81AB-432B-8DAE-1953F412C126}" type="datetimeFigureOut">
               <a:rPr lang="en-US" dirty="0"/>
-              <a:t>6/14/2025</a:t>
+              <a:t>6/18/2025</a:t>
             </a:fld>
             <a:endParaRPr lang="en-US" dirty="0"/>
           </a:p>
@@ -4866,7 +4866,7 @@
           <a:p>
             <a:fld id="{48A87A34-81AB-432B-8DAE-1953F412C126}" type="datetimeFigureOut">
               <a:rPr lang="en-US" dirty="0"/>
-              <a:t>6/14/2025</a:t>
+              <a:t>6/18/2025</a:t>
             </a:fld>
             <a:endParaRPr lang="en-US" dirty="0"/>
           </a:p>
@@ -5124,7 +5124,7 @@
           <a:p>
             <a:fld id="{48A87A34-81AB-432B-8DAE-1953F412C126}" type="datetimeFigureOut">
               <a:rPr lang="en-US" dirty="0"/>
-              <a:t>6/14/2025</a:t>
+              <a:t>6/18/2025</a:t>
             </a:fld>
             <a:endParaRPr lang="en-US" dirty="0"/>
           </a:p>
@@ -5553,7 +5553,7 @@
           <a:p>
             <a:fld id="{48A87A34-81AB-432B-8DAE-1953F412C126}" type="datetimeFigureOut">
               <a:rPr lang="en-US" dirty="0"/>
-              <a:t>6/14/2025</a:t>
+              <a:t>6/18/2025</a:t>
             </a:fld>
             <a:endParaRPr lang="en-US" dirty="0"/>
           </a:p>
@@ -6094,7 +6094,7 @@
           <a:p>
             <a:fld id="{48A87A34-81AB-432B-8DAE-1953F412C126}" type="datetimeFigureOut">
               <a:rPr lang="en-US" dirty="0"/>
-              <a:t>6/14/2025</a:t>
+              <a:t>6/18/2025</a:t>
             </a:fld>
             <a:endParaRPr lang="en-US" dirty="0"/>
           </a:p>
@@ -6809,7 +6809,7 @@
           <a:p>
             <a:fld id="{48A87A34-81AB-432B-8DAE-1953F412C126}" type="datetimeFigureOut">
               <a:rPr lang="en-US" dirty="0"/>
-              <a:t>6/14/2025</a:t>
+              <a:t>6/18/2025</a:t>
             </a:fld>
             <a:endParaRPr lang="en-US" dirty="0"/>
           </a:p>
@@ -6974,7 +6974,7 @@
           <a:p>
             <a:fld id="{48A87A34-81AB-432B-8DAE-1953F412C126}" type="datetimeFigureOut">
               <a:rPr lang="en-US" dirty="0"/>
-              <a:t>6/14/2025</a:t>
+              <a:t>6/18/2025</a:t>
             </a:fld>
             <a:endParaRPr lang="en-US" dirty="0"/>
           </a:p>
@@ -7149,7 +7149,7 @@
           <a:p>
             <a:fld id="{48A87A34-81AB-432B-8DAE-1953F412C126}" type="datetimeFigureOut">
               <a:rPr lang="en-US" dirty="0"/>
-              <a:t>6/14/2025</a:t>
+              <a:t>6/18/2025</a:t>
             </a:fld>
             <a:endParaRPr lang="en-US" dirty="0"/>
           </a:p>
@@ -7314,7 +7314,7 @@
           <a:p>
             <a:fld id="{48A87A34-81AB-432B-8DAE-1953F412C126}" type="datetimeFigureOut">
               <a:rPr lang="en-US" dirty="0"/>
-              <a:t>6/14/2025</a:t>
+              <a:t>6/18/2025</a:t>
             </a:fld>
             <a:endParaRPr lang="en-US" dirty="0"/>
           </a:p>
@@ -7559,7 +7559,7 @@
           <a:p>
             <a:fld id="{48A87A34-81AB-432B-8DAE-1953F412C126}" type="datetimeFigureOut">
               <a:rPr lang="en-US" dirty="0"/>
-              <a:t>6/14/2025</a:t>
+              <a:t>6/18/2025</a:t>
             </a:fld>
             <a:endParaRPr lang="en-US" dirty="0"/>
           </a:p>
@@ -7786,7 +7786,7 @@
           <a:p>
             <a:fld id="{48A87A34-81AB-432B-8DAE-1953F412C126}" type="datetimeFigureOut">
               <a:rPr lang="en-US" dirty="0"/>
-              <a:t>6/14/2025</a:t>
+              <a:t>6/18/2025</a:t>
             </a:fld>
             <a:endParaRPr lang="en-US" dirty="0"/>
           </a:p>
@@ -8162,7 +8162,7 @@
           <a:p>
             <a:fld id="{48A87A34-81AB-432B-8DAE-1953F412C126}" type="datetimeFigureOut">
               <a:rPr lang="en-US" dirty="0"/>
-              <a:t>6/14/2025</a:t>
+              <a:t>6/18/2025</a:t>
             </a:fld>
             <a:endParaRPr lang="en-US" dirty="0"/>
           </a:p>
@@ -8275,7 +8275,7 @@
           <a:p>
             <a:fld id="{48A87A34-81AB-432B-8DAE-1953F412C126}" type="datetimeFigureOut">
               <a:rPr lang="en-US" dirty="0"/>
-              <a:t>6/14/2025</a:t>
+              <a:t>6/18/2025</a:t>
             </a:fld>
             <a:endParaRPr lang="en-US" dirty="0"/>
           </a:p>
@@ -8365,7 +8365,7 @@
           <a:p>
             <a:fld id="{48A87A34-81AB-432B-8DAE-1953F412C126}" type="datetimeFigureOut">
               <a:rPr lang="en-US" dirty="0"/>
-              <a:t>6/14/2025</a:t>
+              <a:t>6/18/2025</a:t>
             </a:fld>
             <a:endParaRPr lang="en-US" dirty="0"/>
           </a:p>
@@ -8609,7 +8609,7 @@
           <a:p>
             <a:fld id="{48A87A34-81AB-432B-8DAE-1953F412C126}" type="datetimeFigureOut">
               <a:rPr lang="en-US" dirty="0"/>
-              <a:t>6/14/2025</a:t>
+              <a:t>6/18/2025</a:t>
             </a:fld>
             <a:endParaRPr lang="en-US" dirty="0"/>
           </a:p>
@@ -8884,7 +8884,7 @@
           <a:p>
             <a:fld id="{48A87A34-81AB-432B-8DAE-1953F412C126}" type="datetimeFigureOut">
               <a:rPr lang="en-US" dirty="0"/>
-              <a:t>6/14/2025</a:t>
+              <a:t>6/18/2025</a:t>
             </a:fld>
             <a:endParaRPr lang="en-US" dirty="0"/>
           </a:p>
@@ -8995,7 +8995,7 @@
           <a:noFill/>
           <a:extLst>
             <a:ext uri="{909E8E84-426E-40dd-AFC4-6F175D3DCCD1}">
-              <a14:hiddenFill xmlns:a14="http://schemas.microsoft.com/office/drawing/2010/main" xmlns="">
+              <a14:hiddenFill xmlns="" xmlns:a14="http://schemas.microsoft.com/office/drawing/2010/main">
                 <a:solidFill>
                   <a:srgbClr val="FFFFFF"/>
                 </a:solidFill>
@@ -9069,7 +9069,7 @@
               </a:ln>
               <a:extLst>
                 <a:ext uri="{91240B29-F687-4f45-9708-019B960494DF}">
-                  <a14:hiddenLine xmlns:a14="http://schemas.microsoft.com/office/drawing/2010/main" xmlns="" w="9525">
+                  <a14:hiddenLine xmlns="" xmlns:a14="http://schemas.microsoft.com/office/drawing/2010/main" w="9525">
                     <a:solidFill>
                       <a:srgbClr val="000000"/>
                     </a:solidFill>
@@ -9159,7 +9159,7 @@
               </a:ln>
               <a:extLst>
                 <a:ext uri="{91240B29-F687-4f45-9708-019B960494DF}">
-                  <a14:hiddenLine xmlns:a14="http://schemas.microsoft.com/office/drawing/2010/main" xmlns="" w="9525">
+                  <a14:hiddenLine xmlns="" xmlns:a14="http://schemas.microsoft.com/office/drawing/2010/main" w="9525">
                     <a:solidFill>
                       <a:srgbClr val="000000"/>
                     </a:solidFill>
@@ -9249,7 +9249,7 @@
               </a:ln>
               <a:extLst>
                 <a:ext uri="{91240B29-F687-4f45-9708-019B960494DF}">
-                  <a14:hiddenLine xmlns:a14="http://schemas.microsoft.com/office/drawing/2010/main" xmlns="" w="9525">
+                  <a14:hiddenLine xmlns="" xmlns:a14="http://schemas.microsoft.com/office/drawing/2010/main" w="9525">
                     <a:solidFill>
                       <a:srgbClr val="000000"/>
                     </a:solidFill>
@@ -9311,7 +9311,7 @@
               </a:ln>
               <a:extLst>
                 <a:ext uri="{91240B29-F687-4f45-9708-019B960494DF}">
-                  <a14:hiddenLine xmlns:a14="http://schemas.microsoft.com/office/drawing/2010/main" xmlns="" w="9525">
+                  <a14:hiddenLine xmlns="" xmlns:a14="http://schemas.microsoft.com/office/drawing/2010/main" w="9525">
                     <a:solidFill>
                       <a:srgbClr val="000000"/>
                     </a:solidFill>
@@ -9401,7 +9401,7 @@
               </a:ln>
               <a:extLst>
                 <a:ext uri="{91240B29-F687-4f45-9708-019B960494DF}">
-                  <a14:hiddenLine xmlns:a14="http://schemas.microsoft.com/office/drawing/2010/main" xmlns="" w="9525">
+                  <a14:hiddenLine xmlns="" xmlns:a14="http://schemas.microsoft.com/office/drawing/2010/main" w="9525">
                     <a:solidFill>
                       <a:srgbClr val="000000"/>
                     </a:solidFill>
@@ -9463,7 +9463,7 @@
               </a:ln>
               <a:extLst>
                 <a:ext uri="{91240B29-F687-4f45-9708-019B960494DF}">
-                  <a14:hiddenLine xmlns:a14="http://schemas.microsoft.com/office/drawing/2010/main" xmlns="" w="9525">
+                  <a14:hiddenLine xmlns="" xmlns:a14="http://schemas.microsoft.com/office/drawing/2010/main" w="9525">
                     <a:solidFill>
                       <a:srgbClr val="000000"/>
                     </a:solidFill>
@@ -9525,7 +9525,7 @@
               </a:ln>
               <a:extLst>
                 <a:ext uri="{91240B29-F687-4f45-9708-019B960494DF}">
-                  <a14:hiddenLine xmlns:a14="http://schemas.microsoft.com/office/drawing/2010/main" xmlns="" w="9525">
+                  <a14:hiddenLine xmlns="" xmlns:a14="http://schemas.microsoft.com/office/drawing/2010/main" w="9525">
                     <a:solidFill>
                       <a:srgbClr val="000000"/>
                     </a:solidFill>
@@ -9615,7 +9615,7 @@
               </a:ln>
               <a:extLst>
                 <a:ext uri="{91240B29-F687-4f45-9708-019B960494DF}">
-                  <a14:hiddenLine xmlns:a14="http://schemas.microsoft.com/office/drawing/2010/main" xmlns="" w="9525">
+                  <a14:hiddenLine xmlns="" xmlns:a14="http://schemas.microsoft.com/office/drawing/2010/main" w="9525">
                     <a:solidFill>
                       <a:srgbClr val="000000"/>
                     </a:solidFill>
@@ -9705,7 +9705,7 @@
               </a:ln>
               <a:extLst>
                 <a:ext uri="{91240B29-F687-4f45-9708-019B960494DF}">
-                  <a14:hiddenLine xmlns:a14="http://schemas.microsoft.com/office/drawing/2010/main" xmlns="" w="9525">
+                  <a14:hiddenLine xmlns="" xmlns:a14="http://schemas.microsoft.com/office/drawing/2010/main" w="9525">
                     <a:solidFill>
                       <a:srgbClr val="000000"/>
                     </a:solidFill>
@@ -9767,7 +9767,7 @@
               </a:ln>
               <a:extLst>
                 <a:ext uri="{91240B29-F687-4f45-9708-019B960494DF}">
-                  <a14:hiddenLine xmlns:a14="http://schemas.microsoft.com/office/drawing/2010/main" xmlns="" w="9525">
+                  <a14:hiddenLine xmlns="" xmlns:a14="http://schemas.microsoft.com/office/drawing/2010/main" w="9525">
                     <a:solidFill>
                       <a:srgbClr val="000000"/>
                     </a:solidFill>
@@ -9877,7 +9877,7 @@
               </a:ln>
               <a:extLst>
                 <a:ext uri="{91240B29-F687-4f45-9708-019B960494DF}">
-                  <a14:hiddenLine xmlns:a14="http://schemas.microsoft.com/office/drawing/2010/main" xmlns="" w="9525">
+                  <a14:hiddenLine xmlns="" xmlns:a14="http://schemas.microsoft.com/office/drawing/2010/main" w="9525">
                     <a:solidFill>
                       <a:srgbClr val="000000"/>
                     </a:solidFill>
@@ -9961,7 +9961,7 @@
               </a:ln>
               <a:extLst>
                 <a:ext uri="{91240B29-F687-4f45-9708-019B960494DF}">
-                  <a14:hiddenLine xmlns:a14="http://schemas.microsoft.com/office/drawing/2010/main" xmlns="" w="9525">
+                  <a14:hiddenLine xmlns="" xmlns:a14="http://schemas.microsoft.com/office/drawing/2010/main" w="9525">
                     <a:solidFill>
                       <a:srgbClr val="000000"/>
                     </a:solidFill>
@@ -10023,7 +10023,7 @@
               </a:ln>
               <a:extLst>
                 <a:ext uri="{91240B29-F687-4f45-9708-019B960494DF}">
-                  <a14:hiddenLine xmlns:a14="http://schemas.microsoft.com/office/drawing/2010/main" xmlns="" w="9525">
+                  <a14:hiddenLine xmlns="" xmlns:a14="http://schemas.microsoft.com/office/drawing/2010/main" w="9525">
                     <a:solidFill>
                       <a:srgbClr val="000000"/>
                     </a:solidFill>
@@ -10085,7 +10085,7 @@
               </a:ln>
               <a:extLst>
                 <a:ext uri="{91240B29-F687-4f45-9708-019B960494DF}">
-                  <a14:hiddenLine xmlns:a14="http://schemas.microsoft.com/office/drawing/2010/main" xmlns="" w="9525">
+                  <a14:hiddenLine xmlns="" xmlns:a14="http://schemas.microsoft.com/office/drawing/2010/main" w="9525">
                     <a:solidFill>
                       <a:srgbClr val="000000"/>
                     </a:solidFill>
@@ -10175,7 +10175,7 @@
               </a:ln>
               <a:extLst>
                 <a:ext uri="{91240B29-F687-4f45-9708-019B960494DF}">
-                  <a14:hiddenLine xmlns:a14="http://schemas.microsoft.com/office/drawing/2010/main" xmlns="" w="9525">
+                  <a14:hiddenLine xmlns="" xmlns:a14="http://schemas.microsoft.com/office/drawing/2010/main" w="9525">
                     <a:solidFill>
                       <a:srgbClr val="000000"/>
                     </a:solidFill>
@@ -10209,7 +10209,7 @@
               </a:ln>
               <a:extLst>
                 <a:ext uri="{91240B29-F687-4f45-9708-019B960494DF}">
-                  <a14:hiddenLine xmlns:a14="http://schemas.microsoft.com/office/drawing/2010/main" xmlns="" w="9525">
+                  <a14:hiddenLine xmlns="" xmlns:a14="http://schemas.microsoft.com/office/drawing/2010/main" w="9525">
                     <a:solidFill>
                       <a:srgbClr val="000000"/>
                     </a:solidFill>
@@ -10274,7 +10274,7 @@
               </a:ln>
               <a:extLst>
                 <a:ext uri="{91240B29-F687-4f45-9708-019B960494DF}">
-                  <a14:hiddenLine xmlns:a14="http://schemas.microsoft.com/office/drawing/2010/main" xmlns="" w="9525">
+                  <a14:hiddenLine xmlns="" xmlns:a14="http://schemas.microsoft.com/office/drawing/2010/main" w="9525">
                     <a:solidFill>
                       <a:srgbClr val="000000"/>
                     </a:solidFill>
@@ -10364,7 +10364,7 @@
               </a:ln>
               <a:extLst>
                 <a:ext uri="{91240B29-F687-4f45-9708-019B960494DF}">
-                  <a14:hiddenLine xmlns:a14="http://schemas.microsoft.com/office/drawing/2010/main" xmlns="" w="9525">
+                  <a14:hiddenLine xmlns="" xmlns:a14="http://schemas.microsoft.com/office/drawing/2010/main" w="9525">
                     <a:solidFill>
                       <a:srgbClr val="000000"/>
                     </a:solidFill>
@@ -10426,7 +10426,7 @@
               </a:ln>
               <a:extLst>
                 <a:ext uri="{91240B29-F687-4f45-9708-019B960494DF}">
-                  <a14:hiddenLine xmlns:a14="http://schemas.microsoft.com/office/drawing/2010/main" xmlns="" w="9525">
+                  <a14:hiddenLine xmlns="" xmlns:a14="http://schemas.microsoft.com/office/drawing/2010/main" w="9525">
                     <a:solidFill>
                       <a:srgbClr val="000000"/>
                     </a:solidFill>
@@ -10516,7 +10516,7 @@
               </a:ln>
               <a:extLst>
                 <a:ext uri="{91240B29-F687-4f45-9708-019B960494DF}">
-                  <a14:hiddenLine xmlns:a14="http://schemas.microsoft.com/office/drawing/2010/main" xmlns="" w="9525">
+                  <a14:hiddenLine xmlns="" xmlns:a14="http://schemas.microsoft.com/office/drawing/2010/main" w="9525">
                     <a:solidFill>
                       <a:srgbClr val="000000"/>
                     </a:solidFill>
@@ -10581,7 +10581,7 @@
               </a:ln>
               <a:extLst>
                 <a:ext uri="{91240B29-F687-4f45-9708-019B960494DF}">
-                  <a14:hiddenLine xmlns:a14="http://schemas.microsoft.com/office/drawing/2010/main" xmlns="" w="9525">
+                  <a14:hiddenLine xmlns="" xmlns:a14="http://schemas.microsoft.com/office/drawing/2010/main" w="9525">
                     <a:solidFill>
                       <a:srgbClr val="000000"/>
                     </a:solidFill>
@@ -10643,7 +10643,7 @@
               </a:ln>
               <a:extLst>
                 <a:ext uri="{91240B29-F687-4f45-9708-019B960494DF}">
-                  <a14:hiddenLine xmlns:a14="http://schemas.microsoft.com/office/drawing/2010/main" xmlns="" w="9525">
+                  <a14:hiddenLine xmlns="" xmlns:a14="http://schemas.microsoft.com/office/drawing/2010/main" w="9525">
                     <a:solidFill>
                       <a:srgbClr val="000000"/>
                     </a:solidFill>
@@ -10733,7 +10733,7 @@
               </a:ln>
               <a:extLst>
                 <a:ext uri="{91240B29-F687-4f45-9708-019B960494DF}">
-                  <a14:hiddenLine xmlns:a14="http://schemas.microsoft.com/office/drawing/2010/main" xmlns="" w="9525">
+                  <a14:hiddenLine xmlns="" xmlns:a14="http://schemas.microsoft.com/office/drawing/2010/main" w="9525">
                     <a:solidFill>
                       <a:srgbClr val="000000"/>
                     </a:solidFill>
@@ -10823,7 +10823,7 @@
               </a:ln>
               <a:extLst>
                 <a:ext uri="{91240B29-F687-4f45-9708-019B960494DF}">
-                  <a14:hiddenLine xmlns:a14="http://schemas.microsoft.com/office/drawing/2010/main" xmlns="" w="9525">
+                  <a14:hiddenLine xmlns="" xmlns:a14="http://schemas.microsoft.com/office/drawing/2010/main" w="9525">
                     <a:solidFill>
                       <a:srgbClr val="000000"/>
                     </a:solidFill>
@@ -10888,7 +10888,7 @@
               </a:ln>
               <a:extLst>
                 <a:ext uri="{91240B29-F687-4f45-9708-019B960494DF}">
-                  <a14:hiddenLine xmlns:a14="http://schemas.microsoft.com/office/drawing/2010/main" xmlns="" w="9525">
+                  <a14:hiddenLine xmlns="" xmlns:a14="http://schemas.microsoft.com/office/drawing/2010/main" w="9525">
                     <a:solidFill>
                       <a:srgbClr val="000000"/>
                     </a:solidFill>
@@ -11008,7 +11008,7 @@
               </a:ln>
               <a:extLst>
                 <a:ext uri="{91240B29-F687-4f45-9708-019B960494DF}">
-                  <a14:hiddenLine xmlns:a14="http://schemas.microsoft.com/office/drawing/2010/main" xmlns="" w="9525">
+                  <a14:hiddenLine xmlns="" xmlns:a14="http://schemas.microsoft.com/office/drawing/2010/main" w="9525">
                     <a:solidFill>
                       <a:srgbClr val="000000"/>
                     </a:solidFill>
@@ -11106,7 +11106,7 @@
               </a:ln>
               <a:extLst>
                 <a:ext uri="{91240B29-F687-4f45-9708-019B960494DF}">
-                  <a14:hiddenLine xmlns:a14="http://schemas.microsoft.com/office/drawing/2010/main" xmlns="" w="9525">
+                  <a14:hiddenLine xmlns="" xmlns:a14="http://schemas.microsoft.com/office/drawing/2010/main" w="9525">
                     <a:solidFill>
                       <a:srgbClr val="000000"/>
                     </a:solidFill>
@@ -11221,7 +11221,7 @@
               </a:ln>
               <a:extLst>
                 <a:ext uri="{91240B29-F687-4f45-9708-019B960494DF}">
-                  <a14:hiddenLine xmlns:a14="http://schemas.microsoft.com/office/drawing/2010/main" xmlns="" w="9525">
+                  <a14:hiddenLine xmlns="" xmlns:a14="http://schemas.microsoft.com/office/drawing/2010/main" w="9525">
                     <a:solidFill>
                       <a:srgbClr val="000000"/>
                     </a:solidFill>
@@ -11311,7 +11311,7 @@
               </a:ln>
               <a:extLst>
                 <a:ext uri="{91240B29-F687-4f45-9708-019B960494DF}">
-                  <a14:hiddenLine xmlns:a14="http://schemas.microsoft.com/office/drawing/2010/main" xmlns="" w="9525">
+                  <a14:hiddenLine xmlns="" xmlns:a14="http://schemas.microsoft.com/office/drawing/2010/main" w="9525">
                     <a:solidFill>
                       <a:srgbClr val="000000"/>
                     </a:solidFill>
@@ -11376,7 +11376,7 @@
               </a:ln>
               <a:extLst>
                 <a:ext uri="{91240B29-F687-4f45-9708-019B960494DF}">
-                  <a14:hiddenLine xmlns:a14="http://schemas.microsoft.com/office/drawing/2010/main" xmlns="" w="9525">
+                  <a14:hiddenLine xmlns="" xmlns:a14="http://schemas.microsoft.com/office/drawing/2010/main" w="9525">
                     <a:solidFill>
                       <a:srgbClr val="000000"/>
                     </a:solidFill>
@@ -11466,7 +11466,7 @@
               </a:ln>
               <a:extLst>
                 <a:ext uri="{91240B29-F687-4f45-9708-019B960494DF}">
-                  <a14:hiddenLine xmlns:a14="http://schemas.microsoft.com/office/drawing/2010/main" xmlns="" w="9525">
+                  <a14:hiddenLine xmlns="" xmlns:a14="http://schemas.microsoft.com/office/drawing/2010/main" w="9525">
                     <a:solidFill>
                       <a:srgbClr val="000000"/>
                     </a:solidFill>
@@ -11534,7 +11534,7 @@
               </a:ln>
               <a:extLst>
                 <a:ext uri="{91240B29-F687-4f45-9708-019B960494DF}">
-                  <a14:hiddenLine xmlns:a14="http://schemas.microsoft.com/office/drawing/2010/main" xmlns="" w="9525">
+                  <a14:hiddenLine xmlns="" xmlns:a14="http://schemas.microsoft.com/office/drawing/2010/main" w="9525">
                     <a:solidFill>
                       <a:srgbClr val="000000"/>
                     </a:solidFill>
@@ -11624,7 +11624,7 @@
               </a:ln>
               <a:extLst>
                 <a:ext uri="{91240B29-F687-4f45-9708-019B960494DF}">
-                  <a14:hiddenLine xmlns:a14="http://schemas.microsoft.com/office/drawing/2010/main" xmlns="" w="9525">
+                  <a14:hiddenLine xmlns="" xmlns:a14="http://schemas.microsoft.com/office/drawing/2010/main" w="9525">
                     <a:solidFill>
                       <a:srgbClr val="000000"/>
                     </a:solidFill>
@@ -11692,7 +11692,7 @@
               </a:ln>
               <a:extLst>
                 <a:ext uri="{91240B29-F687-4f45-9708-019B960494DF}">
-                  <a14:hiddenLine xmlns:a14="http://schemas.microsoft.com/office/drawing/2010/main" xmlns="" w="9525">
+                  <a14:hiddenLine xmlns="" xmlns:a14="http://schemas.microsoft.com/office/drawing/2010/main" w="9525">
                     <a:solidFill>
                       <a:srgbClr val="000000"/>
                     </a:solidFill>
@@ -11782,7 +11782,7 @@
               </a:ln>
               <a:extLst>
                 <a:ext uri="{91240B29-F687-4f45-9708-019B960494DF}">
-                  <a14:hiddenLine xmlns:a14="http://schemas.microsoft.com/office/drawing/2010/main" xmlns="" w="9525">
+                  <a14:hiddenLine xmlns="" xmlns:a14="http://schemas.microsoft.com/office/drawing/2010/main" w="9525">
                     <a:solidFill>
                       <a:srgbClr val="000000"/>
                     </a:solidFill>
@@ -11816,7 +11816,7 @@
               </a:ln>
               <a:extLst>
                 <a:ext uri="{91240B29-F687-4f45-9708-019B960494DF}">
-                  <a14:hiddenLine xmlns:a14="http://schemas.microsoft.com/office/drawing/2010/main" xmlns="" w="9525">
+                  <a14:hiddenLine xmlns="" xmlns:a14="http://schemas.microsoft.com/office/drawing/2010/main" w="9525">
                     <a:solidFill>
                       <a:srgbClr val="000000"/>
                     </a:solidFill>
@@ -11957,7 +11957,7 @@
             <a:fld id="{48A87A34-81AB-432B-8DAE-1953F412C126}" type="datetimeFigureOut">
               <a:rPr lang="en-US" dirty="0"/>
               <a:pPr/>
-              <a:t>6/14/2025</a:t>
+              <a:t>6/18/2025</a:t>
             </a:fld>
             <a:endParaRPr lang="en-US" dirty="0"/>
           </a:p>
@@ -12541,7 +12541,7 @@
             <a:noFill/>
             <a:extLst>
               <a:ext uri="{909E8E84-426E-40dd-AFC4-6F175D3DCCD1}">
-                <a14:hiddenFill xmlns:p14="http://schemas.microsoft.com/office/powerpoint/2010/main" xmlns:a14="http://schemas.microsoft.com/office/drawing/2010/main" xmlns:a16="http://schemas.microsoft.com/office/drawing/2014/main" xmlns="">
+                <a14:hiddenFill xmlns="" xmlns:a16="http://schemas.microsoft.com/office/drawing/2014/main" xmlns:a14="http://schemas.microsoft.com/office/drawing/2010/main" xmlns:p14="http://schemas.microsoft.com/office/powerpoint/2010/main">
                   <a:solidFill>
                     <a:srgbClr val="FFFFFF"/>
                   </a:solidFill>
@@ -14724,7 +14724,7 @@
                 <a:latin typeface="Times New Roman" panose="02020603050405020304" pitchFamily="18" charset="0"/>
                 <a:cs typeface="Times New Roman" panose="02020603050405020304" pitchFamily="18" charset="0"/>
               </a:rPr>
-              <a:t>Panel Data Methodologies </a:t>
+              <a:t>Panel Data Models </a:t>
             </a:r>
             <a:br>
               <a:rPr lang="en-US" sz="2300" b="1" cap="none" dirty="0">
@@ -17681,8 +17681,8 @@
           </a:p>
         </p:txBody>
       </p:sp>
-      <mc:AlternateContent xmlns:mc="http://schemas.openxmlformats.org/markup-compatibility/2006">
-        <mc:Choice xmlns:a14="http://schemas.microsoft.com/office/drawing/2010/main" Requires="a14">
+      <mc:AlternateContent xmlns:mc="http://schemas.openxmlformats.org/markup-compatibility/2006" xmlns:a14="http://schemas.microsoft.com/office/drawing/2010/main">
+        <mc:Choice Requires="a14">
           <p:sp>
             <p:nvSpPr>
               <p:cNvPr id="5" name="Subtitle 4">
@@ -18023,7 +18023,7 @@
             </p:txBody>
           </p:sp>
         </mc:Choice>
-        <mc:Fallback>
+        <mc:Fallback xmlns="">
           <p:sp>
             <p:nvSpPr>
               <p:cNvPr id="5" name="Subtitle 4">
@@ -18250,8 +18250,8 @@
           </a:p>
         </p:txBody>
       </p:sp>
-      <mc:AlternateContent xmlns:mc="http://schemas.openxmlformats.org/markup-compatibility/2006">
-        <mc:Choice xmlns:a14="http://schemas.microsoft.com/office/drawing/2010/main" Requires="a14">
+      <mc:AlternateContent xmlns:mc="http://schemas.openxmlformats.org/markup-compatibility/2006" xmlns:a14="http://schemas.microsoft.com/office/drawing/2010/main">
+        <mc:Choice Requires="a14">
           <p:sp>
             <p:nvSpPr>
               <p:cNvPr id="5" name="Subtitle 4">
@@ -18604,7 +18604,7 @@
             </p:txBody>
           </p:sp>
         </mc:Choice>
-        <mc:Fallback>
+        <mc:Fallback xmlns="">
           <p:sp>
             <p:nvSpPr>
               <p:cNvPr id="5" name="Subtitle 4">
@@ -18831,8 +18831,8 @@
           </a:p>
         </p:txBody>
       </p:sp>
-      <mc:AlternateContent xmlns:mc="http://schemas.openxmlformats.org/markup-compatibility/2006">
-        <mc:Choice xmlns:a14="http://schemas.microsoft.com/office/drawing/2010/main" Requires="a14">
+      <mc:AlternateContent xmlns:mc="http://schemas.openxmlformats.org/markup-compatibility/2006" xmlns:a14="http://schemas.microsoft.com/office/drawing/2010/main">
+        <mc:Choice Requires="a14">
           <p:sp>
             <p:nvSpPr>
               <p:cNvPr id="5" name="Subtitle 4">
@@ -19378,7 +19378,7 @@
             </p:txBody>
           </p:sp>
         </mc:Choice>
-        <mc:Fallback>
+        <mc:Fallback xmlns="">
           <p:sp>
             <p:nvSpPr>
               <p:cNvPr id="5" name="Subtitle 4">
@@ -19575,8 +19575,8 @@
           </a:p>
         </p:txBody>
       </p:sp>
-      <mc:AlternateContent xmlns:mc="http://schemas.openxmlformats.org/markup-compatibility/2006">
-        <mc:Choice xmlns:a14="http://schemas.microsoft.com/office/drawing/2010/main" Requires="a14">
+      <mc:AlternateContent xmlns:mc="http://schemas.openxmlformats.org/markup-compatibility/2006" xmlns:a14="http://schemas.microsoft.com/office/drawing/2010/main">
+        <mc:Choice Requires="a14">
           <p:sp>
             <p:nvSpPr>
               <p:cNvPr id="5" name="Subtitle 4">
@@ -20200,7 +20200,7 @@
             </p:txBody>
           </p:sp>
         </mc:Choice>
-        <mc:Fallback>
+        <mc:Fallback xmlns="">
           <p:sp>
             <p:nvSpPr>
               <p:cNvPr id="5" name="Subtitle 4">
@@ -28141,8 +28141,8 @@
           </a:p>
         </p:txBody>
       </p:sp>
-      <mc:AlternateContent xmlns:mc="http://schemas.openxmlformats.org/markup-compatibility/2006">
-        <mc:Choice xmlns:a14="http://schemas.microsoft.com/office/drawing/2010/main" Requires="a14">
+      <mc:AlternateContent xmlns:mc="http://schemas.openxmlformats.org/markup-compatibility/2006" xmlns:a14="http://schemas.microsoft.com/office/drawing/2010/main">
+        <mc:Choice Requires="a14">
           <p:sp>
             <p:nvSpPr>
               <p:cNvPr id="5" name="Subtitle 4">
@@ -28918,7 +28918,7 @@
             </p:txBody>
           </p:sp>
         </mc:Choice>
-        <mc:Fallback>
+        <mc:Fallback xmlns="">
           <p:sp>
             <p:nvSpPr>
               <p:cNvPr id="5" name="Subtitle 4">

--- a/07-Report/Presentation.pptx
+++ b/07-Report/Presentation.pptx
@@ -187,7 +187,7 @@
           <a:noFill/>
           <a:extLst>
             <a:ext uri="{909E8E84-426E-40dd-AFC4-6F175D3DCCD1}">
-              <a14:hiddenFill xmlns="" xmlns:a14="http://schemas.microsoft.com/office/drawing/2010/main">
+              <a14:hiddenFill xmlns:a14="http://schemas.microsoft.com/office/drawing/2010/main" xmlns="">
                 <a:solidFill>
                   <a:srgbClr val="FFFFFF"/>
                 </a:solidFill>
@@ -247,7 +247,7 @@
             </a:ln>
             <a:extLst>
               <a:ext uri="{91240B29-F687-4f45-9708-019B960494DF}">
-                <a14:hiddenLine xmlns="" xmlns:a14="http://schemas.microsoft.com/office/drawing/2010/main" w="9525">
+                <a14:hiddenLine xmlns:a14="http://schemas.microsoft.com/office/drawing/2010/main" xmlns="" w="9525">
                   <a:solidFill>
                     <a:srgbClr val="000000"/>
                   </a:solidFill>
@@ -337,7 +337,7 @@
             </a:ln>
             <a:extLst>
               <a:ext uri="{91240B29-F687-4f45-9708-019B960494DF}">
-                <a14:hiddenLine xmlns="" xmlns:a14="http://schemas.microsoft.com/office/drawing/2010/main" w="9525">
+                <a14:hiddenLine xmlns:a14="http://schemas.microsoft.com/office/drawing/2010/main" xmlns="" w="9525">
                   <a:solidFill>
                     <a:srgbClr val="000000"/>
                   </a:solidFill>
@@ -427,7 +427,7 @@
             </a:ln>
             <a:extLst>
               <a:ext uri="{91240B29-F687-4f45-9708-019B960494DF}">
-                <a14:hiddenLine xmlns="" xmlns:a14="http://schemas.microsoft.com/office/drawing/2010/main" w="9525">
+                <a14:hiddenLine xmlns:a14="http://schemas.microsoft.com/office/drawing/2010/main" xmlns="" w="9525">
                   <a:solidFill>
                     <a:srgbClr val="000000"/>
                   </a:solidFill>
@@ -461,7 +461,7 @@
             </a:ln>
             <a:extLst>
               <a:ext uri="{91240B29-F687-4f45-9708-019B960494DF}">
-                <a14:hiddenLine xmlns="" xmlns:a14="http://schemas.microsoft.com/office/drawing/2010/main" w="9525">
+                <a14:hiddenLine xmlns:a14="http://schemas.microsoft.com/office/drawing/2010/main" xmlns="" w="9525">
                   <a:solidFill>
                     <a:srgbClr val="000000"/>
                   </a:solidFill>
@@ -551,7 +551,7 @@
             </a:ln>
             <a:extLst>
               <a:ext uri="{91240B29-F687-4f45-9708-019B960494DF}">
-                <a14:hiddenLine xmlns="" xmlns:a14="http://schemas.microsoft.com/office/drawing/2010/main" w="9525">
+                <a14:hiddenLine xmlns:a14="http://schemas.microsoft.com/office/drawing/2010/main" xmlns="" w="9525">
                   <a:solidFill>
                     <a:srgbClr val="000000"/>
                   </a:solidFill>
@@ -613,7 +613,7 @@
             </a:ln>
             <a:extLst>
               <a:ext uri="{91240B29-F687-4f45-9708-019B960494DF}">
-                <a14:hiddenLine xmlns="" xmlns:a14="http://schemas.microsoft.com/office/drawing/2010/main" w="9525">
+                <a14:hiddenLine xmlns:a14="http://schemas.microsoft.com/office/drawing/2010/main" xmlns="" w="9525">
                   <a:solidFill>
                     <a:srgbClr val="000000"/>
                   </a:solidFill>
@@ -675,7 +675,7 @@
             </a:ln>
             <a:extLst>
               <a:ext uri="{91240B29-F687-4f45-9708-019B960494DF}">
-                <a14:hiddenLine xmlns="" xmlns:a14="http://schemas.microsoft.com/office/drawing/2010/main" w="9525">
+                <a14:hiddenLine xmlns:a14="http://schemas.microsoft.com/office/drawing/2010/main" xmlns="" w="9525">
                   <a:solidFill>
                     <a:srgbClr val="000000"/>
                   </a:solidFill>
@@ -765,7 +765,7 @@
             </a:ln>
             <a:extLst>
               <a:ext uri="{91240B29-F687-4f45-9708-019B960494DF}">
-                <a14:hiddenLine xmlns="" xmlns:a14="http://schemas.microsoft.com/office/drawing/2010/main" w="9525">
+                <a14:hiddenLine xmlns:a14="http://schemas.microsoft.com/office/drawing/2010/main" xmlns="" w="9525">
                   <a:solidFill>
                     <a:srgbClr val="000000"/>
                   </a:solidFill>
@@ -827,7 +827,7 @@
             </a:ln>
             <a:extLst>
               <a:ext uri="{91240B29-F687-4f45-9708-019B960494DF}">
-                <a14:hiddenLine xmlns="" xmlns:a14="http://schemas.microsoft.com/office/drawing/2010/main" w="9525">
+                <a14:hiddenLine xmlns:a14="http://schemas.microsoft.com/office/drawing/2010/main" xmlns="" w="9525">
                   <a:solidFill>
                     <a:srgbClr val="000000"/>
                   </a:solidFill>
@@ -889,7 +889,7 @@
             </a:ln>
             <a:extLst>
               <a:ext uri="{91240B29-F687-4f45-9708-019B960494DF}">
-                <a14:hiddenLine xmlns="" xmlns:a14="http://schemas.microsoft.com/office/drawing/2010/main" w="9525">
+                <a14:hiddenLine xmlns:a14="http://schemas.microsoft.com/office/drawing/2010/main" xmlns="" w="9525">
                   <a:solidFill>
                     <a:srgbClr val="000000"/>
                   </a:solidFill>
@@ -979,7 +979,7 @@
             </a:ln>
             <a:extLst>
               <a:ext uri="{91240B29-F687-4f45-9708-019B960494DF}">
-                <a14:hiddenLine xmlns="" xmlns:a14="http://schemas.microsoft.com/office/drawing/2010/main" w="9525">
+                <a14:hiddenLine xmlns:a14="http://schemas.microsoft.com/office/drawing/2010/main" xmlns="" w="9525">
                   <a:solidFill>
                     <a:srgbClr val="000000"/>
                   </a:solidFill>
@@ -1069,7 +1069,7 @@
             </a:ln>
             <a:extLst>
               <a:ext uri="{91240B29-F687-4f45-9708-019B960494DF}">
-                <a14:hiddenLine xmlns="" xmlns:a14="http://schemas.microsoft.com/office/drawing/2010/main" w="9525">
+                <a14:hiddenLine xmlns:a14="http://schemas.microsoft.com/office/drawing/2010/main" xmlns="" w="9525">
                   <a:solidFill>
                     <a:srgbClr val="000000"/>
                   </a:solidFill>
@@ -1131,7 +1131,7 @@
             </a:ln>
             <a:extLst>
               <a:ext uri="{91240B29-F687-4f45-9708-019B960494DF}">
-                <a14:hiddenLine xmlns="" xmlns:a14="http://schemas.microsoft.com/office/drawing/2010/main" w="9525">
+                <a14:hiddenLine xmlns:a14="http://schemas.microsoft.com/office/drawing/2010/main" xmlns="" w="9525">
                   <a:solidFill>
                     <a:srgbClr val="000000"/>
                   </a:solidFill>
@@ -1241,7 +1241,7 @@
             </a:ln>
             <a:extLst>
               <a:ext uri="{91240B29-F687-4f45-9708-019B960494DF}">
-                <a14:hiddenLine xmlns="" xmlns:a14="http://schemas.microsoft.com/office/drawing/2010/main" w="9525">
+                <a14:hiddenLine xmlns:a14="http://schemas.microsoft.com/office/drawing/2010/main" xmlns="" w="9525">
                   <a:solidFill>
                     <a:srgbClr val="000000"/>
                   </a:solidFill>
@@ -1303,7 +1303,7 @@
             </a:ln>
             <a:extLst>
               <a:ext uri="{91240B29-F687-4f45-9708-019B960494DF}">
-                <a14:hiddenLine xmlns="" xmlns:a14="http://schemas.microsoft.com/office/drawing/2010/main" w="9525">
+                <a14:hiddenLine xmlns:a14="http://schemas.microsoft.com/office/drawing/2010/main" xmlns="" w="9525">
                   <a:solidFill>
                     <a:srgbClr val="000000"/>
                   </a:solidFill>
@@ -1393,7 +1393,7 @@
             </a:ln>
             <a:extLst>
               <a:ext uri="{91240B29-F687-4f45-9708-019B960494DF}">
-                <a14:hiddenLine xmlns="" xmlns:a14="http://schemas.microsoft.com/office/drawing/2010/main" w="9525">
+                <a14:hiddenLine xmlns:a14="http://schemas.microsoft.com/office/drawing/2010/main" xmlns="" w="9525">
                   <a:solidFill>
                     <a:srgbClr val="000000"/>
                   </a:solidFill>
@@ -1483,7 +1483,7 @@
             </a:ln>
             <a:extLst>
               <a:ext uri="{91240B29-F687-4f45-9708-019B960494DF}">
-                <a14:hiddenLine xmlns="" xmlns:a14="http://schemas.microsoft.com/office/drawing/2010/main" w="9525">
+                <a14:hiddenLine xmlns:a14="http://schemas.microsoft.com/office/drawing/2010/main" xmlns="" w="9525">
                   <a:solidFill>
                     <a:srgbClr val="000000"/>
                   </a:solidFill>
@@ -1545,7 +1545,7 @@
             </a:ln>
             <a:extLst>
               <a:ext uri="{91240B29-F687-4f45-9708-019B960494DF}">
-                <a14:hiddenLine xmlns="" xmlns:a14="http://schemas.microsoft.com/office/drawing/2010/main" w="9525">
+                <a14:hiddenLine xmlns:a14="http://schemas.microsoft.com/office/drawing/2010/main" xmlns="" w="9525">
                   <a:solidFill>
                     <a:srgbClr val="000000"/>
                   </a:solidFill>
@@ -1635,7 +1635,7 @@
             </a:ln>
             <a:extLst>
               <a:ext uri="{91240B29-F687-4f45-9708-019B960494DF}">
-                <a14:hiddenLine xmlns="" xmlns:a14="http://schemas.microsoft.com/office/drawing/2010/main" w="9525">
+                <a14:hiddenLine xmlns:a14="http://schemas.microsoft.com/office/drawing/2010/main" xmlns="" w="9525">
                   <a:solidFill>
                     <a:srgbClr val="000000"/>
                   </a:solidFill>
@@ -1725,7 +1725,7 @@
             </a:ln>
             <a:extLst>
               <a:ext uri="{91240B29-F687-4f45-9708-019B960494DF}">
-                <a14:hiddenLine xmlns="" xmlns:a14="http://schemas.microsoft.com/office/drawing/2010/main" w="9525">
+                <a14:hiddenLine xmlns:a14="http://schemas.microsoft.com/office/drawing/2010/main" xmlns="" w="9525">
                   <a:solidFill>
                     <a:srgbClr val="000000"/>
                   </a:solidFill>
@@ -1781,7 +1781,7 @@
             </a:ln>
             <a:extLst>
               <a:ext uri="{91240B29-F687-4f45-9708-019B960494DF}">
-                <a14:hiddenLine xmlns="" xmlns:a14="http://schemas.microsoft.com/office/drawing/2010/main" w="9525">
+                <a14:hiddenLine xmlns:a14="http://schemas.microsoft.com/office/drawing/2010/main" xmlns="" w="9525">
                   <a:solidFill>
                     <a:srgbClr val="000000"/>
                   </a:solidFill>
@@ -1871,7 +1871,7 @@
             </a:ln>
             <a:extLst>
               <a:ext uri="{91240B29-F687-4f45-9708-019B960494DF}">
-                <a14:hiddenLine xmlns="" xmlns:a14="http://schemas.microsoft.com/office/drawing/2010/main" w="9525">
+                <a14:hiddenLine xmlns:a14="http://schemas.microsoft.com/office/drawing/2010/main" xmlns="" w="9525">
                   <a:solidFill>
                     <a:srgbClr val="000000"/>
                   </a:solidFill>
@@ -1927,7 +1927,7 @@
             </a:ln>
             <a:extLst>
               <a:ext uri="{91240B29-F687-4f45-9708-019B960494DF}">
-                <a14:hiddenLine xmlns="" xmlns:a14="http://schemas.microsoft.com/office/drawing/2010/main" w="9525">
+                <a14:hiddenLine xmlns:a14="http://schemas.microsoft.com/office/drawing/2010/main" xmlns="" w="9525">
                   <a:solidFill>
                     <a:srgbClr val="000000"/>
                   </a:solidFill>
@@ -2017,7 +2017,7 @@
             </a:ln>
             <a:extLst>
               <a:ext uri="{91240B29-F687-4f45-9708-019B960494DF}">
-                <a14:hiddenLine xmlns="" xmlns:a14="http://schemas.microsoft.com/office/drawing/2010/main" w="9525">
+                <a14:hiddenLine xmlns:a14="http://schemas.microsoft.com/office/drawing/2010/main" xmlns="" w="9525">
                   <a:solidFill>
                     <a:srgbClr val="000000"/>
                   </a:solidFill>
@@ -2085,7 +2085,7 @@
             </a:ln>
             <a:extLst>
               <a:ext uri="{91240B29-F687-4f45-9708-019B960494DF}">
-                <a14:hiddenLine xmlns="" xmlns:a14="http://schemas.microsoft.com/office/drawing/2010/main" w="9525">
+                <a14:hiddenLine xmlns:a14="http://schemas.microsoft.com/office/drawing/2010/main" xmlns="" w="9525">
                   <a:solidFill>
                     <a:srgbClr val="000000"/>
                   </a:solidFill>
@@ -2175,7 +2175,7 @@
             </a:ln>
             <a:extLst>
               <a:ext uri="{91240B29-F687-4f45-9708-019B960494DF}">
-                <a14:hiddenLine xmlns="" xmlns:a14="http://schemas.microsoft.com/office/drawing/2010/main" w="9525">
+                <a14:hiddenLine xmlns:a14="http://schemas.microsoft.com/office/drawing/2010/main" xmlns="" w="9525">
                   <a:solidFill>
                     <a:srgbClr val="000000"/>
                   </a:solidFill>
@@ -2243,7 +2243,7 @@
             </a:ln>
             <a:extLst>
               <a:ext uri="{91240B29-F687-4f45-9708-019B960494DF}">
-                <a14:hiddenLine xmlns="" xmlns:a14="http://schemas.microsoft.com/office/drawing/2010/main" w="9525">
+                <a14:hiddenLine xmlns:a14="http://schemas.microsoft.com/office/drawing/2010/main" xmlns="" w="9525">
                   <a:solidFill>
                     <a:srgbClr val="000000"/>
                   </a:solidFill>
@@ -2333,7 +2333,7 @@
             </a:ln>
             <a:extLst>
               <a:ext uri="{91240B29-F687-4f45-9708-019B960494DF}">
-                <a14:hiddenLine xmlns="" xmlns:a14="http://schemas.microsoft.com/office/drawing/2010/main" w="9525">
+                <a14:hiddenLine xmlns:a14="http://schemas.microsoft.com/office/drawing/2010/main" xmlns="" w="9525">
                   <a:solidFill>
                     <a:srgbClr val="000000"/>
                   </a:solidFill>
@@ -2367,7 +2367,7 @@
             </a:ln>
             <a:extLst>
               <a:ext uri="{91240B29-F687-4f45-9708-019B960494DF}">
-                <a14:hiddenLine xmlns="" xmlns:a14="http://schemas.microsoft.com/office/drawing/2010/main" w="9525">
+                <a14:hiddenLine xmlns:a14="http://schemas.microsoft.com/office/drawing/2010/main" xmlns="" w="9525">
                   <a:solidFill>
                     <a:srgbClr val="000000"/>
                   </a:solidFill>
@@ -2457,7 +2457,7 @@
             </a:ln>
             <a:extLst>
               <a:ext uri="{91240B29-F687-4f45-9708-019B960494DF}">
-                <a14:hiddenLine xmlns="" xmlns:a14="http://schemas.microsoft.com/office/drawing/2010/main" w="9525">
+                <a14:hiddenLine xmlns:a14="http://schemas.microsoft.com/office/drawing/2010/main" xmlns="" w="9525">
                   <a:solidFill>
                     <a:srgbClr val="000000"/>
                   </a:solidFill>
@@ -2519,7 +2519,7 @@
             </a:ln>
             <a:extLst>
               <a:ext uri="{91240B29-F687-4f45-9708-019B960494DF}">
-                <a14:hiddenLine xmlns="" xmlns:a14="http://schemas.microsoft.com/office/drawing/2010/main" w="9525">
+                <a14:hiddenLine xmlns:a14="http://schemas.microsoft.com/office/drawing/2010/main" xmlns="" w="9525">
                   <a:solidFill>
                     <a:srgbClr val="000000"/>
                   </a:solidFill>
@@ -2581,7 +2581,7 @@
             </a:ln>
             <a:extLst>
               <a:ext uri="{91240B29-F687-4f45-9708-019B960494DF}">
-                <a14:hiddenLine xmlns="" xmlns:a14="http://schemas.microsoft.com/office/drawing/2010/main" w="9525">
+                <a14:hiddenLine xmlns:a14="http://schemas.microsoft.com/office/drawing/2010/main" xmlns="" w="9525">
                   <a:solidFill>
                     <a:srgbClr val="000000"/>
                   </a:solidFill>
@@ -2671,7 +2671,7 @@
             </a:ln>
             <a:extLst>
               <a:ext uri="{91240B29-F687-4f45-9708-019B960494DF}">
-                <a14:hiddenLine xmlns="" xmlns:a14="http://schemas.microsoft.com/office/drawing/2010/main" w="9525">
+                <a14:hiddenLine xmlns:a14="http://schemas.microsoft.com/office/drawing/2010/main" xmlns="" w="9525">
                   <a:solidFill>
                     <a:srgbClr val="000000"/>
                   </a:solidFill>
@@ -2739,7 +2739,7 @@
             </a:ln>
             <a:extLst>
               <a:ext uri="{91240B29-F687-4f45-9708-019B960494DF}">
-                <a14:hiddenLine xmlns="" xmlns:a14="http://schemas.microsoft.com/office/drawing/2010/main" w="9525">
+                <a14:hiddenLine xmlns:a14="http://schemas.microsoft.com/office/drawing/2010/main" xmlns="" w="9525">
                   <a:solidFill>
                     <a:srgbClr val="000000"/>
                   </a:solidFill>
@@ -2801,7 +2801,7 @@
             </a:ln>
             <a:extLst>
               <a:ext uri="{91240B29-F687-4f45-9708-019B960494DF}">
-                <a14:hiddenLine xmlns="" xmlns:a14="http://schemas.microsoft.com/office/drawing/2010/main" w="9525">
+                <a14:hiddenLine xmlns:a14="http://schemas.microsoft.com/office/drawing/2010/main" xmlns="" w="9525">
                   <a:solidFill>
                     <a:srgbClr val="000000"/>
                   </a:solidFill>
@@ -2891,7 +2891,7 @@
             </a:ln>
             <a:extLst>
               <a:ext uri="{91240B29-F687-4f45-9708-019B960494DF}">
-                <a14:hiddenLine xmlns="" xmlns:a14="http://schemas.microsoft.com/office/drawing/2010/main" w="9525">
+                <a14:hiddenLine xmlns:a14="http://schemas.microsoft.com/office/drawing/2010/main" xmlns="" w="9525">
                   <a:solidFill>
                     <a:srgbClr val="000000"/>
                   </a:solidFill>
@@ -2953,7 +2953,7 @@
             </a:ln>
             <a:extLst>
               <a:ext uri="{91240B29-F687-4f45-9708-019B960494DF}">
-                <a14:hiddenLine xmlns="" xmlns:a14="http://schemas.microsoft.com/office/drawing/2010/main" w="9525">
+                <a14:hiddenLine xmlns:a14="http://schemas.microsoft.com/office/drawing/2010/main" xmlns="" w="9525">
                   <a:solidFill>
                     <a:srgbClr val="000000"/>
                   </a:solidFill>
@@ -3043,7 +3043,7 @@
             </a:ln>
             <a:extLst>
               <a:ext uri="{91240B29-F687-4f45-9708-019B960494DF}">
-                <a14:hiddenLine xmlns="" xmlns:a14="http://schemas.microsoft.com/office/drawing/2010/main" w="9525">
+                <a14:hiddenLine xmlns:a14="http://schemas.microsoft.com/office/drawing/2010/main" xmlns="" w="9525">
                   <a:solidFill>
                     <a:srgbClr val="000000"/>
                   </a:solidFill>
@@ -3105,7 +3105,7 @@
             </a:ln>
             <a:extLst>
               <a:ext uri="{91240B29-F687-4f45-9708-019B960494DF}">
-                <a14:hiddenLine xmlns="" xmlns:a14="http://schemas.microsoft.com/office/drawing/2010/main" w="9525">
+                <a14:hiddenLine xmlns:a14="http://schemas.microsoft.com/office/drawing/2010/main" xmlns="" w="9525">
                   <a:solidFill>
                     <a:srgbClr val="000000"/>
                   </a:solidFill>
@@ -3195,7 +3195,7 @@
             </a:ln>
             <a:extLst>
               <a:ext uri="{91240B29-F687-4f45-9708-019B960494DF}">
-                <a14:hiddenLine xmlns="" xmlns:a14="http://schemas.microsoft.com/office/drawing/2010/main" w="9525">
+                <a14:hiddenLine xmlns:a14="http://schemas.microsoft.com/office/drawing/2010/main" xmlns="" w="9525">
                   <a:solidFill>
                     <a:srgbClr val="000000"/>
                   </a:solidFill>
@@ -3229,7 +3229,7 @@
             </a:ln>
             <a:extLst>
               <a:ext uri="{91240B29-F687-4f45-9708-019B960494DF}">
-                <a14:hiddenLine xmlns="" xmlns:a14="http://schemas.microsoft.com/office/drawing/2010/main" w="9525">
+                <a14:hiddenLine xmlns:a14="http://schemas.microsoft.com/office/drawing/2010/main" xmlns="" w="9525">
                   <a:solidFill>
                     <a:srgbClr val="000000"/>
                   </a:solidFill>
@@ -3294,7 +3294,7 @@
             </a:ln>
             <a:extLst>
               <a:ext uri="{91240B29-F687-4f45-9708-019B960494DF}">
-                <a14:hiddenLine xmlns="" xmlns:a14="http://schemas.microsoft.com/office/drawing/2010/main" w="9525">
+                <a14:hiddenLine xmlns:a14="http://schemas.microsoft.com/office/drawing/2010/main" xmlns="" w="9525">
                   <a:solidFill>
                     <a:srgbClr val="000000"/>
                   </a:solidFill>
@@ -3384,7 +3384,7 @@
             </a:ln>
             <a:extLst>
               <a:ext uri="{91240B29-F687-4f45-9708-019B960494DF}">
-                <a14:hiddenLine xmlns="" xmlns:a14="http://schemas.microsoft.com/office/drawing/2010/main" w="9525">
+                <a14:hiddenLine xmlns:a14="http://schemas.microsoft.com/office/drawing/2010/main" xmlns="" w="9525">
                   <a:solidFill>
                     <a:srgbClr val="000000"/>
                   </a:solidFill>
@@ -3446,7 +3446,7 @@
             </a:ln>
             <a:extLst>
               <a:ext uri="{91240B29-F687-4f45-9708-019B960494DF}">
-                <a14:hiddenLine xmlns="" xmlns:a14="http://schemas.microsoft.com/office/drawing/2010/main" w="9525">
+                <a14:hiddenLine xmlns:a14="http://schemas.microsoft.com/office/drawing/2010/main" xmlns="" w="9525">
                   <a:solidFill>
                     <a:srgbClr val="000000"/>
                   </a:solidFill>
@@ -3536,7 +3536,7 @@
             </a:ln>
             <a:extLst>
               <a:ext uri="{91240B29-F687-4f45-9708-019B960494DF}">
-                <a14:hiddenLine xmlns="" xmlns:a14="http://schemas.microsoft.com/office/drawing/2010/main" w="9525">
+                <a14:hiddenLine xmlns:a14="http://schemas.microsoft.com/office/drawing/2010/main" xmlns="" w="9525">
                   <a:solidFill>
                     <a:srgbClr val="000000"/>
                   </a:solidFill>
@@ -3626,7 +3626,7 @@
             </a:ln>
             <a:extLst>
               <a:ext uri="{91240B29-F687-4f45-9708-019B960494DF}">
-                <a14:hiddenLine xmlns="" xmlns:a14="http://schemas.microsoft.com/office/drawing/2010/main" w="9525">
+                <a14:hiddenLine xmlns:a14="http://schemas.microsoft.com/office/drawing/2010/main" xmlns="" w="9525">
                   <a:solidFill>
                     <a:srgbClr val="000000"/>
                   </a:solidFill>
@@ -3691,7 +3691,7 @@
             </a:ln>
             <a:extLst>
               <a:ext uri="{91240B29-F687-4f45-9708-019B960494DF}">
-                <a14:hiddenLine xmlns="" xmlns:a14="http://schemas.microsoft.com/office/drawing/2010/main" w="9525">
+                <a14:hiddenLine xmlns:a14="http://schemas.microsoft.com/office/drawing/2010/main" xmlns="" w="9525">
                   <a:solidFill>
                     <a:srgbClr val="000000"/>
                   </a:solidFill>
@@ -3753,7 +3753,7 @@
             </a:ln>
             <a:extLst>
               <a:ext uri="{91240B29-F687-4f45-9708-019B960494DF}">
-                <a14:hiddenLine xmlns="" xmlns:a14="http://schemas.microsoft.com/office/drawing/2010/main" w="9525">
+                <a14:hiddenLine xmlns:a14="http://schemas.microsoft.com/office/drawing/2010/main" xmlns="" w="9525">
                   <a:solidFill>
                     <a:srgbClr val="000000"/>
                   </a:solidFill>
@@ -3843,7 +3843,7 @@
             </a:ln>
             <a:extLst>
               <a:ext uri="{91240B29-F687-4f45-9708-019B960494DF}">
-                <a14:hiddenLine xmlns="" xmlns:a14="http://schemas.microsoft.com/office/drawing/2010/main" w="9525">
+                <a14:hiddenLine xmlns:a14="http://schemas.microsoft.com/office/drawing/2010/main" xmlns="" w="9525">
                   <a:solidFill>
                     <a:srgbClr val="000000"/>
                   </a:solidFill>
@@ -3933,7 +3933,7 @@
             </a:ln>
             <a:extLst>
               <a:ext uri="{91240B29-F687-4f45-9708-019B960494DF}">
-                <a14:hiddenLine xmlns="" xmlns:a14="http://schemas.microsoft.com/office/drawing/2010/main" w="9525">
+                <a14:hiddenLine xmlns:a14="http://schemas.microsoft.com/office/drawing/2010/main" xmlns="" w="9525">
                   <a:solidFill>
                     <a:srgbClr val="000000"/>
                   </a:solidFill>
@@ -3995,7 +3995,7 @@
             </a:ln>
             <a:extLst>
               <a:ext uri="{91240B29-F687-4f45-9708-019B960494DF}">
-                <a14:hiddenLine xmlns="" xmlns:a14="http://schemas.microsoft.com/office/drawing/2010/main" w="9525">
+                <a14:hiddenLine xmlns:a14="http://schemas.microsoft.com/office/drawing/2010/main" xmlns="" w="9525">
                   <a:solidFill>
                     <a:srgbClr val="000000"/>
                   </a:solidFill>
@@ -4115,7 +4115,7 @@
             </a:ln>
             <a:extLst>
               <a:ext uri="{91240B29-F687-4f45-9708-019B960494DF}">
-                <a14:hiddenLine xmlns="" xmlns:a14="http://schemas.microsoft.com/office/drawing/2010/main" w="9525">
+                <a14:hiddenLine xmlns:a14="http://schemas.microsoft.com/office/drawing/2010/main" xmlns="" w="9525">
                   <a:solidFill>
                     <a:srgbClr val="000000"/>
                   </a:solidFill>
@@ -4183,7 +4183,7 @@
             </a:ln>
             <a:extLst>
               <a:ext uri="{91240B29-F687-4f45-9708-019B960494DF}">
-                <a14:hiddenLine xmlns="" xmlns:a14="http://schemas.microsoft.com/office/drawing/2010/main" w="9525">
+                <a14:hiddenLine xmlns:a14="http://schemas.microsoft.com/office/drawing/2010/main" xmlns="" w="9525">
                   <a:solidFill>
                     <a:srgbClr val="000000"/>
                   </a:solidFill>
@@ -4273,7 +4273,7 @@
             </a:ln>
             <a:extLst>
               <a:ext uri="{91240B29-F687-4f45-9708-019B960494DF}">
-                <a14:hiddenLine xmlns="" xmlns:a14="http://schemas.microsoft.com/office/drawing/2010/main" w="9525">
+                <a14:hiddenLine xmlns:a14="http://schemas.microsoft.com/office/drawing/2010/main" xmlns="" w="9525">
                   <a:solidFill>
                     <a:srgbClr val="000000"/>
                   </a:solidFill>
@@ -8995,7 +8995,7 @@
           <a:noFill/>
           <a:extLst>
             <a:ext uri="{909E8E84-426E-40dd-AFC4-6F175D3DCCD1}">
-              <a14:hiddenFill xmlns="" xmlns:a14="http://schemas.microsoft.com/office/drawing/2010/main">
+              <a14:hiddenFill xmlns:a14="http://schemas.microsoft.com/office/drawing/2010/main" xmlns="">
                 <a:solidFill>
                   <a:srgbClr val="FFFFFF"/>
                 </a:solidFill>
@@ -9069,7 +9069,7 @@
               </a:ln>
               <a:extLst>
                 <a:ext uri="{91240B29-F687-4f45-9708-019B960494DF}">
-                  <a14:hiddenLine xmlns="" xmlns:a14="http://schemas.microsoft.com/office/drawing/2010/main" w="9525">
+                  <a14:hiddenLine xmlns:a14="http://schemas.microsoft.com/office/drawing/2010/main" xmlns="" w="9525">
                     <a:solidFill>
                       <a:srgbClr val="000000"/>
                     </a:solidFill>
@@ -9159,7 +9159,7 @@
               </a:ln>
               <a:extLst>
                 <a:ext uri="{91240B29-F687-4f45-9708-019B960494DF}">
-                  <a14:hiddenLine xmlns="" xmlns:a14="http://schemas.microsoft.com/office/drawing/2010/main" w="9525">
+                  <a14:hiddenLine xmlns:a14="http://schemas.microsoft.com/office/drawing/2010/main" xmlns="" w="9525">
                     <a:solidFill>
                       <a:srgbClr val="000000"/>
                     </a:solidFill>
@@ -9249,7 +9249,7 @@
               </a:ln>
               <a:extLst>
                 <a:ext uri="{91240B29-F687-4f45-9708-019B960494DF}">
-                  <a14:hiddenLine xmlns="" xmlns:a14="http://schemas.microsoft.com/office/drawing/2010/main" w="9525">
+                  <a14:hiddenLine xmlns:a14="http://schemas.microsoft.com/office/drawing/2010/main" xmlns="" w="9525">
                     <a:solidFill>
                       <a:srgbClr val="000000"/>
                     </a:solidFill>
@@ -9311,7 +9311,7 @@
               </a:ln>
               <a:extLst>
                 <a:ext uri="{91240B29-F687-4f45-9708-019B960494DF}">
-                  <a14:hiddenLine xmlns="" xmlns:a14="http://schemas.microsoft.com/office/drawing/2010/main" w="9525">
+                  <a14:hiddenLine xmlns:a14="http://schemas.microsoft.com/office/drawing/2010/main" xmlns="" w="9525">
                     <a:solidFill>
                       <a:srgbClr val="000000"/>
                     </a:solidFill>
@@ -9401,7 +9401,7 @@
               </a:ln>
               <a:extLst>
                 <a:ext uri="{91240B29-F687-4f45-9708-019B960494DF}">
-                  <a14:hiddenLine xmlns="" xmlns:a14="http://schemas.microsoft.com/office/drawing/2010/main" w="9525">
+                  <a14:hiddenLine xmlns:a14="http://schemas.microsoft.com/office/drawing/2010/main" xmlns="" w="9525">
                     <a:solidFill>
                       <a:srgbClr val="000000"/>
                     </a:solidFill>
@@ -9463,7 +9463,7 @@
               </a:ln>
               <a:extLst>
                 <a:ext uri="{91240B29-F687-4f45-9708-019B960494DF}">
-                  <a14:hiddenLine xmlns="" xmlns:a14="http://schemas.microsoft.com/office/drawing/2010/main" w="9525">
+                  <a14:hiddenLine xmlns:a14="http://schemas.microsoft.com/office/drawing/2010/main" xmlns="" w="9525">
                     <a:solidFill>
                       <a:srgbClr val="000000"/>
                     </a:solidFill>
@@ -9525,7 +9525,7 @@
               </a:ln>
               <a:extLst>
                 <a:ext uri="{91240B29-F687-4f45-9708-019B960494DF}">
-                  <a14:hiddenLine xmlns="" xmlns:a14="http://schemas.microsoft.com/office/drawing/2010/main" w="9525">
+                  <a14:hiddenLine xmlns:a14="http://schemas.microsoft.com/office/drawing/2010/main" xmlns="" w="9525">
                     <a:solidFill>
                       <a:srgbClr val="000000"/>
                     </a:solidFill>
@@ -9615,7 +9615,7 @@
               </a:ln>
               <a:extLst>
                 <a:ext uri="{91240B29-F687-4f45-9708-019B960494DF}">
-                  <a14:hiddenLine xmlns="" xmlns:a14="http://schemas.microsoft.com/office/drawing/2010/main" w="9525">
+                  <a14:hiddenLine xmlns:a14="http://schemas.microsoft.com/office/drawing/2010/main" xmlns="" w="9525">
                     <a:solidFill>
                       <a:srgbClr val="000000"/>
                     </a:solidFill>
@@ -9705,7 +9705,7 @@
               </a:ln>
               <a:extLst>
                 <a:ext uri="{91240B29-F687-4f45-9708-019B960494DF}">
-                  <a14:hiddenLine xmlns="" xmlns:a14="http://schemas.microsoft.com/office/drawing/2010/main" w="9525">
+                  <a14:hiddenLine xmlns:a14="http://schemas.microsoft.com/office/drawing/2010/main" xmlns="" w="9525">
                     <a:solidFill>
                       <a:srgbClr val="000000"/>
                     </a:solidFill>
@@ -9767,7 +9767,7 @@
               </a:ln>
               <a:extLst>
                 <a:ext uri="{91240B29-F687-4f45-9708-019B960494DF}">
-                  <a14:hiddenLine xmlns="" xmlns:a14="http://schemas.microsoft.com/office/drawing/2010/main" w="9525">
+                  <a14:hiddenLine xmlns:a14="http://schemas.microsoft.com/office/drawing/2010/main" xmlns="" w="9525">
                     <a:solidFill>
                       <a:srgbClr val="000000"/>
                     </a:solidFill>
@@ -9877,7 +9877,7 @@
               </a:ln>
               <a:extLst>
                 <a:ext uri="{91240B29-F687-4f45-9708-019B960494DF}">
-                  <a14:hiddenLine xmlns="" xmlns:a14="http://schemas.microsoft.com/office/drawing/2010/main" w="9525">
+                  <a14:hiddenLine xmlns:a14="http://schemas.microsoft.com/office/drawing/2010/main" xmlns="" w="9525">
                     <a:solidFill>
                       <a:srgbClr val="000000"/>
                     </a:solidFill>
@@ -9961,7 +9961,7 @@
               </a:ln>
               <a:extLst>
                 <a:ext uri="{91240B29-F687-4f45-9708-019B960494DF}">
-                  <a14:hiddenLine xmlns="" xmlns:a14="http://schemas.microsoft.com/office/drawing/2010/main" w="9525">
+                  <a14:hiddenLine xmlns:a14="http://schemas.microsoft.com/office/drawing/2010/main" xmlns="" w="9525">
                     <a:solidFill>
                       <a:srgbClr val="000000"/>
                     </a:solidFill>
@@ -10023,7 +10023,7 @@
               </a:ln>
               <a:extLst>
                 <a:ext uri="{91240B29-F687-4f45-9708-019B960494DF}">
-                  <a14:hiddenLine xmlns="" xmlns:a14="http://schemas.microsoft.com/office/drawing/2010/main" w="9525">
+                  <a14:hiddenLine xmlns:a14="http://schemas.microsoft.com/office/drawing/2010/main" xmlns="" w="9525">
                     <a:solidFill>
                       <a:srgbClr val="000000"/>
                     </a:solidFill>
@@ -10085,7 +10085,7 @@
               </a:ln>
               <a:extLst>
                 <a:ext uri="{91240B29-F687-4f45-9708-019B960494DF}">
-                  <a14:hiddenLine xmlns="" xmlns:a14="http://schemas.microsoft.com/office/drawing/2010/main" w="9525">
+                  <a14:hiddenLine xmlns:a14="http://schemas.microsoft.com/office/drawing/2010/main" xmlns="" w="9525">
                     <a:solidFill>
                       <a:srgbClr val="000000"/>
                     </a:solidFill>
@@ -10175,7 +10175,7 @@
               </a:ln>
               <a:extLst>
                 <a:ext uri="{91240B29-F687-4f45-9708-019B960494DF}">
-                  <a14:hiddenLine xmlns="" xmlns:a14="http://schemas.microsoft.com/office/drawing/2010/main" w="9525">
+                  <a14:hiddenLine xmlns:a14="http://schemas.microsoft.com/office/drawing/2010/main" xmlns="" w="9525">
                     <a:solidFill>
                       <a:srgbClr val="000000"/>
                     </a:solidFill>
@@ -10209,7 +10209,7 @@
               </a:ln>
               <a:extLst>
                 <a:ext uri="{91240B29-F687-4f45-9708-019B960494DF}">
-                  <a14:hiddenLine xmlns="" xmlns:a14="http://schemas.microsoft.com/office/drawing/2010/main" w="9525">
+                  <a14:hiddenLine xmlns:a14="http://schemas.microsoft.com/office/drawing/2010/main" xmlns="" w="9525">
                     <a:solidFill>
                       <a:srgbClr val="000000"/>
                     </a:solidFill>
@@ -10274,7 +10274,7 @@
               </a:ln>
               <a:extLst>
                 <a:ext uri="{91240B29-F687-4f45-9708-019B960494DF}">
-                  <a14:hiddenLine xmlns="" xmlns:a14="http://schemas.microsoft.com/office/drawing/2010/main" w="9525">
+                  <a14:hiddenLine xmlns:a14="http://schemas.microsoft.com/office/drawing/2010/main" xmlns="" w="9525">
                     <a:solidFill>
                       <a:srgbClr val="000000"/>
                     </a:solidFill>
@@ -10364,7 +10364,7 @@
               </a:ln>
               <a:extLst>
                 <a:ext uri="{91240B29-F687-4f45-9708-019B960494DF}">
-                  <a14:hiddenLine xmlns="" xmlns:a14="http://schemas.microsoft.com/office/drawing/2010/main" w="9525">
+                  <a14:hiddenLine xmlns:a14="http://schemas.microsoft.com/office/drawing/2010/main" xmlns="" w="9525">
                     <a:solidFill>
                       <a:srgbClr val="000000"/>
                     </a:solidFill>
@@ -10426,7 +10426,7 @@
               </a:ln>
               <a:extLst>
                 <a:ext uri="{91240B29-F687-4f45-9708-019B960494DF}">
-                  <a14:hiddenLine xmlns="" xmlns:a14="http://schemas.microsoft.com/office/drawing/2010/main" w="9525">
+                  <a14:hiddenLine xmlns:a14="http://schemas.microsoft.com/office/drawing/2010/main" xmlns="" w="9525">
                     <a:solidFill>
                       <a:srgbClr val="000000"/>
                     </a:solidFill>
@@ -10516,7 +10516,7 @@
               </a:ln>
               <a:extLst>
                 <a:ext uri="{91240B29-F687-4f45-9708-019B960494DF}">
-                  <a14:hiddenLine xmlns="" xmlns:a14="http://schemas.microsoft.com/office/drawing/2010/main" w="9525">
+                  <a14:hiddenLine xmlns:a14="http://schemas.microsoft.com/office/drawing/2010/main" xmlns="" w="9525">
                     <a:solidFill>
                       <a:srgbClr val="000000"/>
                     </a:solidFill>
@@ -10581,7 +10581,7 @@
               </a:ln>
               <a:extLst>
                 <a:ext uri="{91240B29-F687-4f45-9708-019B960494DF}">
-                  <a14:hiddenLine xmlns="" xmlns:a14="http://schemas.microsoft.com/office/drawing/2010/main" w="9525">
+                  <a14:hiddenLine xmlns:a14="http://schemas.microsoft.com/office/drawing/2010/main" xmlns="" w="9525">
                     <a:solidFill>
                       <a:srgbClr val="000000"/>
                     </a:solidFill>
@@ -10643,7 +10643,7 @@
               </a:ln>
               <a:extLst>
                 <a:ext uri="{91240B29-F687-4f45-9708-019B960494DF}">
-                  <a14:hiddenLine xmlns="" xmlns:a14="http://schemas.microsoft.com/office/drawing/2010/main" w="9525">
+                  <a14:hiddenLine xmlns:a14="http://schemas.microsoft.com/office/drawing/2010/main" xmlns="" w="9525">
                     <a:solidFill>
                       <a:srgbClr val="000000"/>
                     </a:solidFill>
@@ -10733,7 +10733,7 @@
               </a:ln>
               <a:extLst>
                 <a:ext uri="{91240B29-F687-4f45-9708-019B960494DF}">
-                  <a14:hiddenLine xmlns="" xmlns:a14="http://schemas.microsoft.com/office/drawing/2010/main" w="9525">
+                  <a14:hiddenLine xmlns:a14="http://schemas.microsoft.com/office/drawing/2010/main" xmlns="" w="9525">
                     <a:solidFill>
                       <a:srgbClr val="000000"/>
                     </a:solidFill>
@@ -10823,7 +10823,7 @@
               </a:ln>
               <a:extLst>
                 <a:ext uri="{91240B29-F687-4f45-9708-019B960494DF}">
-                  <a14:hiddenLine xmlns="" xmlns:a14="http://schemas.microsoft.com/office/drawing/2010/main" w="9525">
+                  <a14:hiddenLine xmlns:a14="http://schemas.microsoft.com/office/drawing/2010/main" xmlns="" w="9525">
                     <a:solidFill>
                       <a:srgbClr val="000000"/>
                     </a:solidFill>
@@ -10888,7 +10888,7 @@
               </a:ln>
               <a:extLst>
                 <a:ext uri="{91240B29-F687-4f45-9708-019B960494DF}">
-                  <a14:hiddenLine xmlns="" xmlns:a14="http://schemas.microsoft.com/office/drawing/2010/main" w="9525">
+                  <a14:hiddenLine xmlns:a14="http://schemas.microsoft.com/office/drawing/2010/main" xmlns="" w="9525">
                     <a:solidFill>
                       <a:srgbClr val="000000"/>
                     </a:solidFill>
@@ -11008,7 +11008,7 @@
               </a:ln>
               <a:extLst>
                 <a:ext uri="{91240B29-F687-4f45-9708-019B960494DF}">
-                  <a14:hiddenLine xmlns="" xmlns:a14="http://schemas.microsoft.com/office/drawing/2010/main" w="9525">
+                  <a14:hiddenLine xmlns:a14="http://schemas.microsoft.com/office/drawing/2010/main" xmlns="" w="9525">
                     <a:solidFill>
                       <a:srgbClr val="000000"/>
                     </a:solidFill>
@@ -11106,7 +11106,7 @@
               </a:ln>
               <a:extLst>
                 <a:ext uri="{91240B29-F687-4f45-9708-019B960494DF}">
-                  <a14:hiddenLine xmlns="" xmlns:a14="http://schemas.microsoft.com/office/drawing/2010/main" w="9525">
+                  <a14:hiddenLine xmlns:a14="http://schemas.microsoft.com/office/drawing/2010/main" xmlns="" w="9525">
                     <a:solidFill>
                       <a:srgbClr val="000000"/>
                     </a:solidFill>
@@ -11221,7 +11221,7 @@
               </a:ln>
               <a:extLst>
                 <a:ext uri="{91240B29-F687-4f45-9708-019B960494DF}">
-                  <a14:hiddenLine xmlns="" xmlns:a14="http://schemas.microsoft.com/office/drawing/2010/main" w="9525">
+                  <a14:hiddenLine xmlns:a14="http://schemas.microsoft.com/office/drawing/2010/main" xmlns="" w="9525">
                     <a:solidFill>
                       <a:srgbClr val="000000"/>
                     </a:solidFill>
@@ -11311,7 +11311,7 @@
               </a:ln>
               <a:extLst>
                 <a:ext uri="{91240B29-F687-4f45-9708-019B960494DF}">
-                  <a14:hiddenLine xmlns="" xmlns:a14="http://schemas.microsoft.com/office/drawing/2010/main" w="9525">
+                  <a14:hiddenLine xmlns:a14="http://schemas.microsoft.com/office/drawing/2010/main" xmlns="" w="9525">
                     <a:solidFill>
                       <a:srgbClr val="000000"/>
                     </a:solidFill>
@@ -11376,7 +11376,7 @@
               </a:ln>
               <a:extLst>
                 <a:ext uri="{91240B29-F687-4f45-9708-019B960494DF}">
-                  <a14:hiddenLine xmlns="" xmlns:a14="http://schemas.microsoft.com/office/drawing/2010/main" w="9525">
+                  <a14:hiddenLine xmlns:a14="http://schemas.microsoft.com/office/drawing/2010/main" xmlns="" w="9525">
                     <a:solidFill>
                       <a:srgbClr val="000000"/>
                     </a:solidFill>
@@ -11466,7 +11466,7 @@
               </a:ln>
               <a:extLst>
                 <a:ext uri="{91240B29-F687-4f45-9708-019B960494DF}">
-                  <a14:hiddenLine xmlns="" xmlns:a14="http://schemas.microsoft.com/office/drawing/2010/main" w="9525">
+                  <a14:hiddenLine xmlns:a14="http://schemas.microsoft.com/office/drawing/2010/main" xmlns="" w="9525">
                     <a:solidFill>
                       <a:srgbClr val="000000"/>
                     </a:solidFill>
@@ -11534,7 +11534,7 @@
               </a:ln>
               <a:extLst>
                 <a:ext uri="{91240B29-F687-4f45-9708-019B960494DF}">
-                  <a14:hiddenLine xmlns="" xmlns:a14="http://schemas.microsoft.com/office/drawing/2010/main" w="9525">
+                  <a14:hiddenLine xmlns:a14="http://schemas.microsoft.com/office/drawing/2010/main" xmlns="" w="9525">
                     <a:solidFill>
                       <a:srgbClr val="000000"/>
                     </a:solidFill>
@@ -11624,7 +11624,7 @@
               </a:ln>
               <a:extLst>
                 <a:ext uri="{91240B29-F687-4f45-9708-019B960494DF}">
-                  <a14:hiddenLine xmlns="" xmlns:a14="http://schemas.microsoft.com/office/drawing/2010/main" w="9525">
+                  <a14:hiddenLine xmlns:a14="http://schemas.microsoft.com/office/drawing/2010/main" xmlns="" w="9525">
                     <a:solidFill>
                       <a:srgbClr val="000000"/>
                     </a:solidFill>
@@ -11692,7 +11692,7 @@
               </a:ln>
               <a:extLst>
                 <a:ext uri="{91240B29-F687-4f45-9708-019B960494DF}">
-                  <a14:hiddenLine xmlns="" xmlns:a14="http://schemas.microsoft.com/office/drawing/2010/main" w="9525">
+                  <a14:hiddenLine xmlns:a14="http://schemas.microsoft.com/office/drawing/2010/main" xmlns="" w="9525">
                     <a:solidFill>
                       <a:srgbClr val="000000"/>
                     </a:solidFill>
@@ -11782,7 +11782,7 @@
               </a:ln>
               <a:extLst>
                 <a:ext uri="{91240B29-F687-4f45-9708-019B960494DF}">
-                  <a14:hiddenLine xmlns="" xmlns:a14="http://schemas.microsoft.com/office/drawing/2010/main" w="9525">
+                  <a14:hiddenLine xmlns:a14="http://schemas.microsoft.com/office/drawing/2010/main" xmlns="" w="9525">
                     <a:solidFill>
                       <a:srgbClr val="000000"/>
                     </a:solidFill>
@@ -11816,7 +11816,7 @@
               </a:ln>
               <a:extLst>
                 <a:ext uri="{91240B29-F687-4f45-9708-019B960494DF}">
-                  <a14:hiddenLine xmlns="" xmlns:a14="http://schemas.microsoft.com/office/drawing/2010/main" w="9525">
+                  <a14:hiddenLine xmlns:a14="http://schemas.microsoft.com/office/drawing/2010/main" xmlns="" w="9525">
                     <a:solidFill>
                       <a:srgbClr val="000000"/>
                     </a:solidFill>
@@ -12541,7 +12541,7 @@
             <a:noFill/>
             <a:extLst>
               <a:ext uri="{909E8E84-426E-40dd-AFC4-6F175D3DCCD1}">
-                <a14:hiddenFill xmlns="" xmlns:a16="http://schemas.microsoft.com/office/drawing/2014/main" xmlns:a14="http://schemas.microsoft.com/office/drawing/2010/main" xmlns:p14="http://schemas.microsoft.com/office/powerpoint/2010/main">
+                <a14:hiddenFill xmlns:p14="http://schemas.microsoft.com/office/powerpoint/2010/main" xmlns:a14="http://schemas.microsoft.com/office/drawing/2010/main" xmlns:a16="http://schemas.microsoft.com/office/drawing/2014/main" xmlns="">
                   <a:solidFill>
                     <a:srgbClr val="FFFFFF"/>
                   </a:solidFill>
@@ -15541,7 +15541,7 @@
                         <a:buNone/>
                       </a:pPr>
                       <a:r>
-                        <a:rPr lang="en-US" sz="1600" kern="100">
+                        <a:rPr lang="en-US" sz="1600" kern="100" dirty="0">
                           <a:ln>
                             <a:solidFill>
                               <a:sysClr val="windowText" lastClr="000000"/>
@@ -15556,7 +15556,7 @@
                         </a:rPr>
                         <a:t>GGSB_NPGDP</a:t>
                       </a:r>
-                      <a:endParaRPr lang="en-US" sz="1600" kern="100">
+                      <a:endParaRPr lang="en-US" sz="1600" kern="100" dirty="0">
                         <a:ln>
                           <a:solidFill>
                             <a:sysClr val="windowText" lastClr="000000"/>
@@ -15972,7 +15972,7 @@
                         <a:buNone/>
                       </a:pPr>
                       <a:r>
-                        <a:rPr lang="en-US" sz="1600" kern="100">
+                        <a:rPr lang="en-US" sz="1600" kern="100" dirty="0">
                           <a:ln>
                             <a:solidFill>
                               <a:sysClr val="windowText" lastClr="000000"/>
@@ -15987,7 +15987,7 @@
                         </a:rPr>
                         <a:t>TX_RPCH</a:t>
                       </a:r>
-                      <a:endParaRPr lang="en-US" sz="1600" kern="100">
+                      <a:endParaRPr lang="en-US" sz="1600" kern="100" dirty="0">
                         <a:ln>
                           <a:solidFill>
                             <a:sysClr val="windowText" lastClr="000000"/>
@@ -19575,8 +19575,8 @@
           </a:p>
         </p:txBody>
       </p:sp>
-      <mc:AlternateContent xmlns:mc="http://schemas.openxmlformats.org/markup-compatibility/2006" xmlns:a14="http://schemas.microsoft.com/office/drawing/2010/main">
-        <mc:Choice Requires="a14">
+      <mc:AlternateContent xmlns:mc="http://schemas.openxmlformats.org/markup-compatibility/2006">
+        <mc:Choice xmlns:a14="http://schemas.microsoft.com/office/drawing/2010/main" Requires="a14">
           <p:sp>
             <p:nvSpPr>
               <p:cNvPr id="5" name="Subtitle 4">
@@ -19676,7 +19676,7 @@
                     <a:latin typeface="Times New Roman" panose="02020603050405020304" pitchFamily="18" charset="0"/>
                     <a:cs typeface="Times New Roman" panose="02020603050405020304" pitchFamily="18" charset="0"/>
                   </a:rPr>
-                  <a:t> Cross-sectional Dependence (CD) Test</a:t>
+                  <a:t> Cross-sectional Dependence (CD) Test:</a:t>
                 </a:r>
               </a:p>
               <a:p>
@@ -19893,7 +19893,7 @@
                     <a:latin typeface="Times New Roman" panose="02020603050405020304" pitchFamily="18" charset="0"/>
                     <a:cs typeface="Times New Roman" panose="02020603050405020304" pitchFamily="18" charset="0"/>
                   </a:rPr>
-                  <a:t>D) Levin, Lin, and Chu (LLC) Panel Unit Root (Stationarity) Test</a:t>
+                  <a:t>D) Levin, Lin, and Chu (LLC) Panel Unit Root (Stationarity) Test:</a:t>
                 </a:r>
               </a:p>
               <a:p>
@@ -20138,7 +20138,7 @@
                     <a:latin typeface="Times New Roman" panose="02020603050405020304" pitchFamily="18" charset="0"/>
                     <a:cs typeface="Times New Roman" panose="02020603050405020304" pitchFamily="18" charset="0"/>
                   </a:rPr>
-                  <a:t>(Heteroskedasticity, Serial correlation, and Cross-sectional dependence)</a:t>
+                  <a:t>(Heteroskedasticity, Serial correlation, and Cross-sectional dependence).</a:t>
                 </a:r>
                 <a:endParaRPr lang="ar-EG" cap="none" dirty="0">
                   <a:solidFill>
@@ -20200,7 +20200,7 @@
             </p:txBody>
           </p:sp>
         </mc:Choice>
-        <mc:Fallback xmlns="">
+        <mc:Fallback>
           <p:sp>
             <p:nvSpPr>
               <p:cNvPr id="5" name="Subtitle 4">
@@ -24440,7 +24440,7 @@
                 <a:latin typeface="Times New Roman" panose="02020603050405020304" pitchFamily="18" charset="0"/>
                 <a:cs typeface="Times New Roman" panose="02020603050405020304" pitchFamily="18" charset="0"/>
               </a:rPr>
-              <a:t> 3.4 Two-Step Difference GMM (Arellano-bond)</a:t>
+              <a:t> 5.4 Two-Step Difference GMM (Arellano-bond)</a:t>
             </a:r>
           </a:p>
         </p:txBody>
@@ -26005,7 +26005,7 @@
                         <a:buNone/>
                       </a:pPr>
                       <a:r>
-                        <a:rPr lang="en-US" sz="1600" b="1" kern="100">
+                        <a:rPr lang="en-US" sz="1600" b="1" kern="100" dirty="0">
                           <a:solidFill>
                             <a:sysClr val="windowText" lastClr="000000"/>
                           </a:solidFill>
@@ -26015,7 +26015,7 @@
                         </a:rPr>
                         <a:t>0.1456</a:t>
                       </a:r>
-                      <a:endParaRPr lang="en-US" sz="1600" b="1" kern="100">
+                      <a:endParaRPr lang="en-US" sz="1600" b="1" kern="100" dirty="0">
                         <a:solidFill>
                           <a:sysClr val="windowText" lastClr="000000"/>
                         </a:solidFill>
@@ -29824,7 +29824,7 @@
                 <a:latin typeface="Times New Roman" panose="02020603050405020304" pitchFamily="18" charset="0"/>
                 <a:cs typeface="Times New Roman" panose="02020603050405020304" pitchFamily="18" charset="0"/>
               </a:rPr>
-              <a:t>(B): SQL Codes:-</a:t>
+              <a:t>(A): SQL Codes:-</a:t>
             </a:r>
           </a:p>
           <a:p>

--- a/07-Report/Presentation.pptx
+++ b/07-Report/Presentation.pptx
@@ -187,7 +187,7 @@
           <a:noFill/>
           <a:extLst>
             <a:ext uri="{909E8E84-426E-40dd-AFC4-6F175D3DCCD1}">
-              <a14:hiddenFill xmlns:a14="http://schemas.microsoft.com/office/drawing/2010/main" xmlns="">
+              <a14:hiddenFill xmlns="" xmlns:a14="http://schemas.microsoft.com/office/drawing/2010/main">
                 <a:solidFill>
                   <a:srgbClr val="FFFFFF"/>
                 </a:solidFill>
@@ -247,7 +247,7 @@
             </a:ln>
             <a:extLst>
               <a:ext uri="{91240B29-F687-4f45-9708-019B960494DF}">
-                <a14:hiddenLine xmlns:a14="http://schemas.microsoft.com/office/drawing/2010/main" xmlns="" w="9525">
+                <a14:hiddenLine xmlns="" xmlns:a14="http://schemas.microsoft.com/office/drawing/2010/main" w="9525">
                   <a:solidFill>
                     <a:srgbClr val="000000"/>
                   </a:solidFill>
@@ -337,7 +337,7 @@
             </a:ln>
             <a:extLst>
               <a:ext uri="{91240B29-F687-4f45-9708-019B960494DF}">
-                <a14:hiddenLine xmlns:a14="http://schemas.microsoft.com/office/drawing/2010/main" xmlns="" w="9525">
+                <a14:hiddenLine xmlns="" xmlns:a14="http://schemas.microsoft.com/office/drawing/2010/main" w="9525">
                   <a:solidFill>
                     <a:srgbClr val="000000"/>
                   </a:solidFill>
@@ -427,7 +427,7 @@
             </a:ln>
             <a:extLst>
               <a:ext uri="{91240B29-F687-4f45-9708-019B960494DF}">
-                <a14:hiddenLine xmlns:a14="http://schemas.microsoft.com/office/drawing/2010/main" xmlns="" w="9525">
+                <a14:hiddenLine xmlns="" xmlns:a14="http://schemas.microsoft.com/office/drawing/2010/main" w="9525">
                   <a:solidFill>
                     <a:srgbClr val="000000"/>
                   </a:solidFill>
@@ -461,7 +461,7 @@
             </a:ln>
             <a:extLst>
               <a:ext uri="{91240B29-F687-4f45-9708-019B960494DF}">
-                <a14:hiddenLine xmlns:a14="http://schemas.microsoft.com/office/drawing/2010/main" xmlns="" w="9525">
+                <a14:hiddenLine xmlns="" xmlns:a14="http://schemas.microsoft.com/office/drawing/2010/main" w="9525">
                   <a:solidFill>
                     <a:srgbClr val="000000"/>
                   </a:solidFill>
@@ -551,7 +551,7 @@
             </a:ln>
             <a:extLst>
               <a:ext uri="{91240B29-F687-4f45-9708-019B960494DF}">
-                <a14:hiddenLine xmlns:a14="http://schemas.microsoft.com/office/drawing/2010/main" xmlns="" w="9525">
+                <a14:hiddenLine xmlns="" xmlns:a14="http://schemas.microsoft.com/office/drawing/2010/main" w="9525">
                   <a:solidFill>
                     <a:srgbClr val="000000"/>
                   </a:solidFill>
@@ -613,7 +613,7 @@
             </a:ln>
             <a:extLst>
               <a:ext uri="{91240B29-F687-4f45-9708-019B960494DF}">
-                <a14:hiddenLine xmlns:a14="http://schemas.microsoft.com/office/drawing/2010/main" xmlns="" w="9525">
+                <a14:hiddenLine xmlns="" xmlns:a14="http://schemas.microsoft.com/office/drawing/2010/main" w="9525">
                   <a:solidFill>
                     <a:srgbClr val="000000"/>
                   </a:solidFill>
@@ -675,7 +675,7 @@
             </a:ln>
             <a:extLst>
               <a:ext uri="{91240B29-F687-4f45-9708-019B960494DF}">
-                <a14:hiddenLine xmlns:a14="http://schemas.microsoft.com/office/drawing/2010/main" xmlns="" w="9525">
+                <a14:hiddenLine xmlns="" xmlns:a14="http://schemas.microsoft.com/office/drawing/2010/main" w="9525">
                   <a:solidFill>
                     <a:srgbClr val="000000"/>
                   </a:solidFill>
@@ -765,7 +765,7 @@
             </a:ln>
             <a:extLst>
               <a:ext uri="{91240B29-F687-4f45-9708-019B960494DF}">
-                <a14:hiddenLine xmlns:a14="http://schemas.microsoft.com/office/drawing/2010/main" xmlns="" w="9525">
+                <a14:hiddenLine xmlns="" xmlns:a14="http://schemas.microsoft.com/office/drawing/2010/main" w="9525">
                   <a:solidFill>
                     <a:srgbClr val="000000"/>
                   </a:solidFill>
@@ -827,7 +827,7 @@
             </a:ln>
             <a:extLst>
               <a:ext uri="{91240B29-F687-4f45-9708-019B960494DF}">
-                <a14:hiddenLine xmlns:a14="http://schemas.microsoft.com/office/drawing/2010/main" xmlns="" w="9525">
+                <a14:hiddenLine xmlns="" xmlns:a14="http://schemas.microsoft.com/office/drawing/2010/main" w="9525">
                   <a:solidFill>
                     <a:srgbClr val="000000"/>
                   </a:solidFill>
@@ -889,7 +889,7 @@
             </a:ln>
             <a:extLst>
               <a:ext uri="{91240B29-F687-4f45-9708-019B960494DF}">
-                <a14:hiddenLine xmlns:a14="http://schemas.microsoft.com/office/drawing/2010/main" xmlns="" w="9525">
+                <a14:hiddenLine xmlns="" xmlns:a14="http://schemas.microsoft.com/office/drawing/2010/main" w="9525">
                   <a:solidFill>
                     <a:srgbClr val="000000"/>
                   </a:solidFill>
@@ -979,7 +979,7 @@
             </a:ln>
             <a:extLst>
               <a:ext uri="{91240B29-F687-4f45-9708-019B960494DF}">
-                <a14:hiddenLine xmlns:a14="http://schemas.microsoft.com/office/drawing/2010/main" xmlns="" w="9525">
+                <a14:hiddenLine xmlns="" xmlns:a14="http://schemas.microsoft.com/office/drawing/2010/main" w="9525">
                   <a:solidFill>
                     <a:srgbClr val="000000"/>
                   </a:solidFill>
@@ -1069,7 +1069,7 @@
             </a:ln>
             <a:extLst>
               <a:ext uri="{91240B29-F687-4f45-9708-019B960494DF}">
-                <a14:hiddenLine xmlns:a14="http://schemas.microsoft.com/office/drawing/2010/main" xmlns="" w="9525">
+                <a14:hiddenLine xmlns="" xmlns:a14="http://schemas.microsoft.com/office/drawing/2010/main" w="9525">
                   <a:solidFill>
                     <a:srgbClr val="000000"/>
                   </a:solidFill>
@@ -1131,7 +1131,7 @@
             </a:ln>
             <a:extLst>
               <a:ext uri="{91240B29-F687-4f45-9708-019B960494DF}">
-                <a14:hiddenLine xmlns:a14="http://schemas.microsoft.com/office/drawing/2010/main" xmlns="" w="9525">
+                <a14:hiddenLine xmlns="" xmlns:a14="http://schemas.microsoft.com/office/drawing/2010/main" w="9525">
                   <a:solidFill>
                     <a:srgbClr val="000000"/>
                   </a:solidFill>
@@ -1241,7 +1241,7 @@
             </a:ln>
             <a:extLst>
               <a:ext uri="{91240B29-F687-4f45-9708-019B960494DF}">
-                <a14:hiddenLine xmlns:a14="http://schemas.microsoft.com/office/drawing/2010/main" xmlns="" w="9525">
+                <a14:hiddenLine xmlns="" xmlns:a14="http://schemas.microsoft.com/office/drawing/2010/main" w="9525">
                   <a:solidFill>
                     <a:srgbClr val="000000"/>
                   </a:solidFill>
@@ -1303,7 +1303,7 @@
             </a:ln>
             <a:extLst>
               <a:ext uri="{91240B29-F687-4f45-9708-019B960494DF}">
-                <a14:hiddenLine xmlns:a14="http://schemas.microsoft.com/office/drawing/2010/main" xmlns="" w="9525">
+                <a14:hiddenLine xmlns="" xmlns:a14="http://schemas.microsoft.com/office/drawing/2010/main" w="9525">
                   <a:solidFill>
                     <a:srgbClr val="000000"/>
                   </a:solidFill>
@@ -1393,7 +1393,7 @@
             </a:ln>
             <a:extLst>
               <a:ext uri="{91240B29-F687-4f45-9708-019B960494DF}">
-                <a14:hiddenLine xmlns:a14="http://schemas.microsoft.com/office/drawing/2010/main" xmlns="" w="9525">
+                <a14:hiddenLine xmlns="" xmlns:a14="http://schemas.microsoft.com/office/drawing/2010/main" w="9525">
                   <a:solidFill>
                     <a:srgbClr val="000000"/>
                   </a:solidFill>
@@ -1483,7 +1483,7 @@
             </a:ln>
             <a:extLst>
               <a:ext uri="{91240B29-F687-4f45-9708-019B960494DF}">
-                <a14:hiddenLine xmlns:a14="http://schemas.microsoft.com/office/drawing/2010/main" xmlns="" w="9525">
+                <a14:hiddenLine xmlns="" xmlns:a14="http://schemas.microsoft.com/office/drawing/2010/main" w="9525">
                   <a:solidFill>
                     <a:srgbClr val="000000"/>
                   </a:solidFill>
@@ -1545,7 +1545,7 @@
             </a:ln>
             <a:extLst>
               <a:ext uri="{91240B29-F687-4f45-9708-019B960494DF}">
-                <a14:hiddenLine xmlns:a14="http://schemas.microsoft.com/office/drawing/2010/main" xmlns="" w="9525">
+                <a14:hiddenLine xmlns="" xmlns:a14="http://schemas.microsoft.com/office/drawing/2010/main" w="9525">
                   <a:solidFill>
                     <a:srgbClr val="000000"/>
                   </a:solidFill>
@@ -1635,7 +1635,7 @@
             </a:ln>
             <a:extLst>
               <a:ext uri="{91240B29-F687-4f45-9708-019B960494DF}">
-                <a14:hiddenLine xmlns:a14="http://schemas.microsoft.com/office/drawing/2010/main" xmlns="" w="9525">
+                <a14:hiddenLine xmlns="" xmlns:a14="http://schemas.microsoft.com/office/drawing/2010/main" w="9525">
                   <a:solidFill>
                     <a:srgbClr val="000000"/>
                   </a:solidFill>
@@ -1725,7 +1725,7 @@
             </a:ln>
             <a:extLst>
               <a:ext uri="{91240B29-F687-4f45-9708-019B960494DF}">
-                <a14:hiddenLine xmlns:a14="http://schemas.microsoft.com/office/drawing/2010/main" xmlns="" w="9525">
+                <a14:hiddenLine xmlns="" xmlns:a14="http://schemas.microsoft.com/office/drawing/2010/main" w="9525">
                   <a:solidFill>
                     <a:srgbClr val="000000"/>
                   </a:solidFill>
@@ -1781,7 +1781,7 @@
             </a:ln>
             <a:extLst>
               <a:ext uri="{91240B29-F687-4f45-9708-019B960494DF}">
-                <a14:hiddenLine xmlns:a14="http://schemas.microsoft.com/office/drawing/2010/main" xmlns="" w="9525">
+                <a14:hiddenLine xmlns="" xmlns:a14="http://schemas.microsoft.com/office/drawing/2010/main" w="9525">
                   <a:solidFill>
                     <a:srgbClr val="000000"/>
                   </a:solidFill>
@@ -1871,7 +1871,7 @@
             </a:ln>
             <a:extLst>
               <a:ext uri="{91240B29-F687-4f45-9708-019B960494DF}">
-                <a14:hiddenLine xmlns:a14="http://schemas.microsoft.com/office/drawing/2010/main" xmlns="" w="9525">
+                <a14:hiddenLine xmlns="" xmlns:a14="http://schemas.microsoft.com/office/drawing/2010/main" w="9525">
                   <a:solidFill>
                     <a:srgbClr val="000000"/>
                   </a:solidFill>
@@ -1927,7 +1927,7 @@
             </a:ln>
             <a:extLst>
               <a:ext uri="{91240B29-F687-4f45-9708-019B960494DF}">
-                <a14:hiddenLine xmlns:a14="http://schemas.microsoft.com/office/drawing/2010/main" xmlns="" w="9525">
+                <a14:hiddenLine xmlns="" xmlns:a14="http://schemas.microsoft.com/office/drawing/2010/main" w="9525">
                   <a:solidFill>
                     <a:srgbClr val="000000"/>
                   </a:solidFill>
@@ -2017,7 +2017,7 @@
             </a:ln>
             <a:extLst>
               <a:ext uri="{91240B29-F687-4f45-9708-019B960494DF}">
-                <a14:hiddenLine xmlns:a14="http://schemas.microsoft.com/office/drawing/2010/main" xmlns="" w="9525">
+                <a14:hiddenLine xmlns="" xmlns:a14="http://schemas.microsoft.com/office/drawing/2010/main" w="9525">
                   <a:solidFill>
                     <a:srgbClr val="000000"/>
                   </a:solidFill>
@@ -2085,7 +2085,7 @@
             </a:ln>
             <a:extLst>
               <a:ext uri="{91240B29-F687-4f45-9708-019B960494DF}">
-                <a14:hiddenLine xmlns:a14="http://schemas.microsoft.com/office/drawing/2010/main" xmlns="" w="9525">
+                <a14:hiddenLine xmlns="" xmlns:a14="http://schemas.microsoft.com/office/drawing/2010/main" w="9525">
                   <a:solidFill>
                     <a:srgbClr val="000000"/>
                   </a:solidFill>
@@ -2175,7 +2175,7 @@
             </a:ln>
             <a:extLst>
               <a:ext uri="{91240B29-F687-4f45-9708-019B960494DF}">
-                <a14:hiddenLine xmlns:a14="http://schemas.microsoft.com/office/drawing/2010/main" xmlns="" w="9525">
+                <a14:hiddenLine xmlns="" xmlns:a14="http://schemas.microsoft.com/office/drawing/2010/main" w="9525">
                   <a:solidFill>
                     <a:srgbClr val="000000"/>
                   </a:solidFill>
@@ -2243,7 +2243,7 @@
             </a:ln>
             <a:extLst>
               <a:ext uri="{91240B29-F687-4f45-9708-019B960494DF}">
-                <a14:hiddenLine xmlns:a14="http://schemas.microsoft.com/office/drawing/2010/main" xmlns="" w="9525">
+                <a14:hiddenLine xmlns="" xmlns:a14="http://schemas.microsoft.com/office/drawing/2010/main" w="9525">
                   <a:solidFill>
                     <a:srgbClr val="000000"/>
                   </a:solidFill>
@@ -2333,7 +2333,7 @@
             </a:ln>
             <a:extLst>
               <a:ext uri="{91240B29-F687-4f45-9708-019B960494DF}">
-                <a14:hiddenLine xmlns:a14="http://schemas.microsoft.com/office/drawing/2010/main" xmlns="" w="9525">
+                <a14:hiddenLine xmlns="" xmlns:a14="http://schemas.microsoft.com/office/drawing/2010/main" w="9525">
                   <a:solidFill>
                     <a:srgbClr val="000000"/>
                   </a:solidFill>
@@ -2367,7 +2367,7 @@
             </a:ln>
             <a:extLst>
               <a:ext uri="{91240B29-F687-4f45-9708-019B960494DF}">
-                <a14:hiddenLine xmlns:a14="http://schemas.microsoft.com/office/drawing/2010/main" xmlns="" w="9525">
+                <a14:hiddenLine xmlns="" xmlns:a14="http://schemas.microsoft.com/office/drawing/2010/main" w="9525">
                   <a:solidFill>
                     <a:srgbClr val="000000"/>
                   </a:solidFill>
@@ -2457,7 +2457,7 @@
             </a:ln>
             <a:extLst>
               <a:ext uri="{91240B29-F687-4f45-9708-019B960494DF}">
-                <a14:hiddenLine xmlns:a14="http://schemas.microsoft.com/office/drawing/2010/main" xmlns="" w="9525">
+                <a14:hiddenLine xmlns="" xmlns:a14="http://schemas.microsoft.com/office/drawing/2010/main" w="9525">
                   <a:solidFill>
                     <a:srgbClr val="000000"/>
                   </a:solidFill>
@@ -2519,7 +2519,7 @@
             </a:ln>
             <a:extLst>
               <a:ext uri="{91240B29-F687-4f45-9708-019B960494DF}">
-                <a14:hiddenLine xmlns:a14="http://schemas.microsoft.com/office/drawing/2010/main" xmlns="" w="9525">
+                <a14:hiddenLine xmlns="" xmlns:a14="http://schemas.microsoft.com/office/drawing/2010/main" w="9525">
                   <a:solidFill>
                     <a:srgbClr val="000000"/>
                   </a:solidFill>
@@ -2581,7 +2581,7 @@
             </a:ln>
             <a:extLst>
               <a:ext uri="{91240B29-F687-4f45-9708-019B960494DF}">
-                <a14:hiddenLine xmlns:a14="http://schemas.microsoft.com/office/drawing/2010/main" xmlns="" w="9525">
+                <a14:hiddenLine xmlns="" xmlns:a14="http://schemas.microsoft.com/office/drawing/2010/main" w="9525">
                   <a:solidFill>
                     <a:srgbClr val="000000"/>
                   </a:solidFill>
@@ -2671,7 +2671,7 @@
             </a:ln>
             <a:extLst>
               <a:ext uri="{91240B29-F687-4f45-9708-019B960494DF}">
-                <a14:hiddenLine xmlns:a14="http://schemas.microsoft.com/office/drawing/2010/main" xmlns="" w="9525">
+                <a14:hiddenLine xmlns="" xmlns:a14="http://schemas.microsoft.com/office/drawing/2010/main" w="9525">
                   <a:solidFill>
                     <a:srgbClr val="000000"/>
                   </a:solidFill>
@@ -2739,7 +2739,7 @@
             </a:ln>
             <a:extLst>
               <a:ext uri="{91240B29-F687-4f45-9708-019B960494DF}">
-                <a14:hiddenLine xmlns:a14="http://schemas.microsoft.com/office/drawing/2010/main" xmlns="" w="9525">
+                <a14:hiddenLine xmlns="" xmlns:a14="http://schemas.microsoft.com/office/drawing/2010/main" w="9525">
                   <a:solidFill>
                     <a:srgbClr val="000000"/>
                   </a:solidFill>
@@ -2801,7 +2801,7 @@
             </a:ln>
             <a:extLst>
               <a:ext uri="{91240B29-F687-4f45-9708-019B960494DF}">
-                <a14:hiddenLine xmlns:a14="http://schemas.microsoft.com/office/drawing/2010/main" xmlns="" w="9525">
+                <a14:hiddenLine xmlns="" xmlns:a14="http://schemas.microsoft.com/office/drawing/2010/main" w="9525">
                   <a:solidFill>
                     <a:srgbClr val="000000"/>
                   </a:solidFill>
@@ -2891,7 +2891,7 @@
             </a:ln>
             <a:extLst>
               <a:ext uri="{91240B29-F687-4f45-9708-019B960494DF}">
-                <a14:hiddenLine xmlns:a14="http://schemas.microsoft.com/office/drawing/2010/main" xmlns="" w="9525">
+                <a14:hiddenLine xmlns="" xmlns:a14="http://schemas.microsoft.com/office/drawing/2010/main" w="9525">
                   <a:solidFill>
                     <a:srgbClr val="000000"/>
                   </a:solidFill>
@@ -2953,7 +2953,7 @@
             </a:ln>
             <a:extLst>
               <a:ext uri="{91240B29-F687-4f45-9708-019B960494DF}">
-                <a14:hiddenLine xmlns:a14="http://schemas.microsoft.com/office/drawing/2010/main" xmlns="" w="9525">
+                <a14:hiddenLine xmlns="" xmlns:a14="http://schemas.microsoft.com/office/drawing/2010/main" w="9525">
                   <a:solidFill>
                     <a:srgbClr val="000000"/>
                   </a:solidFill>
@@ -3043,7 +3043,7 @@
             </a:ln>
             <a:extLst>
               <a:ext uri="{91240B29-F687-4f45-9708-019B960494DF}">
-                <a14:hiddenLine xmlns:a14="http://schemas.microsoft.com/office/drawing/2010/main" xmlns="" w="9525">
+                <a14:hiddenLine xmlns="" xmlns:a14="http://schemas.microsoft.com/office/drawing/2010/main" w="9525">
                   <a:solidFill>
                     <a:srgbClr val="000000"/>
                   </a:solidFill>
@@ -3105,7 +3105,7 @@
             </a:ln>
             <a:extLst>
               <a:ext uri="{91240B29-F687-4f45-9708-019B960494DF}">
-                <a14:hiddenLine xmlns:a14="http://schemas.microsoft.com/office/drawing/2010/main" xmlns="" w="9525">
+                <a14:hiddenLine xmlns="" xmlns:a14="http://schemas.microsoft.com/office/drawing/2010/main" w="9525">
                   <a:solidFill>
                     <a:srgbClr val="000000"/>
                   </a:solidFill>
@@ -3195,7 +3195,7 @@
             </a:ln>
             <a:extLst>
               <a:ext uri="{91240B29-F687-4f45-9708-019B960494DF}">
-                <a14:hiddenLine xmlns:a14="http://schemas.microsoft.com/office/drawing/2010/main" xmlns="" w="9525">
+                <a14:hiddenLine xmlns="" xmlns:a14="http://schemas.microsoft.com/office/drawing/2010/main" w="9525">
                   <a:solidFill>
                     <a:srgbClr val="000000"/>
                   </a:solidFill>
@@ -3229,7 +3229,7 @@
             </a:ln>
             <a:extLst>
               <a:ext uri="{91240B29-F687-4f45-9708-019B960494DF}">
-                <a14:hiddenLine xmlns:a14="http://schemas.microsoft.com/office/drawing/2010/main" xmlns="" w="9525">
+                <a14:hiddenLine xmlns="" xmlns:a14="http://schemas.microsoft.com/office/drawing/2010/main" w="9525">
                   <a:solidFill>
                     <a:srgbClr val="000000"/>
                   </a:solidFill>
@@ -3294,7 +3294,7 @@
             </a:ln>
             <a:extLst>
               <a:ext uri="{91240B29-F687-4f45-9708-019B960494DF}">
-                <a14:hiddenLine xmlns:a14="http://schemas.microsoft.com/office/drawing/2010/main" xmlns="" w="9525">
+                <a14:hiddenLine xmlns="" xmlns:a14="http://schemas.microsoft.com/office/drawing/2010/main" w="9525">
                   <a:solidFill>
                     <a:srgbClr val="000000"/>
                   </a:solidFill>
@@ -3384,7 +3384,7 @@
             </a:ln>
             <a:extLst>
               <a:ext uri="{91240B29-F687-4f45-9708-019B960494DF}">
-                <a14:hiddenLine xmlns:a14="http://schemas.microsoft.com/office/drawing/2010/main" xmlns="" w="9525">
+                <a14:hiddenLine xmlns="" xmlns:a14="http://schemas.microsoft.com/office/drawing/2010/main" w="9525">
                   <a:solidFill>
                     <a:srgbClr val="000000"/>
                   </a:solidFill>
@@ -3446,7 +3446,7 @@
             </a:ln>
             <a:extLst>
               <a:ext uri="{91240B29-F687-4f45-9708-019B960494DF}">
-                <a14:hiddenLine xmlns:a14="http://schemas.microsoft.com/office/drawing/2010/main" xmlns="" w="9525">
+                <a14:hiddenLine xmlns="" xmlns:a14="http://schemas.microsoft.com/office/drawing/2010/main" w="9525">
                   <a:solidFill>
                     <a:srgbClr val="000000"/>
                   </a:solidFill>
@@ -3536,7 +3536,7 @@
             </a:ln>
             <a:extLst>
               <a:ext uri="{91240B29-F687-4f45-9708-019B960494DF}">
-                <a14:hiddenLine xmlns:a14="http://schemas.microsoft.com/office/drawing/2010/main" xmlns="" w="9525">
+                <a14:hiddenLine xmlns="" xmlns:a14="http://schemas.microsoft.com/office/drawing/2010/main" w="9525">
                   <a:solidFill>
                     <a:srgbClr val="000000"/>
                   </a:solidFill>
@@ -3626,7 +3626,7 @@
             </a:ln>
             <a:extLst>
               <a:ext uri="{91240B29-F687-4f45-9708-019B960494DF}">
-                <a14:hiddenLine xmlns:a14="http://schemas.microsoft.com/office/drawing/2010/main" xmlns="" w="9525">
+                <a14:hiddenLine xmlns="" xmlns:a14="http://schemas.microsoft.com/office/drawing/2010/main" w="9525">
                   <a:solidFill>
                     <a:srgbClr val="000000"/>
                   </a:solidFill>
@@ -3691,7 +3691,7 @@
             </a:ln>
             <a:extLst>
               <a:ext uri="{91240B29-F687-4f45-9708-019B960494DF}">
-                <a14:hiddenLine xmlns:a14="http://schemas.microsoft.com/office/drawing/2010/main" xmlns="" w="9525">
+                <a14:hiddenLine xmlns="" xmlns:a14="http://schemas.microsoft.com/office/drawing/2010/main" w="9525">
                   <a:solidFill>
                     <a:srgbClr val="000000"/>
                   </a:solidFill>
@@ -3753,7 +3753,7 @@
             </a:ln>
             <a:extLst>
               <a:ext uri="{91240B29-F687-4f45-9708-019B960494DF}">
-                <a14:hiddenLine xmlns:a14="http://schemas.microsoft.com/office/drawing/2010/main" xmlns="" w="9525">
+                <a14:hiddenLine xmlns="" xmlns:a14="http://schemas.microsoft.com/office/drawing/2010/main" w="9525">
                   <a:solidFill>
                     <a:srgbClr val="000000"/>
                   </a:solidFill>
@@ -3843,7 +3843,7 @@
             </a:ln>
             <a:extLst>
               <a:ext uri="{91240B29-F687-4f45-9708-019B960494DF}">
-                <a14:hiddenLine xmlns:a14="http://schemas.microsoft.com/office/drawing/2010/main" xmlns="" w="9525">
+                <a14:hiddenLine xmlns="" xmlns:a14="http://schemas.microsoft.com/office/drawing/2010/main" w="9525">
                   <a:solidFill>
                     <a:srgbClr val="000000"/>
                   </a:solidFill>
@@ -3933,7 +3933,7 @@
             </a:ln>
             <a:extLst>
               <a:ext uri="{91240B29-F687-4f45-9708-019B960494DF}">
-                <a14:hiddenLine xmlns:a14="http://schemas.microsoft.com/office/drawing/2010/main" xmlns="" w="9525">
+                <a14:hiddenLine xmlns="" xmlns:a14="http://schemas.microsoft.com/office/drawing/2010/main" w="9525">
                   <a:solidFill>
                     <a:srgbClr val="000000"/>
                   </a:solidFill>
@@ -3995,7 +3995,7 @@
             </a:ln>
             <a:extLst>
               <a:ext uri="{91240B29-F687-4f45-9708-019B960494DF}">
-                <a14:hiddenLine xmlns:a14="http://schemas.microsoft.com/office/drawing/2010/main" xmlns="" w="9525">
+                <a14:hiddenLine xmlns="" xmlns:a14="http://schemas.microsoft.com/office/drawing/2010/main" w="9525">
                   <a:solidFill>
                     <a:srgbClr val="000000"/>
                   </a:solidFill>
@@ -4115,7 +4115,7 @@
             </a:ln>
             <a:extLst>
               <a:ext uri="{91240B29-F687-4f45-9708-019B960494DF}">
-                <a14:hiddenLine xmlns:a14="http://schemas.microsoft.com/office/drawing/2010/main" xmlns="" w="9525">
+                <a14:hiddenLine xmlns="" xmlns:a14="http://schemas.microsoft.com/office/drawing/2010/main" w="9525">
                   <a:solidFill>
                     <a:srgbClr val="000000"/>
                   </a:solidFill>
@@ -4183,7 +4183,7 @@
             </a:ln>
             <a:extLst>
               <a:ext uri="{91240B29-F687-4f45-9708-019B960494DF}">
-                <a14:hiddenLine xmlns:a14="http://schemas.microsoft.com/office/drawing/2010/main" xmlns="" w="9525">
+                <a14:hiddenLine xmlns="" xmlns:a14="http://schemas.microsoft.com/office/drawing/2010/main" w="9525">
                   <a:solidFill>
                     <a:srgbClr val="000000"/>
                   </a:solidFill>
@@ -4273,7 +4273,7 @@
             </a:ln>
             <a:extLst>
               <a:ext uri="{91240B29-F687-4f45-9708-019B960494DF}">
-                <a14:hiddenLine xmlns:a14="http://schemas.microsoft.com/office/drawing/2010/main" xmlns="" w="9525">
+                <a14:hiddenLine xmlns="" xmlns:a14="http://schemas.microsoft.com/office/drawing/2010/main" w="9525">
                   <a:solidFill>
                     <a:srgbClr val="000000"/>
                   </a:solidFill>
@@ -4413,7 +4413,7 @@
           <a:p>
             <a:fld id="{48A87A34-81AB-432B-8DAE-1953F412C126}" type="datetimeFigureOut">
               <a:rPr lang="en-US" dirty="0"/>
-              <a:t>6/18/2025</a:t>
+              <a:t>6/29/2025</a:t>
             </a:fld>
             <a:endParaRPr lang="en-US" dirty="0"/>
           </a:p>
@@ -4675,7 +4675,7 @@
           <a:p>
             <a:fld id="{48A87A34-81AB-432B-8DAE-1953F412C126}" type="datetimeFigureOut">
               <a:rPr lang="en-US" dirty="0"/>
-              <a:t>6/18/2025</a:t>
+              <a:t>6/29/2025</a:t>
             </a:fld>
             <a:endParaRPr lang="en-US" dirty="0"/>
           </a:p>
@@ -4866,7 +4866,7 @@
           <a:p>
             <a:fld id="{48A87A34-81AB-432B-8DAE-1953F412C126}" type="datetimeFigureOut">
               <a:rPr lang="en-US" dirty="0"/>
-              <a:t>6/18/2025</a:t>
+              <a:t>6/29/2025</a:t>
             </a:fld>
             <a:endParaRPr lang="en-US" dirty="0"/>
           </a:p>
@@ -5124,7 +5124,7 @@
           <a:p>
             <a:fld id="{48A87A34-81AB-432B-8DAE-1953F412C126}" type="datetimeFigureOut">
               <a:rPr lang="en-US" dirty="0"/>
-              <a:t>6/18/2025</a:t>
+              <a:t>6/29/2025</a:t>
             </a:fld>
             <a:endParaRPr lang="en-US" dirty="0"/>
           </a:p>
@@ -5553,7 +5553,7 @@
           <a:p>
             <a:fld id="{48A87A34-81AB-432B-8DAE-1953F412C126}" type="datetimeFigureOut">
               <a:rPr lang="en-US" dirty="0"/>
-              <a:t>6/18/2025</a:t>
+              <a:t>6/29/2025</a:t>
             </a:fld>
             <a:endParaRPr lang="en-US" dirty="0"/>
           </a:p>
@@ -6094,7 +6094,7 @@
           <a:p>
             <a:fld id="{48A87A34-81AB-432B-8DAE-1953F412C126}" type="datetimeFigureOut">
               <a:rPr lang="en-US" dirty="0"/>
-              <a:t>6/18/2025</a:t>
+              <a:t>6/29/2025</a:t>
             </a:fld>
             <a:endParaRPr lang="en-US" dirty="0"/>
           </a:p>
@@ -6809,7 +6809,7 @@
           <a:p>
             <a:fld id="{48A87A34-81AB-432B-8DAE-1953F412C126}" type="datetimeFigureOut">
               <a:rPr lang="en-US" dirty="0"/>
-              <a:t>6/18/2025</a:t>
+              <a:t>6/29/2025</a:t>
             </a:fld>
             <a:endParaRPr lang="en-US" dirty="0"/>
           </a:p>
@@ -6974,7 +6974,7 @@
           <a:p>
             <a:fld id="{48A87A34-81AB-432B-8DAE-1953F412C126}" type="datetimeFigureOut">
               <a:rPr lang="en-US" dirty="0"/>
-              <a:t>6/18/2025</a:t>
+              <a:t>6/29/2025</a:t>
             </a:fld>
             <a:endParaRPr lang="en-US" dirty="0"/>
           </a:p>
@@ -7149,7 +7149,7 @@
           <a:p>
             <a:fld id="{48A87A34-81AB-432B-8DAE-1953F412C126}" type="datetimeFigureOut">
               <a:rPr lang="en-US" dirty="0"/>
-              <a:t>6/18/2025</a:t>
+              <a:t>6/29/2025</a:t>
             </a:fld>
             <a:endParaRPr lang="en-US" dirty="0"/>
           </a:p>
@@ -7314,7 +7314,7 @@
           <a:p>
             <a:fld id="{48A87A34-81AB-432B-8DAE-1953F412C126}" type="datetimeFigureOut">
               <a:rPr lang="en-US" dirty="0"/>
-              <a:t>6/18/2025</a:t>
+              <a:t>6/29/2025</a:t>
             </a:fld>
             <a:endParaRPr lang="en-US" dirty="0"/>
           </a:p>
@@ -7559,7 +7559,7 @@
           <a:p>
             <a:fld id="{48A87A34-81AB-432B-8DAE-1953F412C126}" type="datetimeFigureOut">
               <a:rPr lang="en-US" dirty="0"/>
-              <a:t>6/18/2025</a:t>
+              <a:t>6/29/2025</a:t>
             </a:fld>
             <a:endParaRPr lang="en-US" dirty="0"/>
           </a:p>
@@ -7786,7 +7786,7 @@
           <a:p>
             <a:fld id="{48A87A34-81AB-432B-8DAE-1953F412C126}" type="datetimeFigureOut">
               <a:rPr lang="en-US" dirty="0"/>
-              <a:t>6/18/2025</a:t>
+              <a:t>6/29/2025</a:t>
             </a:fld>
             <a:endParaRPr lang="en-US" dirty="0"/>
           </a:p>
@@ -8162,7 +8162,7 @@
           <a:p>
             <a:fld id="{48A87A34-81AB-432B-8DAE-1953F412C126}" type="datetimeFigureOut">
               <a:rPr lang="en-US" dirty="0"/>
-              <a:t>6/18/2025</a:t>
+              <a:t>6/29/2025</a:t>
             </a:fld>
             <a:endParaRPr lang="en-US" dirty="0"/>
           </a:p>
@@ -8275,7 +8275,7 @@
           <a:p>
             <a:fld id="{48A87A34-81AB-432B-8DAE-1953F412C126}" type="datetimeFigureOut">
               <a:rPr lang="en-US" dirty="0"/>
-              <a:t>6/18/2025</a:t>
+              <a:t>6/29/2025</a:t>
             </a:fld>
             <a:endParaRPr lang="en-US" dirty="0"/>
           </a:p>
@@ -8365,7 +8365,7 @@
           <a:p>
             <a:fld id="{48A87A34-81AB-432B-8DAE-1953F412C126}" type="datetimeFigureOut">
               <a:rPr lang="en-US" dirty="0"/>
-              <a:t>6/18/2025</a:t>
+              <a:t>6/29/2025</a:t>
             </a:fld>
             <a:endParaRPr lang="en-US" dirty="0"/>
           </a:p>
@@ -8609,7 +8609,7 @@
           <a:p>
             <a:fld id="{48A87A34-81AB-432B-8DAE-1953F412C126}" type="datetimeFigureOut">
               <a:rPr lang="en-US" dirty="0"/>
-              <a:t>6/18/2025</a:t>
+              <a:t>6/29/2025</a:t>
             </a:fld>
             <a:endParaRPr lang="en-US" dirty="0"/>
           </a:p>
@@ -8884,7 +8884,7 @@
           <a:p>
             <a:fld id="{48A87A34-81AB-432B-8DAE-1953F412C126}" type="datetimeFigureOut">
               <a:rPr lang="en-US" dirty="0"/>
-              <a:t>6/18/2025</a:t>
+              <a:t>6/29/2025</a:t>
             </a:fld>
             <a:endParaRPr lang="en-US" dirty="0"/>
           </a:p>
@@ -8995,7 +8995,7 @@
           <a:noFill/>
           <a:extLst>
             <a:ext uri="{909E8E84-426E-40dd-AFC4-6F175D3DCCD1}">
-              <a14:hiddenFill xmlns:a14="http://schemas.microsoft.com/office/drawing/2010/main" xmlns="">
+              <a14:hiddenFill xmlns="" xmlns:a14="http://schemas.microsoft.com/office/drawing/2010/main">
                 <a:solidFill>
                   <a:srgbClr val="FFFFFF"/>
                 </a:solidFill>
@@ -9069,7 +9069,7 @@
               </a:ln>
               <a:extLst>
                 <a:ext uri="{91240B29-F687-4f45-9708-019B960494DF}">
-                  <a14:hiddenLine xmlns:a14="http://schemas.microsoft.com/office/drawing/2010/main" xmlns="" w="9525">
+                  <a14:hiddenLine xmlns="" xmlns:a14="http://schemas.microsoft.com/office/drawing/2010/main" w="9525">
                     <a:solidFill>
                       <a:srgbClr val="000000"/>
                     </a:solidFill>
@@ -9159,7 +9159,7 @@
               </a:ln>
               <a:extLst>
                 <a:ext uri="{91240B29-F687-4f45-9708-019B960494DF}">
-                  <a14:hiddenLine xmlns:a14="http://schemas.microsoft.com/office/drawing/2010/main" xmlns="" w="9525">
+                  <a14:hiddenLine xmlns="" xmlns:a14="http://schemas.microsoft.com/office/drawing/2010/main" w="9525">
                     <a:solidFill>
                       <a:srgbClr val="000000"/>
                     </a:solidFill>
@@ -9249,7 +9249,7 @@
               </a:ln>
               <a:extLst>
                 <a:ext uri="{91240B29-F687-4f45-9708-019B960494DF}">
-                  <a14:hiddenLine xmlns:a14="http://schemas.microsoft.com/office/drawing/2010/main" xmlns="" w="9525">
+                  <a14:hiddenLine xmlns="" xmlns:a14="http://schemas.microsoft.com/office/drawing/2010/main" w="9525">
                     <a:solidFill>
                       <a:srgbClr val="000000"/>
                     </a:solidFill>
@@ -9311,7 +9311,7 @@
               </a:ln>
               <a:extLst>
                 <a:ext uri="{91240B29-F687-4f45-9708-019B960494DF}">
-                  <a14:hiddenLine xmlns:a14="http://schemas.microsoft.com/office/drawing/2010/main" xmlns="" w="9525">
+                  <a14:hiddenLine xmlns="" xmlns:a14="http://schemas.microsoft.com/office/drawing/2010/main" w="9525">
                     <a:solidFill>
                       <a:srgbClr val="000000"/>
                     </a:solidFill>
@@ -9401,7 +9401,7 @@
               </a:ln>
               <a:extLst>
                 <a:ext uri="{91240B29-F687-4f45-9708-019B960494DF}">
-                  <a14:hiddenLine xmlns:a14="http://schemas.microsoft.com/office/drawing/2010/main" xmlns="" w="9525">
+                  <a14:hiddenLine xmlns="" xmlns:a14="http://schemas.microsoft.com/office/drawing/2010/main" w="9525">
                     <a:solidFill>
                       <a:srgbClr val="000000"/>
                     </a:solidFill>
@@ -9463,7 +9463,7 @@
               </a:ln>
               <a:extLst>
                 <a:ext uri="{91240B29-F687-4f45-9708-019B960494DF}">
-                  <a14:hiddenLine xmlns:a14="http://schemas.microsoft.com/office/drawing/2010/main" xmlns="" w="9525">
+                  <a14:hiddenLine xmlns="" xmlns:a14="http://schemas.microsoft.com/office/drawing/2010/main" w="9525">
                     <a:solidFill>
                       <a:srgbClr val="000000"/>
                     </a:solidFill>
@@ -9525,7 +9525,7 @@
               </a:ln>
               <a:extLst>
                 <a:ext uri="{91240B29-F687-4f45-9708-019B960494DF}">
-                  <a14:hiddenLine xmlns:a14="http://schemas.microsoft.com/office/drawing/2010/main" xmlns="" w="9525">
+                  <a14:hiddenLine xmlns="" xmlns:a14="http://schemas.microsoft.com/office/drawing/2010/main" w="9525">
                     <a:solidFill>
                       <a:srgbClr val="000000"/>
                     </a:solidFill>
@@ -9615,7 +9615,7 @@
               </a:ln>
               <a:extLst>
                 <a:ext uri="{91240B29-F687-4f45-9708-019B960494DF}">
-                  <a14:hiddenLine xmlns:a14="http://schemas.microsoft.com/office/drawing/2010/main" xmlns="" w="9525">
+                  <a14:hiddenLine xmlns="" xmlns:a14="http://schemas.microsoft.com/office/drawing/2010/main" w="9525">
                     <a:solidFill>
                       <a:srgbClr val="000000"/>
                     </a:solidFill>
@@ -9705,7 +9705,7 @@
               </a:ln>
               <a:extLst>
                 <a:ext uri="{91240B29-F687-4f45-9708-019B960494DF}">
-                  <a14:hiddenLine xmlns:a14="http://schemas.microsoft.com/office/drawing/2010/main" xmlns="" w="9525">
+                  <a14:hiddenLine xmlns="" xmlns:a14="http://schemas.microsoft.com/office/drawing/2010/main" w="9525">
                     <a:solidFill>
                       <a:srgbClr val="000000"/>
                     </a:solidFill>
@@ -9767,7 +9767,7 @@
               </a:ln>
               <a:extLst>
                 <a:ext uri="{91240B29-F687-4f45-9708-019B960494DF}">
-                  <a14:hiddenLine xmlns:a14="http://schemas.microsoft.com/office/drawing/2010/main" xmlns="" w="9525">
+                  <a14:hiddenLine xmlns="" xmlns:a14="http://schemas.microsoft.com/office/drawing/2010/main" w="9525">
                     <a:solidFill>
                       <a:srgbClr val="000000"/>
                     </a:solidFill>
@@ -9877,7 +9877,7 @@
               </a:ln>
               <a:extLst>
                 <a:ext uri="{91240B29-F687-4f45-9708-019B960494DF}">
-                  <a14:hiddenLine xmlns:a14="http://schemas.microsoft.com/office/drawing/2010/main" xmlns="" w="9525">
+                  <a14:hiddenLine xmlns="" xmlns:a14="http://schemas.microsoft.com/office/drawing/2010/main" w="9525">
                     <a:solidFill>
                       <a:srgbClr val="000000"/>
                     </a:solidFill>
@@ -9961,7 +9961,7 @@
               </a:ln>
               <a:extLst>
                 <a:ext uri="{91240B29-F687-4f45-9708-019B960494DF}">
-                  <a14:hiddenLine xmlns:a14="http://schemas.microsoft.com/office/drawing/2010/main" xmlns="" w="9525">
+                  <a14:hiddenLine xmlns="" xmlns:a14="http://schemas.microsoft.com/office/drawing/2010/main" w="9525">
                     <a:solidFill>
                       <a:srgbClr val="000000"/>
                     </a:solidFill>
@@ -10023,7 +10023,7 @@
               </a:ln>
               <a:extLst>
                 <a:ext uri="{91240B29-F687-4f45-9708-019B960494DF}">
-                  <a14:hiddenLine xmlns:a14="http://schemas.microsoft.com/office/drawing/2010/main" xmlns="" w="9525">
+                  <a14:hiddenLine xmlns="" xmlns:a14="http://schemas.microsoft.com/office/drawing/2010/main" w="9525">
                     <a:solidFill>
                       <a:srgbClr val="000000"/>
                     </a:solidFill>
@@ -10085,7 +10085,7 @@
               </a:ln>
               <a:extLst>
                 <a:ext uri="{91240B29-F687-4f45-9708-019B960494DF}">
-                  <a14:hiddenLine xmlns:a14="http://schemas.microsoft.com/office/drawing/2010/main" xmlns="" w="9525">
+                  <a14:hiddenLine xmlns="" xmlns:a14="http://schemas.microsoft.com/office/drawing/2010/main" w="9525">
                     <a:solidFill>
                       <a:srgbClr val="000000"/>
                     </a:solidFill>
@@ -10175,7 +10175,7 @@
               </a:ln>
               <a:extLst>
                 <a:ext uri="{91240B29-F687-4f45-9708-019B960494DF}">
-                  <a14:hiddenLine xmlns:a14="http://schemas.microsoft.com/office/drawing/2010/main" xmlns="" w="9525">
+                  <a14:hiddenLine xmlns="" xmlns:a14="http://schemas.microsoft.com/office/drawing/2010/main" w="9525">
                     <a:solidFill>
                       <a:srgbClr val="000000"/>
                     </a:solidFill>
@@ -10209,7 +10209,7 @@
               </a:ln>
               <a:extLst>
                 <a:ext uri="{91240B29-F687-4f45-9708-019B960494DF}">
-                  <a14:hiddenLine xmlns:a14="http://schemas.microsoft.com/office/drawing/2010/main" xmlns="" w="9525">
+                  <a14:hiddenLine xmlns="" xmlns:a14="http://schemas.microsoft.com/office/drawing/2010/main" w="9525">
                     <a:solidFill>
                       <a:srgbClr val="000000"/>
                     </a:solidFill>
@@ -10274,7 +10274,7 @@
               </a:ln>
               <a:extLst>
                 <a:ext uri="{91240B29-F687-4f45-9708-019B960494DF}">
-                  <a14:hiddenLine xmlns:a14="http://schemas.microsoft.com/office/drawing/2010/main" xmlns="" w="9525">
+                  <a14:hiddenLine xmlns="" xmlns:a14="http://schemas.microsoft.com/office/drawing/2010/main" w="9525">
                     <a:solidFill>
                       <a:srgbClr val="000000"/>
                     </a:solidFill>
@@ -10364,7 +10364,7 @@
               </a:ln>
               <a:extLst>
                 <a:ext uri="{91240B29-F687-4f45-9708-019B960494DF}">
-                  <a14:hiddenLine xmlns:a14="http://schemas.microsoft.com/office/drawing/2010/main" xmlns="" w="9525">
+                  <a14:hiddenLine xmlns="" xmlns:a14="http://schemas.microsoft.com/office/drawing/2010/main" w="9525">
                     <a:solidFill>
                       <a:srgbClr val="000000"/>
                     </a:solidFill>
@@ -10426,7 +10426,7 @@
               </a:ln>
               <a:extLst>
                 <a:ext uri="{91240B29-F687-4f45-9708-019B960494DF}">
-                  <a14:hiddenLine xmlns:a14="http://schemas.microsoft.com/office/drawing/2010/main" xmlns="" w="9525">
+                  <a14:hiddenLine xmlns="" xmlns:a14="http://schemas.microsoft.com/office/drawing/2010/main" w="9525">
                     <a:solidFill>
                       <a:srgbClr val="000000"/>
                     </a:solidFill>
@@ -10516,7 +10516,7 @@
               </a:ln>
               <a:extLst>
                 <a:ext uri="{91240B29-F687-4f45-9708-019B960494DF}">
-                  <a14:hiddenLine xmlns:a14="http://schemas.microsoft.com/office/drawing/2010/main" xmlns="" w="9525">
+                  <a14:hiddenLine xmlns="" xmlns:a14="http://schemas.microsoft.com/office/drawing/2010/main" w="9525">
                     <a:solidFill>
                       <a:srgbClr val="000000"/>
                     </a:solidFill>
@@ -10581,7 +10581,7 @@
               </a:ln>
               <a:extLst>
                 <a:ext uri="{91240B29-F687-4f45-9708-019B960494DF}">
-                  <a14:hiddenLine xmlns:a14="http://schemas.microsoft.com/office/drawing/2010/main" xmlns="" w="9525">
+                  <a14:hiddenLine xmlns="" xmlns:a14="http://schemas.microsoft.com/office/drawing/2010/main" w="9525">
                     <a:solidFill>
                       <a:srgbClr val="000000"/>
                     </a:solidFill>
@@ -10643,7 +10643,7 @@
               </a:ln>
               <a:extLst>
                 <a:ext uri="{91240B29-F687-4f45-9708-019B960494DF}">
-                  <a14:hiddenLine xmlns:a14="http://schemas.microsoft.com/office/drawing/2010/main" xmlns="" w="9525">
+                  <a14:hiddenLine xmlns="" xmlns:a14="http://schemas.microsoft.com/office/drawing/2010/main" w="9525">
                     <a:solidFill>
                       <a:srgbClr val="000000"/>
                     </a:solidFill>
@@ -10733,7 +10733,7 @@
               </a:ln>
               <a:extLst>
                 <a:ext uri="{91240B29-F687-4f45-9708-019B960494DF}">
-                  <a14:hiddenLine xmlns:a14="http://schemas.microsoft.com/office/drawing/2010/main" xmlns="" w="9525">
+                  <a14:hiddenLine xmlns="" xmlns:a14="http://schemas.microsoft.com/office/drawing/2010/main" w="9525">
                     <a:solidFill>
                       <a:srgbClr val="000000"/>
                     </a:solidFill>
@@ -10823,7 +10823,7 @@
               </a:ln>
               <a:extLst>
                 <a:ext uri="{91240B29-F687-4f45-9708-019B960494DF}">
-                  <a14:hiddenLine xmlns:a14="http://schemas.microsoft.com/office/drawing/2010/main" xmlns="" w="9525">
+                  <a14:hiddenLine xmlns="" xmlns:a14="http://schemas.microsoft.com/office/drawing/2010/main" w="9525">
                     <a:solidFill>
                       <a:srgbClr val="000000"/>
                     </a:solidFill>
@@ -10888,7 +10888,7 @@
               </a:ln>
               <a:extLst>
                 <a:ext uri="{91240B29-F687-4f45-9708-019B960494DF}">
-                  <a14:hiddenLine xmlns:a14="http://schemas.microsoft.com/office/drawing/2010/main" xmlns="" w="9525">
+                  <a14:hiddenLine xmlns="" xmlns:a14="http://schemas.microsoft.com/office/drawing/2010/main" w="9525">
                     <a:solidFill>
                       <a:srgbClr val="000000"/>
                     </a:solidFill>
@@ -11008,7 +11008,7 @@
               </a:ln>
               <a:extLst>
                 <a:ext uri="{91240B29-F687-4f45-9708-019B960494DF}">
-                  <a14:hiddenLine xmlns:a14="http://schemas.microsoft.com/office/drawing/2010/main" xmlns="" w="9525">
+                  <a14:hiddenLine xmlns="" xmlns:a14="http://schemas.microsoft.com/office/drawing/2010/main" w="9525">
                     <a:solidFill>
                       <a:srgbClr val="000000"/>
                     </a:solidFill>
@@ -11106,7 +11106,7 @@
               </a:ln>
               <a:extLst>
                 <a:ext uri="{91240B29-F687-4f45-9708-019B960494DF}">
-                  <a14:hiddenLine xmlns:a14="http://schemas.microsoft.com/office/drawing/2010/main" xmlns="" w="9525">
+                  <a14:hiddenLine xmlns="" xmlns:a14="http://schemas.microsoft.com/office/drawing/2010/main" w="9525">
                     <a:solidFill>
                       <a:srgbClr val="000000"/>
                     </a:solidFill>
@@ -11221,7 +11221,7 @@
               </a:ln>
               <a:extLst>
                 <a:ext uri="{91240B29-F687-4f45-9708-019B960494DF}">
-                  <a14:hiddenLine xmlns:a14="http://schemas.microsoft.com/office/drawing/2010/main" xmlns="" w="9525">
+                  <a14:hiddenLine xmlns="" xmlns:a14="http://schemas.microsoft.com/office/drawing/2010/main" w="9525">
                     <a:solidFill>
                       <a:srgbClr val="000000"/>
                     </a:solidFill>
@@ -11311,7 +11311,7 @@
               </a:ln>
               <a:extLst>
                 <a:ext uri="{91240B29-F687-4f45-9708-019B960494DF}">
-                  <a14:hiddenLine xmlns:a14="http://schemas.microsoft.com/office/drawing/2010/main" xmlns="" w="9525">
+                  <a14:hiddenLine xmlns="" xmlns:a14="http://schemas.microsoft.com/office/drawing/2010/main" w="9525">
                     <a:solidFill>
                       <a:srgbClr val="000000"/>
                     </a:solidFill>
@@ -11376,7 +11376,7 @@
               </a:ln>
               <a:extLst>
                 <a:ext uri="{91240B29-F687-4f45-9708-019B960494DF}">
-                  <a14:hiddenLine xmlns:a14="http://schemas.microsoft.com/office/drawing/2010/main" xmlns="" w="9525">
+                  <a14:hiddenLine xmlns="" xmlns:a14="http://schemas.microsoft.com/office/drawing/2010/main" w="9525">
                     <a:solidFill>
                       <a:srgbClr val="000000"/>
                     </a:solidFill>
@@ -11466,7 +11466,7 @@
               </a:ln>
               <a:extLst>
                 <a:ext uri="{91240B29-F687-4f45-9708-019B960494DF}">
-                  <a14:hiddenLine xmlns:a14="http://schemas.microsoft.com/office/drawing/2010/main" xmlns="" w="9525">
+                  <a14:hiddenLine xmlns="" xmlns:a14="http://schemas.microsoft.com/office/drawing/2010/main" w="9525">
                     <a:solidFill>
                       <a:srgbClr val="000000"/>
                     </a:solidFill>
@@ -11534,7 +11534,7 @@
               </a:ln>
               <a:extLst>
                 <a:ext uri="{91240B29-F687-4f45-9708-019B960494DF}">
-                  <a14:hiddenLine xmlns:a14="http://schemas.microsoft.com/office/drawing/2010/main" xmlns="" w="9525">
+                  <a14:hiddenLine xmlns="" xmlns:a14="http://schemas.microsoft.com/office/drawing/2010/main" w="9525">
                     <a:solidFill>
                       <a:srgbClr val="000000"/>
                     </a:solidFill>
@@ -11624,7 +11624,7 @@
               </a:ln>
               <a:extLst>
                 <a:ext uri="{91240B29-F687-4f45-9708-019B960494DF}">
-                  <a14:hiddenLine xmlns:a14="http://schemas.microsoft.com/office/drawing/2010/main" xmlns="" w="9525">
+                  <a14:hiddenLine xmlns="" xmlns:a14="http://schemas.microsoft.com/office/drawing/2010/main" w="9525">
                     <a:solidFill>
                       <a:srgbClr val="000000"/>
                     </a:solidFill>
@@ -11692,7 +11692,7 @@
               </a:ln>
               <a:extLst>
                 <a:ext uri="{91240B29-F687-4f45-9708-019B960494DF}">
-                  <a14:hiddenLine xmlns:a14="http://schemas.microsoft.com/office/drawing/2010/main" xmlns="" w="9525">
+                  <a14:hiddenLine xmlns="" xmlns:a14="http://schemas.microsoft.com/office/drawing/2010/main" w="9525">
                     <a:solidFill>
                       <a:srgbClr val="000000"/>
                     </a:solidFill>
@@ -11782,7 +11782,7 @@
               </a:ln>
               <a:extLst>
                 <a:ext uri="{91240B29-F687-4f45-9708-019B960494DF}">
-                  <a14:hiddenLine xmlns:a14="http://schemas.microsoft.com/office/drawing/2010/main" xmlns="" w="9525">
+                  <a14:hiddenLine xmlns="" xmlns:a14="http://schemas.microsoft.com/office/drawing/2010/main" w="9525">
                     <a:solidFill>
                       <a:srgbClr val="000000"/>
                     </a:solidFill>
@@ -11816,7 +11816,7 @@
               </a:ln>
               <a:extLst>
                 <a:ext uri="{91240B29-F687-4f45-9708-019B960494DF}">
-                  <a14:hiddenLine xmlns:a14="http://schemas.microsoft.com/office/drawing/2010/main" xmlns="" w="9525">
+                  <a14:hiddenLine xmlns="" xmlns:a14="http://schemas.microsoft.com/office/drawing/2010/main" w="9525">
                     <a:solidFill>
                       <a:srgbClr val="000000"/>
                     </a:solidFill>
@@ -11957,7 +11957,7 @@
             <a:fld id="{48A87A34-81AB-432B-8DAE-1953F412C126}" type="datetimeFigureOut">
               <a:rPr lang="en-US" dirty="0"/>
               <a:pPr/>
-              <a:t>6/18/2025</a:t>
+              <a:t>6/29/2025</a:t>
             </a:fld>
             <a:endParaRPr lang="en-US" dirty="0"/>
           </a:p>
@@ -12541,7 +12541,7 @@
             <a:noFill/>
             <a:extLst>
               <a:ext uri="{909E8E84-426E-40dd-AFC4-6F175D3DCCD1}">
-                <a14:hiddenFill xmlns:p14="http://schemas.microsoft.com/office/powerpoint/2010/main" xmlns:a14="http://schemas.microsoft.com/office/drawing/2010/main" xmlns:a16="http://schemas.microsoft.com/office/drawing/2014/main" xmlns="">
+                <a14:hiddenFill xmlns="" xmlns:a16="http://schemas.microsoft.com/office/drawing/2014/main" xmlns:a14="http://schemas.microsoft.com/office/drawing/2010/main" xmlns:p14="http://schemas.microsoft.com/office/powerpoint/2010/main">
                   <a:solidFill>
                     <a:srgbClr val="FFFFFF"/>
                   </a:solidFill>
@@ -19575,8 +19575,8 @@
           </a:p>
         </p:txBody>
       </p:sp>
-      <mc:AlternateContent xmlns:mc="http://schemas.openxmlformats.org/markup-compatibility/2006">
-        <mc:Choice xmlns:a14="http://schemas.microsoft.com/office/drawing/2010/main" Requires="a14">
+      <mc:AlternateContent xmlns:mc="http://schemas.openxmlformats.org/markup-compatibility/2006" xmlns:a14="http://schemas.microsoft.com/office/drawing/2010/main">
+        <mc:Choice Requires="a14">
           <p:sp>
             <p:nvSpPr>
               <p:cNvPr id="5" name="Subtitle 4">
@@ -20200,7 +20200,7 @@
             </p:txBody>
           </p:sp>
         </mc:Choice>
-        <mc:Fallback>
+        <mc:Fallback xmlns="">
           <p:sp>
             <p:nvSpPr>
               <p:cNvPr id="5" name="Subtitle 4">
@@ -33300,7 +33300,7 @@
       </p:sp>
       <p:pic>
         <p:nvPicPr>
-          <p:cNvPr id="4" name="Picture 3" descr="A graph of different colored lines&#10;&#10;AI-generated content may be incorrect.">
+          <p:cNvPr id="4" name="Picture 3">
             <a:extLst>
               <a:ext uri="{FF2B5EF4-FFF2-40B4-BE49-F238E27FC236}">
                 <a16:creationId xmlns:a16="http://schemas.microsoft.com/office/drawing/2014/main" id="{6CDCF9C0-CB38-59B1-3F78-62C662A42913}"/>
@@ -33314,14 +33314,13 @@
         </p:nvPicPr>
         <p:blipFill>
           <a:blip r:embed="rId4"/>
-          <a:stretch>
-            <a:fillRect/>
-          </a:stretch>
+          <a:srcRect/>
+          <a:stretch/>
         </p:blipFill>
         <p:spPr>
           <a:xfrm>
-            <a:off x="1095375" y="2546372"/>
-            <a:ext cx="10782212" cy="4180924"/>
+            <a:off x="954594" y="2546372"/>
+            <a:ext cx="10922992" cy="4180924"/>
           </a:xfrm>
           <a:prstGeom prst="rect">
             <a:avLst/>
@@ -33330,7 +33329,7 @@
       </p:pic>
       <p:pic>
         <p:nvPicPr>
-          <p:cNvPr id="6" name="Picture 5" descr="A screenshot of a graph&#10;&#10;AI-generated content may be incorrect.">
+          <p:cNvPr id="6" name="Picture 5">
             <a:extLst>
               <a:ext uri="{FF2B5EF4-FFF2-40B4-BE49-F238E27FC236}">
                 <a16:creationId xmlns:a16="http://schemas.microsoft.com/office/drawing/2014/main" id="{67517F59-A91D-6521-D623-CE5C99E812B6}"/>
@@ -33344,14 +33343,13 @@
         </p:nvPicPr>
         <p:blipFill>
           <a:blip r:embed="rId5"/>
-          <a:stretch>
-            <a:fillRect/>
-          </a:stretch>
+          <a:srcRect/>
+          <a:stretch/>
         </p:blipFill>
         <p:spPr>
           <a:xfrm>
             <a:off x="1400175" y="130703"/>
-            <a:ext cx="10333596" cy="2383897"/>
+            <a:ext cx="10477412" cy="2383897"/>
           </a:xfrm>
           <a:prstGeom prst="rect">
             <a:avLst/>
@@ -33425,7 +33423,7 @@
       </p:grpSpPr>
       <p:pic>
         <p:nvPicPr>
-          <p:cNvPr id="9" name="Picture 8" descr="A screenshot of a graph&#10;&#10;AI-generated content may be incorrect.">
+          <p:cNvPr id="9" name="Picture 8">
             <a:extLst>
               <a:ext uri="{FF2B5EF4-FFF2-40B4-BE49-F238E27FC236}">
                 <a16:creationId xmlns:a16="http://schemas.microsoft.com/office/drawing/2014/main" id="{C55D58BF-6C4B-F93D-486C-8CD5DA7CC99D}"/>
@@ -33439,14 +33437,13 @@
         </p:nvPicPr>
         <p:blipFill>
           <a:blip r:embed="rId4"/>
-          <a:stretch>
-            <a:fillRect/>
-          </a:stretch>
+          <a:srcRect/>
+          <a:stretch/>
         </p:blipFill>
         <p:spPr>
           <a:xfrm>
-            <a:off x="681454" y="2541993"/>
-            <a:ext cx="11148595" cy="3982632"/>
+            <a:off x="934497" y="2541993"/>
+            <a:ext cx="10895552" cy="4069822"/>
           </a:xfrm>
           <a:prstGeom prst="rect">
             <a:avLst/>
@@ -33455,7 +33452,7 @@
       </p:pic>
       <p:pic>
         <p:nvPicPr>
-          <p:cNvPr id="12" name="Picture 11" descr="A graph of different colored lines&#10;&#10;AI-generated content may be incorrect.">
+          <p:cNvPr id="12" name="Picture 11">
             <a:extLst>
               <a:ext uri="{FF2B5EF4-FFF2-40B4-BE49-F238E27FC236}">
                 <a16:creationId xmlns:a16="http://schemas.microsoft.com/office/drawing/2014/main" id="{E2F3A350-3D69-C4B6-6D8C-77F18EB9FE67}"/>
@@ -33469,14 +33466,13 @@
         </p:nvPicPr>
         <p:blipFill>
           <a:blip r:embed="rId5"/>
-          <a:stretch>
-            <a:fillRect/>
-          </a:stretch>
+          <a:srcRect/>
+          <a:stretch/>
         </p:blipFill>
         <p:spPr>
           <a:xfrm>
-            <a:off x="1592322" y="98932"/>
-            <a:ext cx="10237727" cy="2387094"/>
+            <a:off x="1400175" y="98932"/>
+            <a:ext cx="10429874" cy="2387094"/>
           </a:xfrm>
           <a:prstGeom prst="rect">
             <a:avLst/>

--- a/07-Report/Presentation.pptx
+++ b/07-Report/Presentation.pptx
@@ -187,7 +187,7 @@
           <a:noFill/>
           <a:extLst>
             <a:ext uri="{909E8E84-426E-40dd-AFC4-6F175D3DCCD1}">
-              <a14:hiddenFill xmlns="" xmlns:a14="http://schemas.microsoft.com/office/drawing/2010/main">
+              <a14:hiddenFill xmlns:a14="http://schemas.microsoft.com/office/drawing/2010/main" xmlns="">
                 <a:solidFill>
                   <a:srgbClr val="FFFFFF"/>
                 </a:solidFill>
@@ -247,7 +247,7 @@
             </a:ln>
             <a:extLst>
               <a:ext uri="{91240B29-F687-4f45-9708-019B960494DF}">
-                <a14:hiddenLine xmlns="" xmlns:a14="http://schemas.microsoft.com/office/drawing/2010/main" w="9525">
+                <a14:hiddenLine xmlns:a14="http://schemas.microsoft.com/office/drawing/2010/main" xmlns="" w="9525">
                   <a:solidFill>
                     <a:srgbClr val="000000"/>
                   </a:solidFill>
@@ -337,7 +337,7 @@
             </a:ln>
             <a:extLst>
               <a:ext uri="{91240B29-F687-4f45-9708-019B960494DF}">
-                <a14:hiddenLine xmlns="" xmlns:a14="http://schemas.microsoft.com/office/drawing/2010/main" w="9525">
+                <a14:hiddenLine xmlns:a14="http://schemas.microsoft.com/office/drawing/2010/main" xmlns="" w="9525">
                   <a:solidFill>
                     <a:srgbClr val="000000"/>
                   </a:solidFill>
@@ -427,7 +427,7 @@
             </a:ln>
             <a:extLst>
               <a:ext uri="{91240B29-F687-4f45-9708-019B960494DF}">
-                <a14:hiddenLine xmlns="" xmlns:a14="http://schemas.microsoft.com/office/drawing/2010/main" w="9525">
+                <a14:hiddenLine xmlns:a14="http://schemas.microsoft.com/office/drawing/2010/main" xmlns="" w="9525">
                   <a:solidFill>
                     <a:srgbClr val="000000"/>
                   </a:solidFill>
@@ -461,7 +461,7 @@
             </a:ln>
             <a:extLst>
               <a:ext uri="{91240B29-F687-4f45-9708-019B960494DF}">
-                <a14:hiddenLine xmlns="" xmlns:a14="http://schemas.microsoft.com/office/drawing/2010/main" w="9525">
+                <a14:hiddenLine xmlns:a14="http://schemas.microsoft.com/office/drawing/2010/main" xmlns="" w="9525">
                   <a:solidFill>
                     <a:srgbClr val="000000"/>
                   </a:solidFill>
@@ -551,7 +551,7 @@
             </a:ln>
             <a:extLst>
               <a:ext uri="{91240B29-F687-4f45-9708-019B960494DF}">
-                <a14:hiddenLine xmlns="" xmlns:a14="http://schemas.microsoft.com/office/drawing/2010/main" w="9525">
+                <a14:hiddenLine xmlns:a14="http://schemas.microsoft.com/office/drawing/2010/main" xmlns="" w="9525">
                   <a:solidFill>
                     <a:srgbClr val="000000"/>
                   </a:solidFill>
@@ -613,7 +613,7 @@
             </a:ln>
             <a:extLst>
               <a:ext uri="{91240B29-F687-4f45-9708-019B960494DF}">
-                <a14:hiddenLine xmlns="" xmlns:a14="http://schemas.microsoft.com/office/drawing/2010/main" w="9525">
+                <a14:hiddenLine xmlns:a14="http://schemas.microsoft.com/office/drawing/2010/main" xmlns="" w="9525">
                   <a:solidFill>
                     <a:srgbClr val="000000"/>
                   </a:solidFill>
@@ -675,7 +675,7 @@
             </a:ln>
             <a:extLst>
               <a:ext uri="{91240B29-F687-4f45-9708-019B960494DF}">
-                <a14:hiddenLine xmlns="" xmlns:a14="http://schemas.microsoft.com/office/drawing/2010/main" w="9525">
+                <a14:hiddenLine xmlns:a14="http://schemas.microsoft.com/office/drawing/2010/main" xmlns="" w="9525">
                   <a:solidFill>
                     <a:srgbClr val="000000"/>
                   </a:solidFill>
@@ -765,7 +765,7 @@
             </a:ln>
             <a:extLst>
               <a:ext uri="{91240B29-F687-4f45-9708-019B960494DF}">
-                <a14:hiddenLine xmlns="" xmlns:a14="http://schemas.microsoft.com/office/drawing/2010/main" w="9525">
+                <a14:hiddenLine xmlns:a14="http://schemas.microsoft.com/office/drawing/2010/main" xmlns="" w="9525">
                   <a:solidFill>
                     <a:srgbClr val="000000"/>
                   </a:solidFill>
@@ -827,7 +827,7 @@
             </a:ln>
             <a:extLst>
               <a:ext uri="{91240B29-F687-4f45-9708-019B960494DF}">
-                <a14:hiddenLine xmlns="" xmlns:a14="http://schemas.microsoft.com/office/drawing/2010/main" w="9525">
+                <a14:hiddenLine xmlns:a14="http://schemas.microsoft.com/office/drawing/2010/main" xmlns="" w="9525">
                   <a:solidFill>
                     <a:srgbClr val="000000"/>
                   </a:solidFill>
@@ -889,7 +889,7 @@
             </a:ln>
             <a:extLst>
               <a:ext uri="{91240B29-F687-4f45-9708-019B960494DF}">
-                <a14:hiddenLine xmlns="" xmlns:a14="http://schemas.microsoft.com/office/drawing/2010/main" w="9525">
+                <a14:hiddenLine xmlns:a14="http://schemas.microsoft.com/office/drawing/2010/main" xmlns="" w="9525">
                   <a:solidFill>
                     <a:srgbClr val="000000"/>
                   </a:solidFill>
@@ -979,7 +979,7 @@
             </a:ln>
             <a:extLst>
               <a:ext uri="{91240B29-F687-4f45-9708-019B960494DF}">
-                <a14:hiddenLine xmlns="" xmlns:a14="http://schemas.microsoft.com/office/drawing/2010/main" w="9525">
+                <a14:hiddenLine xmlns:a14="http://schemas.microsoft.com/office/drawing/2010/main" xmlns="" w="9525">
                   <a:solidFill>
                     <a:srgbClr val="000000"/>
                   </a:solidFill>
@@ -1069,7 +1069,7 @@
             </a:ln>
             <a:extLst>
               <a:ext uri="{91240B29-F687-4f45-9708-019B960494DF}">
-                <a14:hiddenLine xmlns="" xmlns:a14="http://schemas.microsoft.com/office/drawing/2010/main" w="9525">
+                <a14:hiddenLine xmlns:a14="http://schemas.microsoft.com/office/drawing/2010/main" xmlns="" w="9525">
                   <a:solidFill>
                     <a:srgbClr val="000000"/>
                   </a:solidFill>
@@ -1131,7 +1131,7 @@
             </a:ln>
             <a:extLst>
               <a:ext uri="{91240B29-F687-4f45-9708-019B960494DF}">
-                <a14:hiddenLine xmlns="" xmlns:a14="http://schemas.microsoft.com/office/drawing/2010/main" w="9525">
+                <a14:hiddenLine xmlns:a14="http://schemas.microsoft.com/office/drawing/2010/main" xmlns="" w="9525">
                   <a:solidFill>
                     <a:srgbClr val="000000"/>
                   </a:solidFill>
@@ -1241,7 +1241,7 @@
             </a:ln>
             <a:extLst>
               <a:ext uri="{91240B29-F687-4f45-9708-019B960494DF}">
-                <a14:hiddenLine xmlns="" xmlns:a14="http://schemas.microsoft.com/office/drawing/2010/main" w="9525">
+                <a14:hiddenLine xmlns:a14="http://schemas.microsoft.com/office/drawing/2010/main" xmlns="" w="9525">
                   <a:solidFill>
                     <a:srgbClr val="000000"/>
                   </a:solidFill>
@@ -1303,7 +1303,7 @@
             </a:ln>
             <a:extLst>
               <a:ext uri="{91240B29-F687-4f45-9708-019B960494DF}">
-                <a14:hiddenLine xmlns="" xmlns:a14="http://schemas.microsoft.com/office/drawing/2010/main" w="9525">
+                <a14:hiddenLine xmlns:a14="http://schemas.microsoft.com/office/drawing/2010/main" xmlns="" w="9525">
                   <a:solidFill>
                     <a:srgbClr val="000000"/>
                   </a:solidFill>
@@ -1393,7 +1393,7 @@
             </a:ln>
             <a:extLst>
               <a:ext uri="{91240B29-F687-4f45-9708-019B960494DF}">
-                <a14:hiddenLine xmlns="" xmlns:a14="http://schemas.microsoft.com/office/drawing/2010/main" w="9525">
+                <a14:hiddenLine xmlns:a14="http://schemas.microsoft.com/office/drawing/2010/main" xmlns="" w="9525">
                   <a:solidFill>
                     <a:srgbClr val="000000"/>
                   </a:solidFill>
@@ -1483,7 +1483,7 @@
             </a:ln>
             <a:extLst>
               <a:ext uri="{91240B29-F687-4f45-9708-019B960494DF}">
-                <a14:hiddenLine xmlns="" xmlns:a14="http://schemas.microsoft.com/office/drawing/2010/main" w="9525">
+                <a14:hiddenLine xmlns:a14="http://schemas.microsoft.com/office/drawing/2010/main" xmlns="" w="9525">
                   <a:solidFill>
                     <a:srgbClr val="000000"/>
                   </a:solidFill>
@@ -1545,7 +1545,7 @@
             </a:ln>
             <a:extLst>
               <a:ext uri="{91240B29-F687-4f45-9708-019B960494DF}">
-                <a14:hiddenLine xmlns="" xmlns:a14="http://schemas.microsoft.com/office/drawing/2010/main" w="9525">
+                <a14:hiddenLine xmlns:a14="http://schemas.microsoft.com/office/drawing/2010/main" xmlns="" w="9525">
                   <a:solidFill>
                     <a:srgbClr val="000000"/>
                   </a:solidFill>
@@ -1635,7 +1635,7 @@
             </a:ln>
             <a:extLst>
               <a:ext uri="{91240B29-F687-4f45-9708-019B960494DF}">
-                <a14:hiddenLine xmlns="" xmlns:a14="http://schemas.microsoft.com/office/drawing/2010/main" w="9525">
+                <a14:hiddenLine xmlns:a14="http://schemas.microsoft.com/office/drawing/2010/main" xmlns="" w="9525">
                   <a:solidFill>
                     <a:srgbClr val="000000"/>
                   </a:solidFill>
@@ -1725,7 +1725,7 @@
             </a:ln>
             <a:extLst>
               <a:ext uri="{91240B29-F687-4f45-9708-019B960494DF}">
-                <a14:hiddenLine xmlns="" xmlns:a14="http://schemas.microsoft.com/office/drawing/2010/main" w="9525">
+                <a14:hiddenLine xmlns:a14="http://schemas.microsoft.com/office/drawing/2010/main" xmlns="" w="9525">
                   <a:solidFill>
                     <a:srgbClr val="000000"/>
                   </a:solidFill>
@@ -1781,7 +1781,7 @@
             </a:ln>
             <a:extLst>
               <a:ext uri="{91240B29-F687-4f45-9708-019B960494DF}">
-                <a14:hiddenLine xmlns="" xmlns:a14="http://schemas.microsoft.com/office/drawing/2010/main" w="9525">
+                <a14:hiddenLine xmlns:a14="http://schemas.microsoft.com/office/drawing/2010/main" xmlns="" w="9525">
                   <a:solidFill>
                     <a:srgbClr val="000000"/>
                   </a:solidFill>
@@ -1871,7 +1871,7 @@
             </a:ln>
             <a:extLst>
               <a:ext uri="{91240B29-F687-4f45-9708-019B960494DF}">
-                <a14:hiddenLine xmlns="" xmlns:a14="http://schemas.microsoft.com/office/drawing/2010/main" w="9525">
+                <a14:hiddenLine xmlns:a14="http://schemas.microsoft.com/office/drawing/2010/main" xmlns="" w="9525">
                   <a:solidFill>
                     <a:srgbClr val="000000"/>
                   </a:solidFill>
@@ -1927,7 +1927,7 @@
             </a:ln>
             <a:extLst>
               <a:ext uri="{91240B29-F687-4f45-9708-019B960494DF}">
-                <a14:hiddenLine xmlns="" xmlns:a14="http://schemas.microsoft.com/office/drawing/2010/main" w="9525">
+                <a14:hiddenLine xmlns:a14="http://schemas.microsoft.com/office/drawing/2010/main" xmlns="" w="9525">
                   <a:solidFill>
                     <a:srgbClr val="000000"/>
                   </a:solidFill>
@@ -2017,7 +2017,7 @@
             </a:ln>
             <a:extLst>
               <a:ext uri="{91240B29-F687-4f45-9708-019B960494DF}">
-                <a14:hiddenLine xmlns="" xmlns:a14="http://schemas.microsoft.com/office/drawing/2010/main" w="9525">
+                <a14:hiddenLine xmlns:a14="http://schemas.microsoft.com/office/drawing/2010/main" xmlns="" w="9525">
                   <a:solidFill>
                     <a:srgbClr val="000000"/>
                   </a:solidFill>
@@ -2085,7 +2085,7 @@
             </a:ln>
             <a:extLst>
               <a:ext uri="{91240B29-F687-4f45-9708-019B960494DF}">
-                <a14:hiddenLine xmlns="" xmlns:a14="http://schemas.microsoft.com/office/drawing/2010/main" w="9525">
+                <a14:hiddenLine xmlns:a14="http://schemas.microsoft.com/office/drawing/2010/main" xmlns="" w="9525">
                   <a:solidFill>
                     <a:srgbClr val="000000"/>
                   </a:solidFill>
@@ -2175,7 +2175,7 @@
             </a:ln>
             <a:extLst>
               <a:ext uri="{91240B29-F687-4f45-9708-019B960494DF}">
-                <a14:hiddenLine xmlns="" xmlns:a14="http://schemas.microsoft.com/office/drawing/2010/main" w="9525">
+                <a14:hiddenLine xmlns:a14="http://schemas.microsoft.com/office/drawing/2010/main" xmlns="" w="9525">
                   <a:solidFill>
                     <a:srgbClr val="000000"/>
                   </a:solidFill>
@@ -2243,7 +2243,7 @@
             </a:ln>
             <a:extLst>
               <a:ext uri="{91240B29-F687-4f45-9708-019B960494DF}">
-                <a14:hiddenLine xmlns="" xmlns:a14="http://schemas.microsoft.com/office/drawing/2010/main" w="9525">
+                <a14:hiddenLine xmlns:a14="http://schemas.microsoft.com/office/drawing/2010/main" xmlns="" w="9525">
                   <a:solidFill>
                     <a:srgbClr val="000000"/>
                   </a:solidFill>
@@ -2333,7 +2333,7 @@
             </a:ln>
             <a:extLst>
               <a:ext uri="{91240B29-F687-4f45-9708-019B960494DF}">
-                <a14:hiddenLine xmlns="" xmlns:a14="http://schemas.microsoft.com/office/drawing/2010/main" w="9525">
+                <a14:hiddenLine xmlns:a14="http://schemas.microsoft.com/office/drawing/2010/main" xmlns="" w="9525">
                   <a:solidFill>
                     <a:srgbClr val="000000"/>
                   </a:solidFill>
@@ -2367,7 +2367,7 @@
             </a:ln>
             <a:extLst>
               <a:ext uri="{91240B29-F687-4f45-9708-019B960494DF}">
-                <a14:hiddenLine xmlns="" xmlns:a14="http://schemas.microsoft.com/office/drawing/2010/main" w="9525">
+                <a14:hiddenLine xmlns:a14="http://schemas.microsoft.com/office/drawing/2010/main" xmlns="" w="9525">
                   <a:solidFill>
                     <a:srgbClr val="000000"/>
                   </a:solidFill>
@@ -2457,7 +2457,7 @@
             </a:ln>
             <a:extLst>
               <a:ext uri="{91240B29-F687-4f45-9708-019B960494DF}">
-                <a14:hiddenLine xmlns="" xmlns:a14="http://schemas.microsoft.com/office/drawing/2010/main" w="9525">
+                <a14:hiddenLine xmlns:a14="http://schemas.microsoft.com/office/drawing/2010/main" xmlns="" w="9525">
                   <a:solidFill>
                     <a:srgbClr val="000000"/>
                   </a:solidFill>
@@ -2519,7 +2519,7 @@
             </a:ln>
             <a:extLst>
               <a:ext uri="{91240B29-F687-4f45-9708-019B960494DF}">
-                <a14:hiddenLine xmlns="" xmlns:a14="http://schemas.microsoft.com/office/drawing/2010/main" w="9525">
+                <a14:hiddenLine xmlns:a14="http://schemas.microsoft.com/office/drawing/2010/main" xmlns="" w="9525">
                   <a:solidFill>
                     <a:srgbClr val="000000"/>
                   </a:solidFill>
@@ -2581,7 +2581,7 @@
             </a:ln>
             <a:extLst>
               <a:ext uri="{91240B29-F687-4f45-9708-019B960494DF}">
-                <a14:hiddenLine xmlns="" xmlns:a14="http://schemas.microsoft.com/office/drawing/2010/main" w="9525">
+                <a14:hiddenLine xmlns:a14="http://schemas.microsoft.com/office/drawing/2010/main" xmlns="" w="9525">
                   <a:solidFill>
                     <a:srgbClr val="000000"/>
                   </a:solidFill>
@@ -2671,7 +2671,7 @@
             </a:ln>
             <a:extLst>
               <a:ext uri="{91240B29-F687-4f45-9708-019B960494DF}">
-                <a14:hiddenLine xmlns="" xmlns:a14="http://schemas.microsoft.com/office/drawing/2010/main" w="9525">
+                <a14:hiddenLine xmlns:a14="http://schemas.microsoft.com/office/drawing/2010/main" xmlns="" w="9525">
                   <a:solidFill>
                     <a:srgbClr val="000000"/>
                   </a:solidFill>
@@ -2739,7 +2739,7 @@
             </a:ln>
             <a:extLst>
               <a:ext uri="{91240B29-F687-4f45-9708-019B960494DF}">
-                <a14:hiddenLine xmlns="" xmlns:a14="http://schemas.microsoft.com/office/drawing/2010/main" w="9525">
+                <a14:hiddenLine xmlns:a14="http://schemas.microsoft.com/office/drawing/2010/main" xmlns="" w="9525">
                   <a:solidFill>
                     <a:srgbClr val="000000"/>
                   </a:solidFill>
@@ -2801,7 +2801,7 @@
             </a:ln>
             <a:extLst>
               <a:ext uri="{91240B29-F687-4f45-9708-019B960494DF}">
-                <a14:hiddenLine xmlns="" xmlns:a14="http://schemas.microsoft.com/office/drawing/2010/main" w="9525">
+                <a14:hiddenLine xmlns:a14="http://schemas.microsoft.com/office/drawing/2010/main" xmlns="" w="9525">
                   <a:solidFill>
                     <a:srgbClr val="000000"/>
                   </a:solidFill>
@@ -2891,7 +2891,7 @@
             </a:ln>
             <a:extLst>
               <a:ext uri="{91240B29-F687-4f45-9708-019B960494DF}">
-                <a14:hiddenLine xmlns="" xmlns:a14="http://schemas.microsoft.com/office/drawing/2010/main" w="9525">
+                <a14:hiddenLine xmlns:a14="http://schemas.microsoft.com/office/drawing/2010/main" xmlns="" w="9525">
                   <a:solidFill>
                     <a:srgbClr val="000000"/>
                   </a:solidFill>
@@ -2953,7 +2953,7 @@
             </a:ln>
             <a:extLst>
               <a:ext uri="{91240B29-F687-4f45-9708-019B960494DF}">
-                <a14:hiddenLine xmlns="" xmlns:a14="http://schemas.microsoft.com/office/drawing/2010/main" w="9525">
+                <a14:hiddenLine xmlns:a14="http://schemas.microsoft.com/office/drawing/2010/main" xmlns="" w="9525">
                   <a:solidFill>
                     <a:srgbClr val="000000"/>
                   </a:solidFill>
@@ -3043,7 +3043,7 @@
             </a:ln>
             <a:extLst>
               <a:ext uri="{91240B29-F687-4f45-9708-019B960494DF}">
-                <a14:hiddenLine xmlns="" xmlns:a14="http://schemas.microsoft.com/office/drawing/2010/main" w="9525">
+                <a14:hiddenLine xmlns:a14="http://schemas.microsoft.com/office/drawing/2010/main" xmlns="" w="9525">
                   <a:solidFill>
                     <a:srgbClr val="000000"/>
                   </a:solidFill>
@@ -3105,7 +3105,7 @@
             </a:ln>
             <a:extLst>
               <a:ext uri="{91240B29-F687-4f45-9708-019B960494DF}">
-                <a14:hiddenLine xmlns="" xmlns:a14="http://schemas.microsoft.com/office/drawing/2010/main" w="9525">
+                <a14:hiddenLine xmlns:a14="http://schemas.microsoft.com/office/drawing/2010/main" xmlns="" w="9525">
                   <a:solidFill>
                     <a:srgbClr val="000000"/>
                   </a:solidFill>
@@ -3195,7 +3195,7 @@
             </a:ln>
             <a:extLst>
               <a:ext uri="{91240B29-F687-4f45-9708-019B960494DF}">
-                <a14:hiddenLine xmlns="" xmlns:a14="http://schemas.microsoft.com/office/drawing/2010/main" w="9525">
+                <a14:hiddenLine xmlns:a14="http://schemas.microsoft.com/office/drawing/2010/main" xmlns="" w="9525">
                   <a:solidFill>
                     <a:srgbClr val="000000"/>
                   </a:solidFill>
@@ -3229,7 +3229,7 @@
             </a:ln>
             <a:extLst>
               <a:ext uri="{91240B29-F687-4f45-9708-019B960494DF}">
-                <a14:hiddenLine xmlns="" xmlns:a14="http://schemas.microsoft.com/office/drawing/2010/main" w="9525">
+                <a14:hiddenLine xmlns:a14="http://schemas.microsoft.com/office/drawing/2010/main" xmlns="" w="9525">
                   <a:solidFill>
                     <a:srgbClr val="000000"/>
                   </a:solidFill>
@@ -3294,7 +3294,7 @@
             </a:ln>
             <a:extLst>
               <a:ext uri="{91240B29-F687-4f45-9708-019B960494DF}">
-                <a14:hiddenLine xmlns="" xmlns:a14="http://schemas.microsoft.com/office/drawing/2010/main" w="9525">
+                <a14:hiddenLine xmlns:a14="http://schemas.microsoft.com/office/drawing/2010/main" xmlns="" w="9525">
                   <a:solidFill>
                     <a:srgbClr val="000000"/>
                   </a:solidFill>
@@ -3384,7 +3384,7 @@
             </a:ln>
             <a:extLst>
               <a:ext uri="{91240B29-F687-4f45-9708-019B960494DF}">
-                <a14:hiddenLine xmlns="" xmlns:a14="http://schemas.microsoft.com/office/drawing/2010/main" w="9525">
+                <a14:hiddenLine xmlns:a14="http://schemas.microsoft.com/office/drawing/2010/main" xmlns="" w="9525">
                   <a:solidFill>
                     <a:srgbClr val="000000"/>
                   </a:solidFill>
@@ -3446,7 +3446,7 @@
             </a:ln>
             <a:extLst>
               <a:ext uri="{91240B29-F687-4f45-9708-019B960494DF}">
-                <a14:hiddenLine xmlns="" xmlns:a14="http://schemas.microsoft.com/office/drawing/2010/main" w="9525">
+                <a14:hiddenLine xmlns:a14="http://schemas.microsoft.com/office/drawing/2010/main" xmlns="" w="9525">
                   <a:solidFill>
                     <a:srgbClr val="000000"/>
                   </a:solidFill>
@@ -3536,7 +3536,7 @@
             </a:ln>
             <a:extLst>
               <a:ext uri="{91240B29-F687-4f45-9708-019B960494DF}">
-                <a14:hiddenLine xmlns="" xmlns:a14="http://schemas.microsoft.com/office/drawing/2010/main" w="9525">
+                <a14:hiddenLine xmlns:a14="http://schemas.microsoft.com/office/drawing/2010/main" xmlns="" w="9525">
                   <a:solidFill>
                     <a:srgbClr val="000000"/>
                   </a:solidFill>
@@ -3626,7 +3626,7 @@
             </a:ln>
             <a:extLst>
               <a:ext uri="{91240B29-F687-4f45-9708-019B960494DF}">
-                <a14:hiddenLine xmlns="" xmlns:a14="http://schemas.microsoft.com/office/drawing/2010/main" w="9525">
+                <a14:hiddenLine xmlns:a14="http://schemas.microsoft.com/office/drawing/2010/main" xmlns="" w="9525">
                   <a:solidFill>
                     <a:srgbClr val="000000"/>
                   </a:solidFill>
@@ -3691,7 +3691,7 @@
             </a:ln>
             <a:extLst>
               <a:ext uri="{91240B29-F687-4f45-9708-019B960494DF}">
-                <a14:hiddenLine xmlns="" xmlns:a14="http://schemas.microsoft.com/office/drawing/2010/main" w="9525">
+                <a14:hiddenLine xmlns:a14="http://schemas.microsoft.com/office/drawing/2010/main" xmlns="" w="9525">
                   <a:solidFill>
                     <a:srgbClr val="000000"/>
                   </a:solidFill>
@@ -3753,7 +3753,7 @@
             </a:ln>
             <a:extLst>
               <a:ext uri="{91240B29-F687-4f45-9708-019B960494DF}">
-                <a14:hiddenLine xmlns="" xmlns:a14="http://schemas.microsoft.com/office/drawing/2010/main" w="9525">
+                <a14:hiddenLine xmlns:a14="http://schemas.microsoft.com/office/drawing/2010/main" xmlns="" w="9525">
                   <a:solidFill>
                     <a:srgbClr val="000000"/>
                   </a:solidFill>
@@ -3843,7 +3843,7 @@
             </a:ln>
             <a:extLst>
               <a:ext uri="{91240B29-F687-4f45-9708-019B960494DF}">
-                <a14:hiddenLine xmlns="" xmlns:a14="http://schemas.microsoft.com/office/drawing/2010/main" w="9525">
+                <a14:hiddenLine xmlns:a14="http://schemas.microsoft.com/office/drawing/2010/main" xmlns="" w="9525">
                   <a:solidFill>
                     <a:srgbClr val="000000"/>
                   </a:solidFill>
@@ -3933,7 +3933,7 @@
             </a:ln>
             <a:extLst>
               <a:ext uri="{91240B29-F687-4f45-9708-019B960494DF}">
-                <a14:hiddenLine xmlns="" xmlns:a14="http://schemas.microsoft.com/office/drawing/2010/main" w="9525">
+                <a14:hiddenLine xmlns:a14="http://schemas.microsoft.com/office/drawing/2010/main" xmlns="" w="9525">
                   <a:solidFill>
                     <a:srgbClr val="000000"/>
                   </a:solidFill>
@@ -3995,7 +3995,7 @@
             </a:ln>
             <a:extLst>
               <a:ext uri="{91240B29-F687-4f45-9708-019B960494DF}">
-                <a14:hiddenLine xmlns="" xmlns:a14="http://schemas.microsoft.com/office/drawing/2010/main" w="9525">
+                <a14:hiddenLine xmlns:a14="http://schemas.microsoft.com/office/drawing/2010/main" xmlns="" w="9525">
                   <a:solidFill>
                     <a:srgbClr val="000000"/>
                   </a:solidFill>
@@ -4115,7 +4115,7 @@
             </a:ln>
             <a:extLst>
               <a:ext uri="{91240B29-F687-4f45-9708-019B960494DF}">
-                <a14:hiddenLine xmlns="" xmlns:a14="http://schemas.microsoft.com/office/drawing/2010/main" w="9525">
+                <a14:hiddenLine xmlns:a14="http://schemas.microsoft.com/office/drawing/2010/main" xmlns="" w="9525">
                   <a:solidFill>
                     <a:srgbClr val="000000"/>
                   </a:solidFill>
@@ -4183,7 +4183,7 @@
             </a:ln>
             <a:extLst>
               <a:ext uri="{91240B29-F687-4f45-9708-019B960494DF}">
-                <a14:hiddenLine xmlns="" xmlns:a14="http://schemas.microsoft.com/office/drawing/2010/main" w="9525">
+                <a14:hiddenLine xmlns:a14="http://schemas.microsoft.com/office/drawing/2010/main" xmlns="" w="9525">
                   <a:solidFill>
                     <a:srgbClr val="000000"/>
                   </a:solidFill>
@@ -4273,7 +4273,7 @@
             </a:ln>
             <a:extLst>
               <a:ext uri="{91240B29-F687-4f45-9708-019B960494DF}">
-                <a14:hiddenLine xmlns="" xmlns:a14="http://schemas.microsoft.com/office/drawing/2010/main" w="9525">
+                <a14:hiddenLine xmlns:a14="http://schemas.microsoft.com/office/drawing/2010/main" xmlns="" w="9525">
                   <a:solidFill>
                     <a:srgbClr val="000000"/>
                   </a:solidFill>
@@ -4413,7 +4413,7 @@
           <a:p>
             <a:fld id="{48A87A34-81AB-432B-8DAE-1953F412C126}" type="datetimeFigureOut">
               <a:rPr lang="en-US" dirty="0"/>
-              <a:t>6/29/2025</a:t>
+              <a:t>7/2/2025</a:t>
             </a:fld>
             <a:endParaRPr lang="en-US" dirty="0"/>
           </a:p>
@@ -4675,7 +4675,7 @@
           <a:p>
             <a:fld id="{48A87A34-81AB-432B-8DAE-1953F412C126}" type="datetimeFigureOut">
               <a:rPr lang="en-US" dirty="0"/>
-              <a:t>6/29/2025</a:t>
+              <a:t>7/2/2025</a:t>
             </a:fld>
             <a:endParaRPr lang="en-US" dirty="0"/>
           </a:p>
@@ -4866,7 +4866,7 @@
           <a:p>
             <a:fld id="{48A87A34-81AB-432B-8DAE-1953F412C126}" type="datetimeFigureOut">
               <a:rPr lang="en-US" dirty="0"/>
-              <a:t>6/29/2025</a:t>
+              <a:t>7/2/2025</a:t>
             </a:fld>
             <a:endParaRPr lang="en-US" dirty="0"/>
           </a:p>
@@ -5124,7 +5124,7 @@
           <a:p>
             <a:fld id="{48A87A34-81AB-432B-8DAE-1953F412C126}" type="datetimeFigureOut">
               <a:rPr lang="en-US" dirty="0"/>
-              <a:t>6/29/2025</a:t>
+              <a:t>7/2/2025</a:t>
             </a:fld>
             <a:endParaRPr lang="en-US" dirty="0"/>
           </a:p>
@@ -5553,7 +5553,7 @@
           <a:p>
             <a:fld id="{48A87A34-81AB-432B-8DAE-1953F412C126}" type="datetimeFigureOut">
               <a:rPr lang="en-US" dirty="0"/>
-              <a:t>6/29/2025</a:t>
+              <a:t>7/2/2025</a:t>
             </a:fld>
             <a:endParaRPr lang="en-US" dirty="0"/>
           </a:p>
@@ -6094,7 +6094,7 @@
           <a:p>
             <a:fld id="{48A87A34-81AB-432B-8DAE-1953F412C126}" type="datetimeFigureOut">
               <a:rPr lang="en-US" dirty="0"/>
-              <a:t>6/29/2025</a:t>
+              <a:t>7/2/2025</a:t>
             </a:fld>
             <a:endParaRPr lang="en-US" dirty="0"/>
           </a:p>
@@ -6809,7 +6809,7 @@
           <a:p>
             <a:fld id="{48A87A34-81AB-432B-8DAE-1953F412C126}" type="datetimeFigureOut">
               <a:rPr lang="en-US" dirty="0"/>
-              <a:t>6/29/2025</a:t>
+              <a:t>7/2/2025</a:t>
             </a:fld>
             <a:endParaRPr lang="en-US" dirty="0"/>
           </a:p>
@@ -6974,7 +6974,7 @@
           <a:p>
             <a:fld id="{48A87A34-81AB-432B-8DAE-1953F412C126}" type="datetimeFigureOut">
               <a:rPr lang="en-US" dirty="0"/>
-              <a:t>6/29/2025</a:t>
+              <a:t>7/2/2025</a:t>
             </a:fld>
             <a:endParaRPr lang="en-US" dirty="0"/>
           </a:p>
@@ -7149,7 +7149,7 @@
           <a:p>
             <a:fld id="{48A87A34-81AB-432B-8DAE-1953F412C126}" type="datetimeFigureOut">
               <a:rPr lang="en-US" dirty="0"/>
-              <a:t>6/29/2025</a:t>
+              <a:t>7/2/2025</a:t>
             </a:fld>
             <a:endParaRPr lang="en-US" dirty="0"/>
           </a:p>
@@ -7314,7 +7314,7 @@
           <a:p>
             <a:fld id="{48A87A34-81AB-432B-8DAE-1953F412C126}" type="datetimeFigureOut">
               <a:rPr lang="en-US" dirty="0"/>
-              <a:t>6/29/2025</a:t>
+              <a:t>7/2/2025</a:t>
             </a:fld>
             <a:endParaRPr lang="en-US" dirty="0"/>
           </a:p>
@@ -7559,7 +7559,7 @@
           <a:p>
             <a:fld id="{48A87A34-81AB-432B-8DAE-1953F412C126}" type="datetimeFigureOut">
               <a:rPr lang="en-US" dirty="0"/>
-              <a:t>6/29/2025</a:t>
+              <a:t>7/2/2025</a:t>
             </a:fld>
             <a:endParaRPr lang="en-US" dirty="0"/>
           </a:p>
@@ -7786,7 +7786,7 @@
           <a:p>
             <a:fld id="{48A87A34-81AB-432B-8DAE-1953F412C126}" type="datetimeFigureOut">
               <a:rPr lang="en-US" dirty="0"/>
-              <a:t>6/29/2025</a:t>
+              <a:t>7/2/2025</a:t>
             </a:fld>
             <a:endParaRPr lang="en-US" dirty="0"/>
           </a:p>
@@ -8162,7 +8162,7 @@
           <a:p>
             <a:fld id="{48A87A34-81AB-432B-8DAE-1953F412C126}" type="datetimeFigureOut">
               <a:rPr lang="en-US" dirty="0"/>
-              <a:t>6/29/2025</a:t>
+              <a:t>7/2/2025</a:t>
             </a:fld>
             <a:endParaRPr lang="en-US" dirty="0"/>
           </a:p>
@@ -8275,7 +8275,7 @@
           <a:p>
             <a:fld id="{48A87A34-81AB-432B-8DAE-1953F412C126}" type="datetimeFigureOut">
               <a:rPr lang="en-US" dirty="0"/>
-              <a:t>6/29/2025</a:t>
+              <a:t>7/2/2025</a:t>
             </a:fld>
             <a:endParaRPr lang="en-US" dirty="0"/>
           </a:p>
@@ -8365,7 +8365,7 @@
           <a:p>
             <a:fld id="{48A87A34-81AB-432B-8DAE-1953F412C126}" type="datetimeFigureOut">
               <a:rPr lang="en-US" dirty="0"/>
-              <a:t>6/29/2025</a:t>
+              <a:t>7/2/2025</a:t>
             </a:fld>
             <a:endParaRPr lang="en-US" dirty="0"/>
           </a:p>
@@ -8609,7 +8609,7 @@
           <a:p>
             <a:fld id="{48A87A34-81AB-432B-8DAE-1953F412C126}" type="datetimeFigureOut">
               <a:rPr lang="en-US" dirty="0"/>
-              <a:t>6/29/2025</a:t>
+              <a:t>7/2/2025</a:t>
             </a:fld>
             <a:endParaRPr lang="en-US" dirty="0"/>
           </a:p>
@@ -8884,7 +8884,7 @@
           <a:p>
             <a:fld id="{48A87A34-81AB-432B-8DAE-1953F412C126}" type="datetimeFigureOut">
               <a:rPr lang="en-US" dirty="0"/>
-              <a:t>6/29/2025</a:t>
+              <a:t>7/2/2025</a:t>
             </a:fld>
             <a:endParaRPr lang="en-US" dirty="0"/>
           </a:p>
@@ -8995,7 +8995,7 @@
           <a:noFill/>
           <a:extLst>
             <a:ext uri="{909E8E84-426E-40dd-AFC4-6F175D3DCCD1}">
-              <a14:hiddenFill xmlns="" xmlns:a14="http://schemas.microsoft.com/office/drawing/2010/main">
+              <a14:hiddenFill xmlns:a14="http://schemas.microsoft.com/office/drawing/2010/main" xmlns="">
                 <a:solidFill>
                   <a:srgbClr val="FFFFFF"/>
                 </a:solidFill>
@@ -9069,7 +9069,7 @@
               </a:ln>
               <a:extLst>
                 <a:ext uri="{91240B29-F687-4f45-9708-019B960494DF}">
-                  <a14:hiddenLine xmlns="" xmlns:a14="http://schemas.microsoft.com/office/drawing/2010/main" w="9525">
+                  <a14:hiddenLine xmlns:a14="http://schemas.microsoft.com/office/drawing/2010/main" xmlns="" w="9525">
                     <a:solidFill>
                       <a:srgbClr val="000000"/>
                     </a:solidFill>
@@ -9159,7 +9159,7 @@
               </a:ln>
               <a:extLst>
                 <a:ext uri="{91240B29-F687-4f45-9708-019B960494DF}">
-                  <a14:hiddenLine xmlns="" xmlns:a14="http://schemas.microsoft.com/office/drawing/2010/main" w="9525">
+                  <a14:hiddenLine xmlns:a14="http://schemas.microsoft.com/office/drawing/2010/main" xmlns="" w="9525">
                     <a:solidFill>
                       <a:srgbClr val="000000"/>
                     </a:solidFill>
@@ -9249,7 +9249,7 @@
               </a:ln>
               <a:extLst>
                 <a:ext uri="{91240B29-F687-4f45-9708-019B960494DF}">
-                  <a14:hiddenLine xmlns="" xmlns:a14="http://schemas.microsoft.com/office/drawing/2010/main" w="9525">
+                  <a14:hiddenLine xmlns:a14="http://schemas.microsoft.com/office/drawing/2010/main" xmlns="" w="9525">
                     <a:solidFill>
                       <a:srgbClr val="000000"/>
                     </a:solidFill>
@@ -9311,7 +9311,7 @@
               </a:ln>
               <a:extLst>
                 <a:ext uri="{91240B29-F687-4f45-9708-019B960494DF}">
-                  <a14:hiddenLine xmlns="" xmlns:a14="http://schemas.microsoft.com/office/drawing/2010/main" w="9525">
+                  <a14:hiddenLine xmlns:a14="http://schemas.microsoft.com/office/drawing/2010/main" xmlns="" w="9525">
                     <a:solidFill>
                       <a:srgbClr val="000000"/>
                     </a:solidFill>
@@ -9401,7 +9401,7 @@
               </a:ln>
               <a:extLst>
                 <a:ext uri="{91240B29-F687-4f45-9708-019B960494DF}">
-                  <a14:hiddenLine xmlns="" xmlns:a14="http://schemas.microsoft.com/office/drawing/2010/main" w="9525">
+                  <a14:hiddenLine xmlns:a14="http://schemas.microsoft.com/office/drawing/2010/main" xmlns="" w="9525">
                     <a:solidFill>
                       <a:srgbClr val="000000"/>
                     </a:solidFill>
@@ -9463,7 +9463,7 @@
               </a:ln>
               <a:extLst>
                 <a:ext uri="{91240B29-F687-4f45-9708-019B960494DF}">
-                  <a14:hiddenLine xmlns="" xmlns:a14="http://schemas.microsoft.com/office/drawing/2010/main" w="9525">
+                  <a14:hiddenLine xmlns:a14="http://schemas.microsoft.com/office/drawing/2010/main" xmlns="" w="9525">
                     <a:solidFill>
                       <a:srgbClr val="000000"/>
                     </a:solidFill>
@@ -9525,7 +9525,7 @@
               </a:ln>
               <a:extLst>
                 <a:ext uri="{91240B29-F687-4f45-9708-019B960494DF}">
-                  <a14:hiddenLine xmlns="" xmlns:a14="http://schemas.microsoft.com/office/drawing/2010/main" w="9525">
+                  <a14:hiddenLine xmlns:a14="http://schemas.microsoft.com/office/drawing/2010/main" xmlns="" w="9525">
                     <a:solidFill>
                       <a:srgbClr val="000000"/>
                     </a:solidFill>
@@ -9615,7 +9615,7 @@
               </a:ln>
               <a:extLst>
                 <a:ext uri="{91240B29-F687-4f45-9708-019B960494DF}">
-                  <a14:hiddenLine xmlns="" xmlns:a14="http://schemas.microsoft.com/office/drawing/2010/main" w="9525">
+                  <a14:hiddenLine xmlns:a14="http://schemas.microsoft.com/office/drawing/2010/main" xmlns="" w="9525">
                     <a:solidFill>
                       <a:srgbClr val="000000"/>
                     </a:solidFill>
@@ -9705,7 +9705,7 @@
               </a:ln>
               <a:extLst>
                 <a:ext uri="{91240B29-F687-4f45-9708-019B960494DF}">
-                  <a14:hiddenLine xmlns="" xmlns:a14="http://schemas.microsoft.com/office/drawing/2010/main" w="9525">
+                  <a14:hiddenLine xmlns:a14="http://schemas.microsoft.com/office/drawing/2010/main" xmlns="" w="9525">
                     <a:solidFill>
                       <a:srgbClr val="000000"/>
                     </a:solidFill>
@@ -9767,7 +9767,7 @@
               </a:ln>
               <a:extLst>
                 <a:ext uri="{91240B29-F687-4f45-9708-019B960494DF}">
-                  <a14:hiddenLine xmlns="" xmlns:a14="http://schemas.microsoft.com/office/drawing/2010/main" w="9525">
+                  <a14:hiddenLine xmlns:a14="http://schemas.microsoft.com/office/drawing/2010/main" xmlns="" w="9525">
                     <a:solidFill>
                       <a:srgbClr val="000000"/>
                     </a:solidFill>
@@ -9877,7 +9877,7 @@
               </a:ln>
               <a:extLst>
                 <a:ext uri="{91240B29-F687-4f45-9708-019B960494DF}">
-                  <a14:hiddenLine xmlns="" xmlns:a14="http://schemas.microsoft.com/office/drawing/2010/main" w="9525">
+                  <a14:hiddenLine xmlns:a14="http://schemas.microsoft.com/office/drawing/2010/main" xmlns="" w="9525">
                     <a:solidFill>
                       <a:srgbClr val="000000"/>
                     </a:solidFill>
@@ -9961,7 +9961,7 @@
               </a:ln>
               <a:extLst>
                 <a:ext uri="{91240B29-F687-4f45-9708-019B960494DF}">
-                  <a14:hiddenLine xmlns="" xmlns:a14="http://schemas.microsoft.com/office/drawing/2010/main" w="9525">
+                  <a14:hiddenLine xmlns:a14="http://schemas.microsoft.com/office/drawing/2010/main" xmlns="" w="9525">
                     <a:solidFill>
                       <a:srgbClr val="000000"/>
                     </a:solidFill>
@@ -10023,7 +10023,7 @@
               </a:ln>
               <a:extLst>
                 <a:ext uri="{91240B29-F687-4f45-9708-019B960494DF}">
-                  <a14:hiddenLine xmlns="" xmlns:a14="http://schemas.microsoft.com/office/drawing/2010/main" w="9525">
+                  <a14:hiddenLine xmlns:a14="http://schemas.microsoft.com/office/drawing/2010/main" xmlns="" w="9525">
                     <a:solidFill>
                       <a:srgbClr val="000000"/>
                     </a:solidFill>
@@ -10085,7 +10085,7 @@
               </a:ln>
               <a:extLst>
                 <a:ext uri="{91240B29-F687-4f45-9708-019B960494DF}">
-                  <a14:hiddenLine xmlns="" xmlns:a14="http://schemas.microsoft.com/office/drawing/2010/main" w="9525">
+                  <a14:hiddenLine xmlns:a14="http://schemas.microsoft.com/office/drawing/2010/main" xmlns="" w="9525">
                     <a:solidFill>
                       <a:srgbClr val="000000"/>
                     </a:solidFill>
@@ -10175,7 +10175,7 @@
               </a:ln>
               <a:extLst>
                 <a:ext uri="{91240B29-F687-4f45-9708-019B960494DF}">
-                  <a14:hiddenLine xmlns="" xmlns:a14="http://schemas.microsoft.com/office/drawing/2010/main" w="9525">
+                  <a14:hiddenLine xmlns:a14="http://schemas.microsoft.com/office/drawing/2010/main" xmlns="" w="9525">
                     <a:solidFill>
                       <a:srgbClr val="000000"/>
                     </a:solidFill>
@@ -10209,7 +10209,7 @@
               </a:ln>
               <a:extLst>
                 <a:ext uri="{91240B29-F687-4f45-9708-019B960494DF}">
-                  <a14:hiddenLine xmlns="" xmlns:a14="http://schemas.microsoft.com/office/drawing/2010/main" w="9525">
+                  <a14:hiddenLine xmlns:a14="http://schemas.microsoft.com/office/drawing/2010/main" xmlns="" w="9525">
                     <a:solidFill>
                       <a:srgbClr val="000000"/>
                     </a:solidFill>
@@ -10274,7 +10274,7 @@
               </a:ln>
               <a:extLst>
                 <a:ext uri="{91240B29-F687-4f45-9708-019B960494DF}">
-                  <a14:hiddenLine xmlns="" xmlns:a14="http://schemas.microsoft.com/office/drawing/2010/main" w="9525">
+                  <a14:hiddenLine xmlns:a14="http://schemas.microsoft.com/office/drawing/2010/main" xmlns="" w="9525">
                     <a:solidFill>
                       <a:srgbClr val="000000"/>
                     </a:solidFill>
@@ -10364,7 +10364,7 @@
               </a:ln>
               <a:extLst>
                 <a:ext uri="{91240B29-F687-4f45-9708-019B960494DF}">
-                  <a14:hiddenLine xmlns="" xmlns:a14="http://schemas.microsoft.com/office/drawing/2010/main" w="9525">
+                  <a14:hiddenLine xmlns:a14="http://schemas.microsoft.com/office/drawing/2010/main" xmlns="" w="9525">
                     <a:solidFill>
                       <a:srgbClr val="000000"/>
                     </a:solidFill>
@@ -10426,7 +10426,7 @@
               </a:ln>
               <a:extLst>
                 <a:ext uri="{91240B29-F687-4f45-9708-019B960494DF}">
-                  <a14:hiddenLine xmlns="" xmlns:a14="http://schemas.microsoft.com/office/drawing/2010/main" w="9525">
+                  <a14:hiddenLine xmlns:a14="http://schemas.microsoft.com/office/drawing/2010/main" xmlns="" w="9525">
                     <a:solidFill>
                       <a:srgbClr val="000000"/>
                     </a:solidFill>
@@ -10516,7 +10516,7 @@
               </a:ln>
               <a:extLst>
                 <a:ext uri="{91240B29-F687-4f45-9708-019B960494DF}">
-                  <a14:hiddenLine xmlns="" xmlns:a14="http://schemas.microsoft.com/office/drawing/2010/main" w="9525">
+                  <a14:hiddenLine xmlns:a14="http://schemas.microsoft.com/office/drawing/2010/main" xmlns="" w="9525">
                     <a:solidFill>
                       <a:srgbClr val="000000"/>
                     </a:solidFill>
@@ -10581,7 +10581,7 @@
               </a:ln>
               <a:extLst>
                 <a:ext uri="{91240B29-F687-4f45-9708-019B960494DF}">
-                  <a14:hiddenLine xmlns="" xmlns:a14="http://schemas.microsoft.com/office/drawing/2010/main" w="9525">
+                  <a14:hiddenLine xmlns:a14="http://schemas.microsoft.com/office/drawing/2010/main" xmlns="" w="9525">
                     <a:solidFill>
                       <a:srgbClr val="000000"/>
                     </a:solidFill>
@@ -10643,7 +10643,7 @@
               </a:ln>
               <a:extLst>
                 <a:ext uri="{91240B29-F687-4f45-9708-019B960494DF}">
-                  <a14:hiddenLine xmlns="" xmlns:a14="http://schemas.microsoft.com/office/drawing/2010/main" w="9525">
+                  <a14:hiddenLine xmlns:a14="http://schemas.microsoft.com/office/drawing/2010/main" xmlns="" w="9525">
                     <a:solidFill>
                       <a:srgbClr val="000000"/>
                     </a:solidFill>
@@ -10733,7 +10733,7 @@
               </a:ln>
               <a:extLst>
                 <a:ext uri="{91240B29-F687-4f45-9708-019B960494DF}">
-                  <a14:hiddenLine xmlns="" xmlns:a14="http://schemas.microsoft.com/office/drawing/2010/main" w="9525">
+                  <a14:hiddenLine xmlns:a14="http://schemas.microsoft.com/office/drawing/2010/main" xmlns="" w="9525">
                     <a:solidFill>
                       <a:srgbClr val="000000"/>
                     </a:solidFill>
@@ -10823,7 +10823,7 @@
               </a:ln>
               <a:extLst>
                 <a:ext uri="{91240B29-F687-4f45-9708-019B960494DF}">
-                  <a14:hiddenLine xmlns="" xmlns:a14="http://schemas.microsoft.com/office/drawing/2010/main" w="9525">
+                  <a14:hiddenLine xmlns:a14="http://schemas.microsoft.com/office/drawing/2010/main" xmlns="" w="9525">
                     <a:solidFill>
                       <a:srgbClr val="000000"/>
                     </a:solidFill>
@@ -10888,7 +10888,7 @@
               </a:ln>
               <a:extLst>
                 <a:ext uri="{91240B29-F687-4f45-9708-019B960494DF}">
-                  <a14:hiddenLine xmlns="" xmlns:a14="http://schemas.microsoft.com/office/drawing/2010/main" w="9525">
+                  <a14:hiddenLine xmlns:a14="http://schemas.microsoft.com/office/drawing/2010/main" xmlns="" w="9525">
                     <a:solidFill>
                       <a:srgbClr val="000000"/>
                     </a:solidFill>
@@ -11008,7 +11008,7 @@
               </a:ln>
               <a:extLst>
                 <a:ext uri="{91240B29-F687-4f45-9708-019B960494DF}">
-                  <a14:hiddenLine xmlns="" xmlns:a14="http://schemas.microsoft.com/office/drawing/2010/main" w="9525">
+                  <a14:hiddenLine xmlns:a14="http://schemas.microsoft.com/office/drawing/2010/main" xmlns="" w="9525">
                     <a:solidFill>
                       <a:srgbClr val="000000"/>
                     </a:solidFill>
@@ -11106,7 +11106,7 @@
               </a:ln>
               <a:extLst>
                 <a:ext uri="{91240B29-F687-4f45-9708-019B960494DF}">
-                  <a14:hiddenLine xmlns="" xmlns:a14="http://schemas.microsoft.com/office/drawing/2010/main" w="9525">
+                  <a14:hiddenLine xmlns:a14="http://schemas.microsoft.com/office/drawing/2010/main" xmlns="" w="9525">
                     <a:solidFill>
                       <a:srgbClr val="000000"/>
                     </a:solidFill>
@@ -11221,7 +11221,7 @@
               </a:ln>
               <a:extLst>
                 <a:ext uri="{91240B29-F687-4f45-9708-019B960494DF}">
-                  <a14:hiddenLine xmlns="" xmlns:a14="http://schemas.microsoft.com/office/drawing/2010/main" w="9525">
+                  <a14:hiddenLine xmlns:a14="http://schemas.microsoft.com/office/drawing/2010/main" xmlns="" w="9525">
                     <a:solidFill>
                       <a:srgbClr val="000000"/>
                     </a:solidFill>
@@ -11311,7 +11311,7 @@
               </a:ln>
               <a:extLst>
                 <a:ext uri="{91240B29-F687-4f45-9708-019B960494DF}">
-                  <a14:hiddenLine xmlns="" xmlns:a14="http://schemas.microsoft.com/office/drawing/2010/main" w="9525">
+                  <a14:hiddenLine xmlns:a14="http://schemas.microsoft.com/office/drawing/2010/main" xmlns="" w="9525">
                     <a:solidFill>
                       <a:srgbClr val="000000"/>
                     </a:solidFill>
@@ -11376,7 +11376,7 @@
               </a:ln>
               <a:extLst>
                 <a:ext uri="{91240B29-F687-4f45-9708-019B960494DF}">
-                  <a14:hiddenLine xmlns="" xmlns:a14="http://schemas.microsoft.com/office/drawing/2010/main" w="9525">
+                  <a14:hiddenLine xmlns:a14="http://schemas.microsoft.com/office/drawing/2010/main" xmlns="" w="9525">
                     <a:solidFill>
                       <a:srgbClr val="000000"/>
                     </a:solidFill>
@@ -11466,7 +11466,7 @@
               </a:ln>
               <a:extLst>
                 <a:ext uri="{91240B29-F687-4f45-9708-019B960494DF}">
-                  <a14:hiddenLine xmlns="" xmlns:a14="http://schemas.microsoft.com/office/drawing/2010/main" w="9525">
+                  <a14:hiddenLine xmlns:a14="http://schemas.microsoft.com/office/drawing/2010/main" xmlns="" w="9525">
                     <a:solidFill>
                       <a:srgbClr val="000000"/>
                     </a:solidFill>
@@ -11534,7 +11534,7 @@
               </a:ln>
               <a:extLst>
                 <a:ext uri="{91240B29-F687-4f45-9708-019B960494DF}">
-                  <a14:hiddenLine xmlns="" xmlns:a14="http://schemas.microsoft.com/office/drawing/2010/main" w="9525">
+                  <a14:hiddenLine xmlns:a14="http://schemas.microsoft.com/office/drawing/2010/main" xmlns="" w="9525">
                     <a:solidFill>
                       <a:srgbClr val="000000"/>
                     </a:solidFill>
@@ -11624,7 +11624,7 @@
               </a:ln>
               <a:extLst>
                 <a:ext uri="{91240B29-F687-4f45-9708-019B960494DF}">
-                  <a14:hiddenLine xmlns="" xmlns:a14="http://schemas.microsoft.com/office/drawing/2010/main" w="9525">
+                  <a14:hiddenLine xmlns:a14="http://schemas.microsoft.com/office/drawing/2010/main" xmlns="" w="9525">
                     <a:solidFill>
                       <a:srgbClr val="000000"/>
                     </a:solidFill>
@@ -11692,7 +11692,7 @@
               </a:ln>
               <a:extLst>
                 <a:ext uri="{91240B29-F687-4f45-9708-019B960494DF}">
-                  <a14:hiddenLine xmlns="" xmlns:a14="http://schemas.microsoft.com/office/drawing/2010/main" w="9525">
+                  <a14:hiddenLine xmlns:a14="http://schemas.microsoft.com/office/drawing/2010/main" xmlns="" w="9525">
                     <a:solidFill>
                       <a:srgbClr val="000000"/>
                     </a:solidFill>
@@ -11782,7 +11782,7 @@
               </a:ln>
               <a:extLst>
                 <a:ext uri="{91240B29-F687-4f45-9708-019B960494DF}">
-                  <a14:hiddenLine xmlns="" xmlns:a14="http://schemas.microsoft.com/office/drawing/2010/main" w="9525">
+                  <a14:hiddenLine xmlns:a14="http://schemas.microsoft.com/office/drawing/2010/main" xmlns="" w="9525">
                     <a:solidFill>
                       <a:srgbClr val="000000"/>
                     </a:solidFill>
@@ -11816,7 +11816,7 @@
               </a:ln>
               <a:extLst>
                 <a:ext uri="{91240B29-F687-4f45-9708-019B960494DF}">
-                  <a14:hiddenLine xmlns="" xmlns:a14="http://schemas.microsoft.com/office/drawing/2010/main" w="9525">
+                  <a14:hiddenLine xmlns:a14="http://schemas.microsoft.com/office/drawing/2010/main" xmlns="" w="9525">
                     <a:solidFill>
                       <a:srgbClr val="000000"/>
                     </a:solidFill>
@@ -11957,7 +11957,7 @@
             <a:fld id="{48A87A34-81AB-432B-8DAE-1953F412C126}" type="datetimeFigureOut">
               <a:rPr lang="en-US" dirty="0"/>
               <a:pPr/>
-              <a:t>6/29/2025</a:t>
+              <a:t>7/2/2025</a:t>
             </a:fld>
             <a:endParaRPr lang="en-US" dirty="0"/>
           </a:p>
@@ -12541,7 +12541,7 @@
             <a:noFill/>
             <a:extLst>
               <a:ext uri="{909E8E84-426E-40dd-AFC4-6F175D3DCCD1}">
-                <a14:hiddenFill xmlns="" xmlns:a16="http://schemas.microsoft.com/office/drawing/2014/main" xmlns:a14="http://schemas.microsoft.com/office/drawing/2010/main" xmlns:p14="http://schemas.microsoft.com/office/powerpoint/2010/main">
+                <a14:hiddenFill xmlns:p14="http://schemas.microsoft.com/office/powerpoint/2010/main" xmlns:a14="http://schemas.microsoft.com/office/drawing/2010/main" xmlns:a16="http://schemas.microsoft.com/office/drawing/2014/main" xmlns="">
                   <a:solidFill>
                     <a:srgbClr val="FFFFFF"/>
                   </a:solidFill>
@@ -33442,8 +33442,8 @@
         </p:blipFill>
         <p:spPr>
           <a:xfrm>
-            <a:off x="934497" y="2541993"/>
-            <a:ext cx="10895552" cy="4069822"/>
+            <a:off x="943583" y="2541992"/>
+            <a:ext cx="10886466" cy="4217075"/>
           </a:xfrm>
           <a:prstGeom prst="rect">
             <a:avLst/>
